--- a/Abschlusspräsentation.pptx
+++ b/Abschlusspräsentation.pptx
@@ -5,18 +5,19 @@
     <p:sldMasterId id="2147483852" r:id="rId1"/>
   </p:sldMasterIdLst>
   <p:notesMasterIdLst>
-    <p:notesMasterId r:id="rId11"/>
+    <p:notesMasterId r:id="rId12"/>
   </p:notesMasterIdLst>
   <p:sldIdLst>
     <p:sldId id="322" r:id="rId2"/>
     <p:sldId id="320" r:id="rId3"/>
     <p:sldId id="324" r:id="rId4"/>
-    <p:sldId id="321" r:id="rId5"/>
-    <p:sldId id="325" r:id="rId6"/>
-    <p:sldId id="327" r:id="rId7"/>
-    <p:sldId id="328" r:id="rId8"/>
-    <p:sldId id="329" r:id="rId9"/>
-    <p:sldId id="326" r:id="rId10"/>
+    <p:sldId id="257" r:id="rId5"/>
+    <p:sldId id="258" r:id="rId6"/>
+    <p:sldId id="325" r:id="rId7"/>
+    <p:sldId id="327" r:id="rId8"/>
+    <p:sldId id="328" r:id="rId9"/>
+    <p:sldId id="329" r:id="rId10"/>
+    <p:sldId id="326" r:id="rId11"/>
   </p:sldIdLst>
   <p:sldSz cx="12192000" cy="6858000"/>
   <p:notesSz cx="6858000" cy="9144000"/>
@@ -217,7 +218,7 @@
           <a:p>
             <a:fld id="{6E848EDB-F6CF-AA41-9EA3-53C942B1B060}" type="datetimeFigureOut">
               <a:rPr lang="de-DE" smtClean="0"/>
-              <a:t>22.10.2024</a:t>
+              <a:t>27.10.2024</a:t>
             </a:fld>
             <a:endParaRPr lang="de-DE"/>
           </a:p>
@@ -484,6 +485,90 @@
 </p:notesMaster>
 </file>
 
+<file path=ppt/notesSlides/notesSlide1.xml><?xml version="1.0" encoding="utf-8"?>
+<p:notes xmlns:a="http://schemas.openxmlformats.org/drawingml/2006/main" xmlns:r="http://schemas.openxmlformats.org/officeDocument/2006/relationships" xmlns:p="http://schemas.openxmlformats.org/presentationml/2006/main">
+  <p:cSld>
+    <p:spTree>
+      <p:nvGrpSpPr>
+        <p:cNvPr id="1" name=""/>
+        <p:cNvGrpSpPr/>
+        <p:nvPr/>
+      </p:nvGrpSpPr>
+      <p:grpSpPr>
+        <a:xfrm>
+          <a:off x="0" y="0"/>
+          <a:ext cx="0" cy="0"/>
+          <a:chOff x="0" y="0"/>
+          <a:chExt cx="0" cy="0"/>
+        </a:xfrm>
+      </p:grpSpPr>
+      <p:sp>
+        <p:nvSpPr>
+          <p:cNvPr id="2" name="Folienbildplatzhalter 1"/>
+          <p:cNvSpPr>
+            <a:spLocks noGrp="1" noRot="1" noChangeAspect="1"/>
+          </p:cNvSpPr>
+          <p:nvPr>
+            <p:ph type="sldImg"/>
+          </p:nvPr>
+        </p:nvSpPr>
+        <p:spPr/>
+      </p:sp>
+      <p:sp>
+        <p:nvSpPr>
+          <p:cNvPr id="3" name="Notizenplatzhalter 2"/>
+          <p:cNvSpPr>
+            <a:spLocks noGrp="1"/>
+          </p:cNvSpPr>
+          <p:nvPr>
+            <p:ph type="body" idx="1"/>
+          </p:nvPr>
+        </p:nvSpPr>
+        <p:spPr/>
+        <p:txBody>
+          <a:bodyPr/>
+          <a:lstStyle/>
+          <a:p>
+            <a:endParaRPr lang="de-DE" dirty="0"/>
+          </a:p>
+        </p:txBody>
+      </p:sp>
+      <p:sp>
+        <p:nvSpPr>
+          <p:cNvPr id="4" name="Foliennummernplatzhalter 3"/>
+          <p:cNvSpPr>
+            <a:spLocks noGrp="1"/>
+          </p:cNvSpPr>
+          <p:nvPr>
+            <p:ph type="sldNum" sz="quarter" idx="5"/>
+          </p:nvPr>
+        </p:nvSpPr>
+        <p:spPr/>
+        <p:txBody>
+          <a:bodyPr/>
+          <a:lstStyle/>
+          <a:p>
+            <a:fld id="{97645587-8C8A-544D-8307-732134D6F509}" type="slidenum">
+              <a:rPr lang="de-DE" smtClean="0"/>
+              <a:t>1</a:t>
+            </a:fld>
+            <a:endParaRPr lang="de-DE"/>
+          </a:p>
+        </p:txBody>
+      </p:sp>
+    </p:spTree>
+    <p:extLst>
+      <p:ext uri="{BB962C8B-B14F-4D97-AF65-F5344CB8AC3E}">
+        <p14:creationId xmlns:p14="http://schemas.microsoft.com/office/powerpoint/2010/main" val="4179193776"/>
+      </p:ext>
+    </p:extLst>
+  </p:cSld>
+  <p:clrMapOvr>
+    <a:masterClrMapping/>
+  </p:clrMapOvr>
+</p:notes>
+</file>
+
 <file path=ppt/slideLayouts/slideLayout1.xml><?xml version="1.0" encoding="utf-8"?>
 <p:sldLayout xmlns:a="http://schemas.openxmlformats.org/drawingml/2006/main" xmlns:r="http://schemas.openxmlformats.org/officeDocument/2006/relationships" xmlns:p="http://schemas.openxmlformats.org/presentationml/2006/main" type="title" preserve="1">
   <p:cSld name="Titelfolie">
@@ -615,7 +700,7 @@
           <a:p>
             <a:fld id="{90A5264F-C28B-422A-8664-2DDDB4B8162E}" type="datetime1">
               <a:rPr lang="de-DE" smtClean="0"/>
-              <a:t>22.10.2024</a:t>
+              <a:t>27.10.2024</a:t>
             </a:fld>
             <a:endParaRPr lang="de-DE"/>
           </a:p>
@@ -785,7 +870,7 @@
           <a:p>
             <a:fld id="{041661AB-58BD-4E04-A333-C01870A10897}" type="datetime1">
               <a:rPr lang="de-DE" smtClean="0"/>
-              <a:t>22.10.2024</a:t>
+              <a:t>27.10.2024</a:t>
             </a:fld>
             <a:endParaRPr lang="de-DE"/>
           </a:p>
@@ -965,7 +1050,7 @@
           <a:p>
             <a:fld id="{0B819678-C3A8-45F8-BCC1-FC4CB4678F6A}" type="datetime1">
               <a:rPr lang="de-DE" smtClean="0"/>
-              <a:t>22.10.2024</a:t>
+              <a:t>27.10.2024</a:t>
             </a:fld>
             <a:endParaRPr lang="de-DE"/>
           </a:p>
@@ -1135,7 +1220,7 @@
           <a:p>
             <a:fld id="{14A7536F-30DA-4A3E-8FD1-A25426FD1018}" type="datetime1">
               <a:rPr lang="de-DE" smtClean="0"/>
-              <a:t>22.10.2024</a:t>
+              <a:t>27.10.2024</a:t>
             </a:fld>
             <a:endParaRPr lang="de-DE"/>
           </a:p>
@@ -1381,7 +1466,7 @@
           <a:p>
             <a:fld id="{83C0B615-3DB7-47F9-922F-AA642D2032D8}" type="datetime1">
               <a:rPr lang="de-DE" smtClean="0"/>
-              <a:t>22.10.2024</a:t>
+              <a:t>27.10.2024</a:t>
             </a:fld>
             <a:endParaRPr lang="de-DE"/>
           </a:p>
@@ -1613,7 +1698,7 @@
           <a:p>
             <a:fld id="{736F1FFD-9937-4E31-A10C-8B76A6185FA5}" type="datetime1">
               <a:rPr lang="de-DE" smtClean="0"/>
-              <a:t>22.10.2024</a:t>
+              <a:t>27.10.2024</a:t>
             </a:fld>
             <a:endParaRPr lang="de-DE"/>
           </a:p>
@@ -1980,7 +2065,7 @@
           <a:p>
             <a:fld id="{47823504-7769-4DBA-A9ED-AA36B31F18B2}" type="datetime1">
               <a:rPr lang="de-DE" smtClean="0"/>
-              <a:t>22.10.2024</a:t>
+              <a:t>27.10.2024</a:t>
             </a:fld>
             <a:endParaRPr lang="de-DE"/>
           </a:p>
@@ -2098,7 +2183,7 @@
           <a:p>
             <a:fld id="{FFDA750B-1959-4699-8CA5-95A1922A8749}" type="datetime1">
               <a:rPr lang="de-DE" smtClean="0"/>
-              <a:t>22.10.2024</a:t>
+              <a:t>27.10.2024</a:t>
             </a:fld>
             <a:endParaRPr lang="de-DE"/>
           </a:p>
@@ -2193,7 +2278,7 @@
           <a:p>
             <a:fld id="{2DDFC44D-9975-40B9-9BE8-4223AF3109B6}" type="datetime1">
               <a:rPr lang="de-DE" smtClean="0"/>
-              <a:t>22.10.2024</a:t>
+              <a:t>27.10.2024</a:t>
             </a:fld>
             <a:endParaRPr lang="de-DE"/>
           </a:p>
@@ -2470,7 +2555,7 @@
           <a:p>
             <a:fld id="{6E52A64E-A8F8-4E23-8F5C-A4506361B19B}" type="datetime1">
               <a:rPr lang="de-DE" smtClean="0"/>
-              <a:t>22.10.2024</a:t>
+              <a:t>27.10.2024</a:t>
             </a:fld>
             <a:endParaRPr lang="de-DE"/>
           </a:p>
@@ -2727,7 +2812,7 @@
           <a:p>
             <a:fld id="{FC5DF16F-5F5D-4800-8A49-93DC2FDBEA53}" type="datetime1">
               <a:rPr lang="de-DE" smtClean="0"/>
-              <a:t>22.10.2024</a:t>
+              <a:t>27.10.2024</a:t>
             </a:fld>
             <a:endParaRPr lang="de-DE"/>
           </a:p>
@@ -2957,7 +3042,7 @@
           <a:p>
             <a:fld id="{61CE3A03-8C80-4CAE-8CB8-A2010745A914}" type="datetime1">
               <a:rPr lang="de-DE" smtClean="0"/>
-              <a:t>22.10.2024</a:t>
+              <a:t>27.10.2024</a:t>
             </a:fld>
             <a:endParaRPr lang="de-DE"/>
           </a:p>
@@ -3378,7 +3463,7 @@
           <p:nvPr/>
         </p:nvPicPr>
         <p:blipFill>
-          <a:blip r:embed="rId2"/>
+          <a:blip r:embed="rId3"/>
           <a:stretch>
             <a:fillRect/>
           </a:stretch>
@@ -3393,10 +3478,415 @@
           </a:prstGeom>
         </p:spPr>
       </p:pic>
+      <p:pic>
+        <p:nvPicPr>
+          <p:cNvPr id="3" name="Grafik 2">
+            <a:extLst>
+              <a:ext uri="{FF2B5EF4-FFF2-40B4-BE49-F238E27FC236}">
+                <a16:creationId xmlns:a16="http://schemas.microsoft.com/office/drawing/2014/main" id="{F2D051BF-D301-4BB3-B3AF-70E507675849}"/>
+              </a:ext>
+            </a:extLst>
+          </p:cNvPr>
+          <p:cNvPicPr>
+            <a:picLocks noChangeAspect="1"/>
+          </p:cNvPicPr>
+          <p:nvPr/>
+        </p:nvPicPr>
+        <p:blipFill>
+          <a:blip r:embed="rId4">
+            <a:alphaModFix amt="90000"/>
+          </a:blip>
+          <a:srcRect b="50000"/>
+          <a:stretch/>
+        </p:blipFill>
+        <p:spPr>
+          <a:xfrm>
+            <a:off x="8874778" y="1945273"/>
+            <a:ext cx="3057952" cy="2967452"/>
+          </a:xfrm>
+          <a:prstGeom prst="rect">
+            <a:avLst/>
+          </a:prstGeom>
+          <a:effectLst>
+            <a:softEdge rad="31750"/>
+          </a:effectLst>
+        </p:spPr>
+      </p:pic>
+      <p:pic>
+        <p:nvPicPr>
+          <p:cNvPr id="4" name="Grafik 3">
+            <a:extLst>
+              <a:ext uri="{FF2B5EF4-FFF2-40B4-BE49-F238E27FC236}">
+                <a16:creationId xmlns:a16="http://schemas.microsoft.com/office/drawing/2014/main" id="{C876F79C-1ECC-6D84-ED80-7F10D0190257}"/>
+              </a:ext>
+            </a:extLst>
+          </p:cNvPr>
+          <p:cNvPicPr>
+            <a:picLocks noChangeAspect="1"/>
+          </p:cNvPicPr>
+          <p:nvPr/>
+        </p:nvPicPr>
+        <p:blipFill>
+          <a:blip r:embed="rId4">
+            <a:alphaModFix amt="90000"/>
+          </a:blip>
+          <a:srcRect t="50000"/>
+          <a:stretch/>
+        </p:blipFill>
+        <p:spPr>
+          <a:xfrm>
+            <a:off x="335315" y="1945273"/>
+            <a:ext cx="3057952" cy="2967452"/>
+          </a:xfrm>
+          <a:prstGeom prst="rect">
+            <a:avLst/>
+          </a:prstGeom>
+          <a:effectLst>
+            <a:softEdge rad="31750"/>
+          </a:effectLst>
+        </p:spPr>
+      </p:pic>
     </p:spTree>
     <p:extLst>
       <p:ext uri="{BB962C8B-B14F-4D97-AF65-F5344CB8AC3E}">
         <p14:creationId xmlns:p14="http://schemas.microsoft.com/office/powerpoint/2010/main" val="3494439976"/>
+      </p:ext>
+    </p:extLst>
+  </p:cSld>
+  <p:clrMapOvr>
+    <a:masterClrMapping/>
+  </p:clrMapOvr>
+  <p:timing>
+    <p:tnLst>
+      <p:par>
+        <p:cTn id="1" dur="indefinite" restart="never" nodeType="tmRoot">
+          <p:childTnLst>
+            <p:seq concurrent="1" nextAc="seek">
+              <p:cTn id="2" dur="indefinite" nodeType="mainSeq">
+                <p:childTnLst>
+                  <p:par>
+                    <p:cTn id="3" fill="hold">
+                      <p:stCondLst>
+                        <p:cond delay="indefinite"/>
+                      </p:stCondLst>
+                      <p:childTnLst>
+                        <p:par>
+                          <p:cTn id="4" fill="hold">
+                            <p:stCondLst>
+                              <p:cond delay="0"/>
+                            </p:stCondLst>
+                            <p:childTnLst>
+                              <p:par>
+                                <p:cTn id="5" presetID="53" presetClass="entr" presetSubtype="16" fill="hold" nodeType="clickEffect">
+                                  <p:stCondLst>
+                                    <p:cond delay="0"/>
+                                  </p:stCondLst>
+                                  <p:childTnLst>
+                                    <p:set>
+                                      <p:cBhvr>
+                                        <p:cTn id="6" dur="1" fill="hold">
+                                          <p:stCondLst>
+                                            <p:cond delay="0"/>
+                                          </p:stCondLst>
+                                        </p:cTn>
+                                        <p:tgtEl>
+                                          <p:spTgt spid="4"/>
+                                        </p:tgtEl>
+                                        <p:attrNameLst>
+                                          <p:attrName>style.visibility</p:attrName>
+                                        </p:attrNameLst>
+                                      </p:cBhvr>
+                                      <p:to>
+                                        <p:strVal val="visible"/>
+                                      </p:to>
+                                    </p:set>
+                                    <p:anim calcmode="lin" valueType="num">
+                                      <p:cBhvr>
+                                        <p:cTn id="7" dur="500" fill="hold"/>
+                                        <p:tgtEl>
+                                          <p:spTgt spid="4"/>
+                                        </p:tgtEl>
+                                        <p:attrNameLst>
+                                          <p:attrName>ppt_w</p:attrName>
+                                        </p:attrNameLst>
+                                      </p:cBhvr>
+                                      <p:tavLst>
+                                        <p:tav tm="0">
+                                          <p:val>
+                                            <p:fltVal val="0"/>
+                                          </p:val>
+                                        </p:tav>
+                                        <p:tav tm="100000">
+                                          <p:val>
+                                            <p:strVal val="#ppt_w"/>
+                                          </p:val>
+                                        </p:tav>
+                                      </p:tavLst>
+                                    </p:anim>
+                                    <p:anim calcmode="lin" valueType="num">
+                                      <p:cBhvr>
+                                        <p:cTn id="8" dur="500" fill="hold"/>
+                                        <p:tgtEl>
+                                          <p:spTgt spid="4"/>
+                                        </p:tgtEl>
+                                        <p:attrNameLst>
+                                          <p:attrName>ppt_h</p:attrName>
+                                        </p:attrNameLst>
+                                      </p:cBhvr>
+                                      <p:tavLst>
+                                        <p:tav tm="0">
+                                          <p:val>
+                                            <p:fltVal val="0"/>
+                                          </p:val>
+                                        </p:tav>
+                                        <p:tav tm="100000">
+                                          <p:val>
+                                            <p:strVal val="#ppt_h"/>
+                                          </p:val>
+                                        </p:tav>
+                                      </p:tavLst>
+                                    </p:anim>
+                                    <p:animEffect transition="in" filter="fade">
+                                      <p:cBhvr>
+                                        <p:cTn id="9" dur="500"/>
+                                        <p:tgtEl>
+                                          <p:spTgt spid="4"/>
+                                        </p:tgtEl>
+                                      </p:cBhvr>
+                                    </p:animEffect>
+                                  </p:childTnLst>
+                                </p:cTn>
+                              </p:par>
+                            </p:childTnLst>
+                          </p:cTn>
+                        </p:par>
+                        <p:par>
+                          <p:cTn id="10" fill="hold">
+                            <p:stCondLst>
+                              <p:cond delay="500"/>
+                            </p:stCondLst>
+                            <p:childTnLst>
+                              <p:par>
+                                <p:cTn id="11" presetID="53" presetClass="entr" presetSubtype="16" fill="hold" nodeType="afterEffect">
+                                  <p:stCondLst>
+                                    <p:cond delay="1000"/>
+                                  </p:stCondLst>
+                                  <p:childTnLst>
+                                    <p:set>
+                                      <p:cBhvr>
+                                        <p:cTn id="12" dur="1" fill="hold">
+                                          <p:stCondLst>
+                                            <p:cond delay="0"/>
+                                          </p:stCondLst>
+                                        </p:cTn>
+                                        <p:tgtEl>
+                                          <p:spTgt spid="3"/>
+                                        </p:tgtEl>
+                                        <p:attrNameLst>
+                                          <p:attrName>style.visibility</p:attrName>
+                                        </p:attrNameLst>
+                                      </p:cBhvr>
+                                      <p:to>
+                                        <p:strVal val="visible"/>
+                                      </p:to>
+                                    </p:set>
+                                    <p:anim calcmode="lin" valueType="num">
+                                      <p:cBhvr>
+                                        <p:cTn id="13" dur="500" fill="hold"/>
+                                        <p:tgtEl>
+                                          <p:spTgt spid="3"/>
+                                        </p:tgtEl>
+                                        <p:attrNameLst>
+                                          <p:attrName>ppt_w</p:attrName>
+                                        </p:attrNameLst>
+                                      </p:cBhvr>
+                                      <p:tavLst>
+                                        <p:tav tm="0">
+                                          <p:val>
+                                            <p:fltVal val="0"/>
+                                          </p:val>
+                                        </p:tav>
+                                        <p:tav tm="100000">
+                                          <p:val>
+                                            <p:strVal val="#ppt_w"/>
+                                          </p:val>
+                                        </p:tav>
+                                      </p:tavLst>
+                                    </p:anim>
+                                    <p:anim calcmode="lin" valueType="num">
+                                      <p:cBhvr>
+                                        <p:cTn id="14" dur="500" fill="hold"/>
+                                        <p:tgtEl>
+                                          <p:spTgt spid="3"/>
+                                        </p:tgtEl>
+                                        <p:attrNameLst>
+                                          <p:attrName>ppt_h</p:attrName>
+                                        </p:attrNameLst>
+                                      </p:cBhvr>
+                                      <p:tavLst>
+                                        <p:tav tm="0">
+                                          <p:val>
+                                            <p:fltVal val="0"/>
+                                          </p:val>
+                                        </p:tav>
+                                        <p:tav tm="100000">
+                                          <p:val>
+                                            <p:strVal val="#ppt_h"/>
+                                          </p:val>
+                                        </p:tav>
+                                      </p:tavLst>
+                                    </p:anim>
+                                    <p:animEffect transition="in" filter="fade">
+                                      <p:cBhvr>
+                                        <p:cTn id="15" dur="500"/>
+                                        <p:tgtEl>
+                                          <p:spTgt spid="3"/>
+                                        </p:tgtEl>
+                                      </p:cBhvr>
+                                    </p:animEffect>
+                                  </p:childTnLst>
+                                </p:cTn>
+                              </p:par>
+                            </p:childTnLst>
+                          </p:cTn>
+                        </p:par>
+                      </p:childTnLst>
+                    </p:cTn>
+                  </p:par>
+                </p:childTnLst>
+              </p:cTn>
+              <p:prevCondLst>
+                <p:cond evt="onPrev" delay="0">
+                  <p:tgtEl>
+                    <p:sldTgt/>
+                  </p:tgtEl>
+                </p:cond>
+              </p:prevCondLst>
+              <p:nextCondLst>
+                <p:cond evt="onNext" delay="0">
+                  <p:tgtEl>
+                    <p:sldTgt/>
+                  </p:tgtEl>
+                </p:cond>
+              </p:nextCondLst>
+            </p:seq>
+          </p:childTnLst>
+        </p:cTn>
+      </p:par>
+    </p:tnLst>
+  </p:timing>
+</p:sld>
+</file>
+
+<file path=ppt/slides/slide10.xml><?xml version="1.0" encoding="utf-8"?>
+<p:sld xmlns:a="http://schemas.openxmlformats.org/drawingml/2006/main" xmlns:r="http://schemas.openxmlformats.org/officeDocument/2006/relationships" xmlns:p="http://schemas.openxmlformats.org/presentationml/2006/main">
+  <p:cSld>
+    <p:spTree>
+      <p:nvGrpSpPr>
+        <p:cNvPr id="1" name=""/>
+        <p:cNvGrpSpPr/>
+        <p:nvPr/>
+      </p:nvGrpSpPr>
+      <p:grpSpPr>
+        <a:xfrm>
+          <a:off x="0" y="0"/>
+          <a:ext cx="0" cy="0"/>
+          <a:chOff x="0" y="0"/>
+          <a:chExt cx="0" cy="0"/>
+        </a:xfrm>
+      </p:grpSpPr>
+      <p:sp>
+        <p:nvSpPr>
+          <p:cNvPr id="2" name="Titel 1">
+            <a:extLst>
+              <a:ext uri="{FF2B5EF4-FFF2-40B4-BE49-F238E27FC236}">
+                <a16:creationId xmlns:a16="http://schemas.microsoft.com/office/drawing/2014/main" id="{B829332B-356C-AFBE-07D9-7F0D80372027}"/>
+              </a:ext>
+            </a:extLst>
+          </p:cNvPr>
+          <p:cNvSpPr>
+            <a:spLocks noGrp="1"/>
+          </p:cNvSpPr>
+          <p:nvPr>
+            <p:ph type="title"/>
+          </p:nvPr>
+        </p:nvSpPr>
+        <p:spPr>
+          <a:xfrm>
+            <a:off x="838200" y="768350"/>
+            <a:ext cx="10515600" cy="2852737"/>
+          </a:xfrm>
+        </p:spPr>
+        <p:txBody>
+          <a:bodyPr/>
+          <a:lstStyle/>
+          <a:p>
+            <a:pPr algn="ctr"/>
+            <a:r>
+              <a:rPr lang="de-DE" dirty="0"/>
+              <a:t>Live-Demo</a:t>
+            </a:r>
+          </a:p>
+        </p:txBody>
+      </p:sp>
+      <p:sp>
+        <p:nvSpPr>
+          <p:cNvPr id="3" name="Textplatzhalter 2">
+            <a:extLst>
+              <a:ext uri="{FF2B5EF4-FFF2-40B4-BE49-F238E27FC236}">
+                <a16:creationId xmlns:a16="http://schemas.microsoft.com/office/drawing/2014/main" id="{167B7229-5B78-B705-28E4-8F10EB6C6AE9}"/>
+              </a:ext>
+            </a:extLst>
+          </p:cNvPr>
+          <p:cNvSpPr>
+            <a:spLocks noGrp="1"/>
+          </p:cNvSpPr>
+          <p:nvPr>
+            <p:ph type="body" idx="1"/>
+          </p:nvPr>
+        </p:nvSpPr>
+        <p:spPr/>
+        <p:txBody>
+          <a:bodyPr/>
+          <a:lstStyle/>
+          <a:p>
+            <a:endParaRPr lang="de-DE"/>
+          </a:p>
+        </p:txBody>
+      </p:sp>
+      <p:sp>
+        <p:nvSpPr>
+          <p:cNvPr id="4" name="Foliennummernplatzhalter 3">
+            <a:extLst>
+              <a:ext uri="{FF2B5EF4-FFF2-40B4-BE49-F238E27FC236}">
+                <a16:creationId xmlns:a16="http://schemas.microsoft.com/office/drawing/2014/main" id="{33D89531-4B7D-1565-685D-66719DEFBE6F}"/>
+              </a:ext>
+            </a:extLst>
+          </p:cNvPr>
+          <p:cNvSpPr>
+            <a:spLocks noGrp="1"/>
+          </p:cNvSpPr>
+          <p:nvPr>
+            <p:ph type="sldNum" sz="quarter" idx="12"/>
+          </p:nvPr>
+        </p:nvSpPr>
+        <p:spPr/>
+        <p:txBody>
+          <a:bodyPr/>
+          <a:lstStyle/>
+          <a:p>
+            <a:fld id="{AAC1D792-5BBE-0E40-8BC5-C23B00244607}" type="slidenum">
+              <a:rPr lang="de-DE" smtClean="0"/>
+              <a:t>10</a:t>
+            </a:fld>
+            <a:endParaRPr lang="de-DE"/>
+          </a:p>
+        </p:txBody>
+      </p:sp>
+    </p:spTree>
+    <p:extLst>
+      <p:ext uri="{BB962C8B-B14F-4D97-AF65-F5344CB8AC3E}">
+        <p14:creationId xmlns:p14="http://schemas.microsoft.com/office/powerpoint/2010/main" val="3057589612"/>
       </p:ext>
     </p:extLst>
   </p:cSld>
@@ -3739,7 +4229,7 @@
           <p:cNvPr id="2" name="Titel 1">
             <a:extLst>
               <a:ext uri="{FF2B5EF4-FFF2-40B4-BE49-F238E27FC236}">
-                <a16:creationId xmlns:a16="http://schemas.microsoft.com/office/drawing/2014/main" id="{B829332B-356C-AFBE-07D9-7F0D80372027}"/>
+                <a16:creationId xmlns:a16="http://schemas.microsoft.com/office/drawing/2014/main" id="{2870AEA1-3BAB-2DDA-DCC5-BEA86F0BDE2A}"/>
               </a:ext>
             </a:extLst>
           </p:cNvPr>
@@ -3750,30 +4240,2017 @@
             <p:ph type="title"/>
           </p:nvPr>
         </p:nvSpPr>
+        <p:spPr/>
+        <p:txBody>
+          <a:bodyPr/>
+          <a:lstStyle/>
+          <a:p>
+            <a:r>
+              <a:rPr lang="de-DE"/>
+              <a:t>Rollenverteilung im Team</a:t>
+            </a:r>
+          </a:p>
+        </p:txBody>
+      </p:sp>
+      <p:grpSp>
+        <p:nvGrpSpPr>
+          <p:cNvPr id="12" name="Gruppieren 11">
+            <a:extLst>
+              <a:ext uri="{FF2B5EF4-FFF2-40B4-BE49-F238E27FC236}">
+                <a16:creationId xmlns:a16="http://schemas.microsoft.com/office/drawing/2014/main" id="{A4AA01B6-3D16-AA6F-CC55-36057D08CDC8}"/>
+              </a:ext>
+            </a:extLst>
+          </p:cNvPr>
+          <p:cNvGrpSpPr/>
+          <p:nvPr/>
+        </p:nvGrpSpPr>
+        <p:grpSpPr>
+          <a:xfrm>
+            <a:off x="1030693" y="3609975"/>
+            <a:ext cx="10744200" cy="526355"/>
+            <a:chOff x="1030693" y="3609975"/>
+            <a:chExt cx="10744200" cy="526355"/>
+          </a:xfrm>
+        </p:grpSpPr>
+        <p:cxnSp>
+          <p:nvCxnSpPr>
+            <p:cNvPr id="9" name="Gerade Verbindung mit Pfeil 8">
+              <a:extLst>
+                <a:ext uri="{FF2B5EF4-FFF2-40B4-BE49-F238E27FC236}">
+                  <a16:creationId xmlns:a16="http://schemas.microsoft.com/office/drawing/2014/main" id="{AD44D487-DB3A-967F-61A2-5C04CEC018AD}"/>
+                </a:ext>
+              </a:extLst>
+            </p:cNvPr>
+            <p:cNvCxnSpPr/>
+            <p:nvPr/>
+          </p:nvCxnSpPr>
+          <p:spPr>
+            <a:xfrm flipV="1">
+              <a:off x="1571625" y="3609975"/>
+              <a:ext cx="9153525" cy="19050"/>
+            </a:xfrm>
+            <a:prstGeom prst="straightConnector1">
+              <a:avLst/>
+            </a:prstGeom>
+            <a:ln w="28575"/>
+          </p:spPr>
+          <p:style>
+            <a:lnRef idx="1">
+              <a:schemeClr val="dk1"/>
+            </a:lnRef>
+            <a:fillRef idx="0">
+              <a:schemeClr val="dk1"/>
+            </a:fillRef>
+            <a:effectRef idx="0">
+              <a:schemeClr val="dk1"/>
+            </a:effectRef>
+            <a:fontRef idx="minor">
+              <a:schemeClr val="tx1"/>
+            </a:fontRef>
+          </p:style>
+        </p:cxnSp>
+        <p:sp>
+          <p:nvSpPr>
+            <p:cNvPr id="10" name="Textfeld 9">
+              <a:extLst>
+                <a:ext uri="{FF2B5EF4-FFF2-40B4-BE49-F238E27FC236}">
+                  <a16:creationId xmlns:a16="http://schemas.microsoft.com/office/drawing/2014/main" id="{214E5BB7-7365-BD41-39B5-E840F50A7B5C}"/>
+                </a:ext>
+              </a:extLst>
+            </p:cNvPr>
+            <p:cNvSpPr txBox="1"/>
+            <p:nvPr/>
+          </p:nvSpPr>
+          <p:spPr>
+            <a:xfrm>
+              <a:off x="1030693" y="3770570"/>
+              <a:ext cx="2743200" cy="365760"/>
+            </a:xfrm>
+            <a:prstGeom prst="rect">
+              <a:avLst/>
+            </a:prstGeom>
+            <a:noFill/>
+          </p:spPr>
+          <p:txBody>
+            <a:bodyPr rot="0" spcFirstLastPara="0" vertOverflow="overflow" horzOverflow="overflow" vert="horz" wrap="square" lIns="91440" tIns="45720" rIns="91440" bIns="45720" numCol="1" spcCol="0" rtlCol="0" fromWordArt="0" anchor="t" anchorCtr="0" forceAA="0" compatLnSpc="1">
+              <a:prstTxWarp prst="textNoShape">
+                <a:avLst/>
+              </a:prstTxWarp>
+              <a:spAutoFit/>
+            </a:bodyPr>
+            <a:lstStyle/>
+            <a:p>
+              <a:pPr algn="l"/>
+              <a:r>
+                <a:rPr lang="de-DE"/>
+                <a:t>Backend</a:t>
+              </a:r>
+            </a:p>
+          </p:txBody>
+        </p:sp>
+        <p:sp>
+          <p:nvSpPr>
+            <p:cNvPr id="11" name="Textfeld 10">
+              <a:extLst>
+                <a:ext uri="{FF2B5EF4-FFF2-40B4-BE49-F238E27FC236}">
+                  <a16:creationId xmlns:a16="http://schemas.microsoft.com/office/drawing/2014/main" id="{A34F056C-EE0B-7E90-C0E6-7CB79487E5B6}"/>
+                </a:ext>
+              </a:extLst>
+            </p:cNvPr>
+            <p:cNvSpPr txBox="1"/>
+            <p:nvPr/>
+          </p:nvSpPr>
+          <p:spPr>
+            <a:xfrm>
+              <a:off x="10308043" y="3770570"/>
+              <a:ext cx="1466850" cy="365760"/>
+            </a:xfrm>
+            <a:prstGeom prst="rect">
+              <a:avLst/>
+            </a:prstGeom>
+            <a:noFill/>
+          </p:spPr>
+          <p:txBody>
+            <a:bodyPr rot="0" spcFirstLastPara="0" vertOverflow="overflow" horzOverflow="overflow" vert="horz" wrap="square" lIns="91440" tIns="45720" rIns="91440" bIns="45720" numCol="1" spcCol="0" rtlCol="0" fromWordArt="0" anchor="t" anchorCtr="0" forceAA="0" compatLnSpc="1">
+              <a:prstTxWarp prst="textNoShape">
+                <a:avLst/>
+              </a:prstTxWarp>
+              <a:spAutoFit/>
+            </a:bodyPr>
+            <a:lstStyle/>
+            <a:p>
+              <a:pPr algn="l"/>
+              <a:r>
+                <a:rPr lang="de-DE"/>
+                <a:t>Frontend</a:t>
+              </a:r>
+            </a:p>
+          </p:txBody>
+        </p:sp>
+      </p:grpSp>
+      <p:sp>
+        <p:nvSpPr>
+          <p:cNvPr id="13" name="Ellipse 12">
+            <a:extLst>
+              <a:ext uri="{FF2B5EF4-FFF2-40B4-BE49-F238E27FC236}">
+                <a16:creationId xmlns:a16="http://schemas.microsoft.com/office/drawing/2014/main" id="{2E101A12-5877-ECEF-6850-C3433B8338BE}"/>
+              </a:ext>
+            </a:extLst>
+          </p:cNvPr>
+          <p:cNvSpPr/>
+          <p:nvPr/>
+        </p:nvSpPr>
         <p:spPr>
           <a:xfrm>
-            <a:off x="838200" y="768350"/>
-            <a:ext cx="10515600" cy="2852737"/>
+            <a:off x="2401295" y="3025111"/>
+            <a:ext cx="1190625" cy="1190625"/>
           </a:xfrm>
+          <a:prstGeom prst="ellipse">
+            <a:avLst/>
+          </a:prstGeom>
+          <a:solidFill>
+            <a:srgbClr val="156082"/>
+          </a:solidFill>
         </p:spPr>
-        <p:txBody>
-          <a:bodyPr/>
-          <a:lstStyle/>
+        <p:style>
+          <a:lnRef idx="2">
+            <a:schemeClr val="accent1">
+              <a:shade val="15000"/>
+            </a:schemeClr>
+          </a:lnRef>
+          <a:fillRef idx="1">
+            <a:schemeClr val="accent1"/>
+          </a:fillRef>
+          <a:effectRef idx="0">
+            <a:schemeClr val="accent1"/>
+          </a:effectRef>
+          <a:fontRef idx="minor">
+            <a:schemeClr val="lt1"/>
+          </a:fontRef>
+        </p:style>
+        <p:txBody>
+          <a:bodyPr rot="0" spcFirstLastPara="0" vert="horz" wrap="square" lIns="91440" tIns="45720" rIns="91440" bIns="45720" numCol="1" spcCol="0" rtlCol="0" fromWordArt="0" anchor="ctr" anchorCtr="0" forceAA="0" compatLnSpc="1">
+            <a:prstTxWarp prst="textNoShape">
+              <a:avLst/>
+            </a:prstTxWarp>
+            <a:noAutofit/>
+          </a:bodyPr>
+          <a:lstStyle>
+            <a:defPPr>
+              <a:defRPr lang="de-DE"/>
+            </a:defPPr>
+            <a:lvl1pPr marL="0" algn="l" defTabSz="914400" rtl="0" eaLnBrk="1" latinLnBrk="0" hangingPunct="1">
+              <a:defRPr sz="1800" kern="1200">
+                <a:solidFill>
+                  <a:schemeClr val="lt1"/>
+                </a:solidFill>
+                <a:latin typeface="+mn-lt"/>
+                <a:ea typeface="+mn-ea"/>
+                <a:cs typeface="+mn-cs"/>
+              </a:defRPr>
+            </a:lvl1pPr>
+            <a:lvl2pPr marL="457200" algn="l" defTabSz="914400" rtl="0" eaLnBrk="1" latinLnBrk="0" hangingPunct="1">
+              <a:defRPr sz="1800" kern="1200">
+                <a:solidFill>
+                  <a:schemeClr val="lt1"/>
+                </a:solidFill>
+                <a:latin typeface="+mn-lt"/>
+                <a:ea typeface="+mn-ea"/>
+                <a:cs typeface="+mn-cs"/>
+              </a:defRPr>
+            </a:lvl2pPr>
+            <a:lvl3pPr marL="914400" algn="l" defTabSz="914400" rtl="0" eaLnBrk="1" latinLnBrk="0" hangingPunct="1">
+              <a:defRPr sz="1800" kern="1200">
+                <a:solidFill>
+                  <a:schemeClr val="lt1"/>
+                </a:solidFill>
+                <a:latin typeface="+mn-lt"/>
+                <a:ea typeface="+mn-ea"/>
+                <a:cs typeface="+mn-cs"/>
+              </a:defRPr>
+            </a:lvl3pPr>
+            <a:lvl4pPr marL="1371600" algn="l" defTabSz="914400" rtl="0" eaLnBrk="1" latinLnBrk="0" hangingPunct="1">
+              <a:defRPr sz="1800" kern="1200">
+                <a:solidFill>
+                  <a:schemeClr val="lt1"/>
+                </a:solidFill>
+                <a:latin typeface="+mn-lt"/>
+                <a:ea typeface="+mn-ea"/>
+                <a:cs typeface="+mn-cs"/>
+              </a:defRPr>
+            </a:lvl4pPr>
+            <a:lvl5pPr marL="1828800" algn="l" defTabSz="914400" rtl="0" eaLnBrk="1" latinLnBrk="0" hangingPunct="1">
+              <a:defRPr sz="1800" kern="1200">
+                <a:solidFill>
+                  <a:schemeClr val="lt1"/>
+                </a:solidFill>
+                <a:latin typeface="+mn-lt"/>
+                <a:ea typeface="+mn-ea"/>
+                <a:cs typeface="+mn-cs"/>
+              </a:defRPr>
+            </a:lvl5pPr>
+            <a:lvl6pPr marL="2286000" algn="l" defTabSz="914400" rtl="0" eaLnBrk="1" latinLnBrk="0" hangingPunct="1">
+              <a:defRPr sz="1800" kern="1200">
+                <a:solidFill>
+                  <a:schemeClr val="lt1"/>
+                </a:solidFill>
+                <a:latin typeface="+mn-lt"/>
+                <a:ea typeface="+mn-ea"/>
+                <a:cs typeface="+mn-cs"/>
+              </a:defRPr>
+            </a:lvl6pPr>
+            <a:lvl7pPr marL="2743200" algn="l" defTabSz="914400" rtl="0" eaLnBrk="1" latinLnBrk="0" hangingPunct="1">
+              <a:defRPr sz="1800" kern="1200">
+                <a:solidFill>
+                  <a:schemeClr val="lt1"/>
+                </a:solidFill>
+                <a:latin typeface="+mn-lt"/>
+                <a:ea typeface="+mn-ea"/>
+                <a:cs typeface="+mn-cs"/>
+              </a:defRPr>
+            </a:lvl7pPr>
+            <a:lvl8pPr marL="3200400" algn="l" defTabSz="914400" rtl="0" eaLnBrk="1" latinLnBrk="0" hangingPunct="1">
+              <a:defRPr sz="1800" kern="1200">
+                <a:solidFill>
+                  <a:schemeClr val="lt1"/>
+                </a:solidFill>
+                <a:latin typeface="+mn-lt"/>
+                <a:ea typeface="+mn-ea"/>
+                <a:cs typeface="+mn-cs"/>
+              </a:defRPr>
+            </a:lvl8pPr>
+            <a:lvl9pPr marL="3657600" algn="l" defTabSz="914400" rtl="0" eaLnBrk="1" latinLnBrk="0" hangingPunct="1">
+              <a:defRPr sz="1800" kern="1200">
+                <a:solidFill>
+                  <a:schemeClr val="lt1"/>
+                </a:solidFill>
+                <a:latin typeface="+mn-lt"/>
+                <a:ea typeface="+mn-ea"/>
+                <a:cs typeface="+mn-cs"/>
+              </a:defRPr>
+            </a:lvl9pPr>
+          </a:lstStyle>
           <a:p>
             <a:pPr algn="ctr"/>
             <a:r>
-              <a:rPr lang="de-DE" dirty="0"/>
-              <a:t>Rollenverteilung im Team</a:t>
-            </a:r>
-          </a:p>
-        </p:txBody>
-      </p:sp>
-      <p:sp>
-        <p:nvSpPr>
-          <p:cNvPr id="3" name="Textplatzhalter 2">
+              <a:rPr lang="de-DE"/>
+              <a:t>Carlo</a:t>
+            </a:r>
+          </a:p>
+        </p:txBody>
+      </p:sp>
+      <p:sp>
+        <p:nvSpPr>
+          <p:cNvPr id="14" name="Ellipse 13">
             <a:extLst>
               <a:ext uri="{FF2B5EF4-FFF2-40B4-BE49-F238E27FC236}">
-                <a16:creationId xmlns:a16="http://schemas.microsoft.com/office/drawing/2014/main" id="{167B7229-5B78-B705-28E4-8F10EB6C6AE9}"/>
+                <a16:creationId xmlns:a16="http://schemas.microsoft.com/office/drawing/2014/main" id="{34333FDE-4EDD-F0D4-733E-D1FD5F947EF3}"/>
+              </a:ext>
+            </a:extLst>
+          </p:cNvPr>
+          <p:cNvSpPr/>
+          <p:nvPr/>
+        </p:nvSpPr>
+        <p:spPr>
+          <a:xfrm>
+            <a:off x="4496795" y="3025111"/>
+            <a:ext cx="1190625" cy="1190625"/>
+          </a:xfrm>
+          <a:prstGeom prst="ellipse">
+            <a:avLst/>
+          </a:prstGeom>
+          <a:solidFill>
+            <a:srgbClr val="156082"/>
+          </a:solidFill>
+        </p:spPr>
+        <p:style>
+          <a:lnRef idx="2">
+            <a:schemeClr val="accent1">
+              <a:shade val="15000"/>
+            </a:schemeClr>
+          </a:lnRef>
+          <a:fillRef idx="1">
+            <a:schemeClr val="accent1"/>
+          </a:fillRef>
+          <a:effectRef idx="0">
+            <a:schemeClr val="accent1"/>
+          </a:effectRef>
+          <a:fontRef idx="minor">
+            <a:schemeClr val="lt1"/>
+          </a:fontRef>
+        </p:style>
+        <p:txBody>
+          <a:bodyPr rot="0" spcFirstLastPara="0" vert="horz" wrap="square" lIns="91440" tIns="45720" rIns="91440" bIns="45720" numCol="1" spcCol="0" rtlCol="0" fromWordArt="0" anchor="ctr" anchorCtr="0" forceAA="0" compatLnSpc="1">
+            <a:prstTxWarp prst="textNoShape">
+              <a:avLst/>
+            </a:prstTxWarp>
+            <a:noAutofit/>
+          </a:bodyPr>
+          <a:lstStyle>
+            <a:defPPr>
+              <a:defRPr lang="de-DE"/>
+            </a:defPPr>
+            <a:lvl1pPr marL="0" algn="l" defTabSz="914400" rtl="0" eaLnBrk="1" latinLnBrk="0" hangingPunct="1">
+              <a:defRPr sz="1800" kern="1200">
+                <a:solidFill>
+                  <a:schemeClr val="lt1"/>
+                </a:solidFill>
+                <a:latin typeface="+mn-lt"/>
+                <a:ea typeface="+mn-ea"/>
+                <a:cs typeface="+mn-cs"/>
+              </a:defRPr>
+            </a:lvl1pPr>
+            <a:lvl2pPr marL="457200" algn="l" defTabSz="914400" rtl="0" eaLnBrk="1" latinLnBrk="0" hangingPunct="1">
+              <a:defRPr sz="1800" kern="1200">
+                <a:solidFill>
+                  <a:schemeClr val="lt1"/>
+                </a:solidFill>
+                <a:latin typeface="+mn-lt"/>
+                <a:ea typeface="+mn-ea"/>
+                <a:cs typeface="+mn-cs"/>
+              </a:defRPr>
+            </a:lvl2pPr>
+            <a:lvl3pPr marL="914400" algn="l" defTabSz="914400" rtl="0" eaLnBrk="1" latinLnBrk="0" hangingPunct="1">
+              <a:defRPr sz="1800" kern="1200">
+                <a:solidFill>
+                  <a:schemeClr val="lt1"/>
+                </a:solidFill>
+                <a:latin typeface="+mn-lt"/>
+                <a:ea typeface="+mn-ea"/>
+                <a:cs typeface="+mn-cs"/>
+              </a:defRPr>
+            </a:lvl3pPr>
+            <a:lvl4pPr marL="1371600" algn="l" defTabSz="914400" rtl="0" eaLnBrk="1" latinLnBrk="0" hangingPunct="1">
+              <a:defRPr sz="1800" kern="1200">
+                <a:solidFill>
+                  <a:schemeClr val="lt1"/>
+                </a:solidFill>
+                <a:latin typeface="+mn-lt"/>
+                <a:ea typeface="+mn-ea"/>
+                <a:cs typeface="+mn-cs"/>
+              </a:defRPr>
+            </a:lvl4pPr>
+            <a:lvl5pPr marL="1828800" algn="l" defTabSz="914400" rtl="0" eaLnBrk="1" latinLnBrk="0" hangingPunct="1">
+              <a:defRPr sz="1800" kern="1200">
+                <a:solidFill>
+                  <a:schemeClr val="lt1"/>
+                </a:solidFill>
+                <a:latin typeface="+mn-lt"/>
+                <a:ea typeface="+mn-ea"/>
+                <a:cs typeface="+mn-cs"/>
+              </a:defRPr>
+            </a:lvl5pPr>
+            <a:lvl6pPr marL="2286000" algn="l" defTabSz="914400" rtl="0" eaLnBrk="1" latinLnBrk="0" hangingPunct="1">
+              <a:defRPr sz="1800" kern="1200">
+                <a:solidFill>
+                  <a:schemeClr val="lt1"/>
+                </a:solidFill>
+                <a:latin typeface="+mn-lt"/>
+                <a:ea typeface="+mn-ea"/>
+                <a:cs typeface="+mn-cs"/>
+              </a:defRPr>
+            </a:lvl6pPr>
+            <a:lvl7pPr marL="2743200" algn="l" defTabSz="914400" rtl="0" eaLnBrk="1" latinLnBrk="0" hangingPunct="1">
+              <a:defRPr sz="1800" kern="1200">
+                <a:solidFill>
+                  <a:schemeClr val="lt1"/>
+                </a:solidFill>
+                <a:latin typeface="+mn-lt"/>
+                <a:ea typeface="+mn-ea"/>
+                <a:cs typeface="+mn-cs"/>
+              </a:defRPr>
+            </a:lvl7pPr>
+            <a:lvl8pPr marL="3200400" algn="l" defTabSz="914400" rtl="0" eaLnBrk="1" latinLnBrk="0" hangingPunct="1">
+              <a:defRPr sz="1800" kern="1200">
+                <a:solidFill>
+                  <a:schemeClr val="lt1"/>
+                </a:solidFill>
+                <a:latin typeface="+mn-lt"/>
+                <a:ea typeface="+mn-ea"/>
+                <a:cs typeface="+mn-cs"/>
+              </a:defRPr>
+            </a:lvl8pPr>
+            <a:lvl9pPr marL="3657600" algn="l" defTabSz="914400" rtl="0" eaLnBrk="1" latinLnBrk="0" hangingPunct="1">
+              <a:defRPr sz="1800" kern="1200">
+                <a:solidFill>
+                  <a:schemeClr val="lt1"/>
+                </a:solidFill>
+                <a:latin typeface="+mn-lt"/>
+                <a:ea typeface="+mn-ea"/>
+                <a:cs typeface="+mn-cs"/>
+              </a:defRPr>
+            </a:lvl9pPr>
+          </a:lstStyle>
+          <a:p>
+            <a:pPr algn="ctr"/>
+            <a:r>
+              <a:rPr lang="de-DE"/>
+              <a:t>Tobias</a:t>
+            </a:r>
+          </a:p>
+        </p:txBody>
+      </p:sp>
+      <p:sp>
+        <p:nvSpPr>
+          <p:cNvPr id="15" name="Ellipse 14">
+            <a:extLst>
+              <a:ext uri="{FF2B5EF4-FFF2-40B4-BE49-F238E27FC236}">
+                <a16:creationId xmlns:a16="http://schemas.microsoft.com/office/drawing/2014/main" id="{BC6B9CA8-1792-A4B7-0A14-5CFACA9CB830}"/>
+              </a:ext>
+            </a:extLst>
+          </p:cNvPr>
+          <p:cNvSpPr/>
+          <p:nvPr/>
+        </p:nvSpPr>
+        <p:spPr>
+          <a:xfrm>
+            <a:off x="6649444" y="3025111"/>
+            <a:ext cx="1190625" cy="1190625"/>
+          </a:xfrm>
+          <a:prstGeom prst="ellipse">
+            <a:avLst/>
+          </a:prstGeom>
+          <a:solidFill>
+            <a:srgbClr val="156082"/>
+          </a:solidFill>
+        </p:spPr>
+        <p:style>
+          <a:lnRef idx="2">
+            <a:schemeClr val="accent1">
+              <a:shade val="15000"/>
+            </a:schemeClr>
+          </a:lnRef>
+          <a:fillRef idx="1">
+            <a:schemeClr val="accent1"/>
+          </a:fillRef>
+          <a:effectRef idx="0">
+            <a:schemeClr val="accent1"/>
+          </a:effectRef>
+          <a:fontRef idx="minor">
+            <a:schemeClr val="lt1"/>
+          </a:fontRef>
+        </p:style>
+        <p:txBody>
+          <a:bodyPr rot="0" spcFirstLastPara="0" vert="horz" wrap="square" lIns="91440" tIns="45720" rIns="91440" bIns="45720" numCol="1" spcCol="0" rtlCol="0" fromWordArt="0" anchor="ctr" anchorCtr="0" forceAA="0" compatLnSpc="1">
+            <a:prstTxWarp prst="textNoShape">
+              <a:avLst/>
+            </a:prstTxWarp>
+            <a:noAutofit/>
+          </a:bodyPr>
+          <a:lstStyle>
+            <a:defPPr>
+              <a:defRPr lang="de-DE"/>
+            </a:defPPr>
+            <a:lvl1pPr marL="0" algn="l" defTabSz="914400" rtl="0" eaLnBrk="1" latinLnBrk="0" hangingPunct="1">
+              <a:defRPr sz="1800" kern="1200">
+                <a:solidFill>
+                  <a:schemeClr val="lt1"/>
+                </a:solidFill>
+                <a:latin typeface="+mn-lt"/>
+                <a:ea typeface="+mn-ea"/>
+                <a:cs typeface="+mn-cs"/>
+              </a:defRPr>
+            </a:lvl1pPr>
+            <a:lvl2pPr marL="457200" algn="l" defTabSz="914400" rtl="0" eaLnBrk="1" latinLnBrk="0" hangingPunct="1">
+              <a:defRPr sz="1800" kern="1200">
+                <a:solidFill>
+                  <a:schemeClr val="lt1"/>
+                </a:solidFill>
+                <a:latin typeface="+mn-lt"/>
+                <a:ea typeface="+mn-ea"/>
+                <a:cs typeface="+mn-cs"/>
+              </a:defRPr>
+            </a:lvl2pPr>
+            <a:lvl3pPr marL="914400" algn="l" defTabSz="914400" rtl="0" eaLnBrk="1" latinLnBrk="0" hangingPunct="1">
+              <a:defRPr sz="1800" kern="1200">
+                <a:solidFill>
+                  <a:schemeClr val="lt1"/>
+                </a:solidFill>
+                <a:latin typeface="+mn-lt"/>
+                <a:ea typeface="+mn-ea"/>
+                <a:cs typeface="+mn-cs"/>
+              </a:defRPr>
+            </a:lvl3pPr>
+            <a:lvl4pPr marL="1371600" algn="l" defTabSz="914400" rtl="0" eaLnBrk="1" latinLnBrk="0" hangingPunct="1">
+              <a:defRPr sz="1800" kern="1200">
+                <a:solidFill>
+                  <a:schemeClr val="lt1"/>
+                </a:solidFill>
+                <a:latin typeface="+mn-lt"/>
+                <a:ea typeface="+mn-ea"/>
+                <a:cs typeface="+mn-cs"/>
+              </a:defRPr>
+            </a:lvl4pPr>
+            <a:lvl5pPr marL="1828800" algn="l" defTabSz="914400" rtl="0" eaLnBrk="1" latinLnBrk="0" hangingPunct="1">
+              <a:defRPr sz="1800" kern="1200">
+                <a:solidFill>
+                  <a:schemeClr val="lt1"/>
+                </a:solidFill>
+                <a:latin typeface="+mn-lt"/>
+                <a:ea typeface="+mn-ea"/>
+                <a:cs typeface="+mn-cs"/>
+              </a:defRPr>
+            </a:lvl5pPr>
+            <a:lvl6pPr marL="2286000" algn="l" defTabSz="914400" rtl="0" eaLnBrk="1" latinLnBrk="0" hangingPunct="1">
+              <a:defRPr sz="1800" kern="1200">
+                <a:solidFill>
+                  <a:schemeClr val="lt1"/>
+                </a:solidFill>
+                <a:latin typeface="+mn-lt"/>
+                <a:ea typeface="+mn-ea"/>
+                <a:cs typeface="+mn-cs"/>
+              </a:defRPr>
+            </a:lvl6pPr>
+            <a:lvl7pPr marL="2743200" algn="l" defTabSz="914400" rtl="0" eaLnBrk="1" latinLnBrk="0" hangingPunct="1">
+              <a:defRPr sz="1800" kern="1200">
+                <a:solidFill>
+                  <a:schemeClr val="lt1"/>
+                </a:solidFill>
+                <a:latin typeface="+mn-lt"/>
+                <a:ea typeface="+mn-ea"/>
+                <a:cs typeface="+mn-cs"/>
+              </a:defRPr>
+            </a:lvl7pPr>
+            <a:lvl8pPr marL="3200400" algn="l" defTabSz="914400" rtl="0" eaLnBrk="1" latinLnBrk="0" hangingPunct="1">
+              <a:defRPr sz="1800" kern="1200">
+                <a:solidFill>
+                  <a:schemeClr val="lt1"/>
+                </a:solidFill>
+                <a:latin typeface="+mn-lt"/>
+                <a:ea typeface="+mn-ea"/>
+                <a:cs typeface="+mn-cs"/>
+              </a:defRPr>
+            </a:lvl8pPr>
+            <a:lvl9pPr marL="3657600" algn="l" defTabSz="914400" rtl="0" eaLnBrk="1" latinLnBrk="0" hangingPunct="1">
+              <a:defRPr sz="1800" kern="1200">
+                <a:solidFill>
+                  <a:schemeClr val="lt1"/>
+                </a:solidFill>
+                <a:latin typeface="+mn-lt"/>
+                <a:ea typeface="+mn-ea"/>
+                <a:cs typeface="+mn-cs"/>
+              </a:defRPr>
+            </a:lvl9pPr>
+          </a:lstStyle>
+          <a:p>
+            <a:pPr algn="ctr"/>
+            <a:r>
+              <a:rPr lang="de-DE"/>
+              <a:t>Sven</a:t>
+            </a:r>
+          </a:p>
+        </p:txBody>
+      </p:sp>
+      <p:sp>
+        <p:nvSpPr>
+          <p:cNvPr id="16" name="Ellipse 15">
+            <a:extLst>
+              <a:ext uri="{FF2B5EF4-FFF2-40B4-BE49-F238E27FC236}">
+                <a16:creationId xmlns:a16="http://schemas.microsoft.com/office/drawing/2014/main" id="{5FD592C7-06BD-9420-976F-664BB4CD508E}"/>
+              </a:ext>
+            </a:extLst>
+          </p:cNvPr>
+          <p:cNvSpPr/>
+          <p:nvPr/>
+        </p:nvSpPr>
+        <p:spPr>
+          <a:xfrm>
+            <a:off x="8735419" y="3025111"/>
+            <a:ext cx="1190625" cy="1190625"/>
+          </a:xfrm>
+          <a:prstGeom prst="ellipse">
+            <a:avLst/>
+          </a:prstGeom>
+          <a:solidFill>
+            <a:srgbClr val="156082"/>
+          </a:solidFill>
+        </p:spPr>
+        <p:style>
+          <a:lnRef idx="2">
+            <a:schemeClr val="accent1">
+              <a:shade val="15000"/>
+            </a:schemeClr>
+          </a:lnRef>
+          <a:fillRef idx="1">
+            <a:schemeClr val="accent1"/>
+          </a:fillRef>
+          <a:effectRef idx="0">
+            <a:schemeClr val="accent1"/>
+          </a:effectRef>
+          <a:fontRef idx="minor">
+            <a:schemeClr val="lt1"/>
+          </a:fontRef>
+        </p:style>
+        <p:txBody>
+          <a:bodyPr rot="0" spcFirstLastPara="0" vert="horz" wrap="square" lIns="91440" tIns="45720" rIns="91440" bIns="45720" numCol="1" spcCol="0" rtlCol="0" fromWordArt="0" anchor="ctr" anchorCtr="0" forceAA="0" compatLnSpc="1">
+            <a:prstTxWarp prst="textNoShape">
+              <a:avLst/>
+            </a:prstTxWarp>
+            <a:noAutofit/>
+          </a:bodyPr>
+          <a:lstStyle>
+            <a:defPPr>
+              <a:defRPr lang="de-DE"/>
+            </a:defPPr>
+            <a:lvl1pPr marL="0" algn="l" defTabSz="914400" rtl="0" eaLnBrk="1" latinLnBrk="0" hangingPunct="1">
+              <a:defRPr sz="1800" kern="1200">
+                <a:solidFill>
+                  <a:schemeClr val="lt1"/>
+                </a:solidFill>
+                <a:latin typeface="+mn-lt"/>
+                <a:ea typeface="+mn-ea"/>
+                <a:cs typeface="+mn-cs"/>
+              </a:defRPr>
+            </a:lvl1pPr>
+            <a:lvl2pPr marL="457200" algn="l" defTabSz="914400" rtl="0" eaLnBrk="1" latinLnBrk="0" hangingPunct="1">
+              <a:defRPr sz="1800" kern="1200">
+                <a:solidFill>
+                  <a:schemeClr val="lt1"/>
+                </a:solidFill>
+                <a:latin typeface="+mn-lt"/>
+                <a:ea typeface="+mn-ea"/>
+                <a:cs typeface="+mn-cs"/>
+              </a:defRPr>
+            </a:lvl2pPr>
+            <a:lvl3pPr marL="914400" algn="l" defTabSz="914400" rtl="0" eaLnBrk="1" latinLnBrk="0" hangingPunct="1">
+              <a:defRPr sz="1800" kern="1200">
+                <a:solidFill>
+                  <a:schemeClr val="lt1"/>
+                </a:solidFill>
+                <a:latin typeface="+mn-lt"/>
+                <a:ea typeface="+mn-ea"/>
+                <a:cs typeface="+mn-cs"/>
+              </a:defRPr>
+            </a:lvl3pPr>
+            <a:lvl4pPr marL="1371600" algn="l" defTabSz="914400" rtl="0" eaLnBrk="1" latinLnBrk="0" hangingPunct="1">
+              <a:defRPr sz="1800" kern="1200">
+                <a:solidFill>
+                  <a:schemeClr val="lt1"/>
+                </a:solidFill>
+                <a:latin typeface="+mn-lt"/>
+                <a:ea typeface="+mn-ea"/>
+                <a:cs typeface="+mn-cs"/>
+              </a:defRPr>
+            </a:lvl4pPr>
+            <a:lvl5pPr marL="1828800" algn="l" defTabSz="914400" rtl="0" eaLnBrk="1" latinLnBrk="0" hangingPunct="1">
+              <a:defRPr sz="1800" kern="1200">
+                <a:solidFill>
+                  <a:schemeClr val="lt1"/>
+                </a:solidFill>
+                <a:latin typeface="+mn-lt"/>
+                <a:ea typeface="+mn-ea"/>
+                <a:cs typeface="+mn-cs"/>
+              </a:defRPr>
+            </a:lvl5pPr>
+            <a:lvl6pPr marL="2286000" algn="l" defTabSz="914400" rtl="0" eaLnBrk="1" latinLnBrk="0" hangingPunct="1">
+              <a:defRPr sz="1800" kern="1200">
+                <a:solidFill>
+                  <a:schemeClr val="lt1"/>
+                </a:solidFill>
+                <a:latin typeface="+mn-lt"/>
+                <a:ea typeface="+mn-ea"/>
+                <a:cs typeface="+mn-cs"/>
+              </a:defRPr>
+            </a:lvl6pPr>
+            <a:lvl7pPr marL="2743200" algn="l" defTabSz="914400" rtl="0" eaLnBrk="1" latinLnBrk="0" hangingPunct="1">
+              <a:defRPr sz="1800" kern="1200">
+                <a:solidFill>
+                  <a:schemeClr val="lt1"/>
+                </a:solidFill>
+                <a:latin typeface="+mn-lt"/>
+                <a:ea typeface="+mn-ea"/>
+                <a:cs typeface="+mn-cs"/>
+              </a:defRPr>
+            </a:lvl7pPr>
+            <a:lvl8pPr marL="3200400" algn="l" defTabSz="914400" rtl="0" eaLnBrk="1" latinLnBrk="0" hangingPunct="1">
+              <a:defRPr sz="1800" kern="1200">
+                <a:solidFill>
+                  <a:schemeClr val="lt1"/>
+                </a:solidFill>
+                <a:latin typeface="+mn-lt"/>
+                <a:ea typeface="+mn-ea"/>
+                <a:cs typeface="+mn-cs"/>
+              </a:defRPr>
+            </a:lvl8pPr>
+            <a:lvl9pPr marL="3657600" algn="l" defTabSz="914400" rtl="0" eaLnBrk="1" latinLnBrk="0" hangingPunct="1">
+              <a:defRPr sz="1800" kern="1200">
+                <a:solidFill>
+                  <a:schemeClr val="lt1"/>
+                </a:solidFill>
+                <a:latin typeface="+mn-lt"/>
+                <a:ea typeface="+mn-ea"/>
+                <a:cs typeface="+mn-cs"/>
+              </a:defRPr>
+            </a:lvl9pPr>
+          </a:lstStyle>
+          <a:p>
+            <a:pPr algn="ctr"/>
+            <a:r>
+              <a:rPr lang="de-DE"/>
+              <a:t>Josi</a:t>
+            </a:r>
+          </a:p>
+        </p:txBody>
+      </p:sp>
+    </p:spTree>
+    <p:extLst>
+      <p:ext uri="{BB962C8B-B14F-4D97-AF65-F5344CB8AC3E}">
+        <p14:creationId xmlns:p14="http://schemas.microsoft.com/office/powerpoint/2010/main" val="7644861"/>
+      </p:ext>
+    </p:extLst>
+  </p:cSld>
+  <p:clrMapOvr>
+    <a:masterClrMapping/>
+  </p:clrMapOvr>
+  <p:timing>
+    <p:tnLst>
+      <p:par>
+        <p:cTn id="1" dur="indefinite" restart="never" nodeType="tmRoot">
+          <p:childTnLst>
+            <p:seq concurrent="1" nextAc="seek">
+              <p:cTn id="2" dur="indefinite" nodeType="mainSeq">
+                <p:childTnLst>
+                  <p:par>
+                    <p:cTn id="3" fill="hold">
+                      <p:stCondLst>
+                        <p:cond delay="indefinite"/>
+                      </p:stCondLst>
+                      <p:childTnLst>
+                        <p:par>
+                          <p:cTn id="4" fill="hold">
+                            <p:stCondLst>
+                              <p:cond delay="0"/>
+                            </p:stCondLst>
+                            <p:childTnLst>
+                              <p:par>
+                                <p:cTn id="5" presetID="10" presetClass="entr" presetSubtype="0" fill="hold" nodeType="clickEffect">
+                                  <p:stCondLst>
+                                    <p:cond delay="0"/>
+                                  </p:stCondLst>
+                                  <p:childTnLst>
+                                    <p:set>
+                                      <p:cBhvr>
+                                        <p:cTn id="6" dur="1" fill="hold">
+                                          <p:stCondLst>
+                                            <p:cond delay="0"/>
+                                          </p:stCondLst>
+                                        </p:cTn>
+                                        <p:tgtEl>
+                                          <p:spTgt spid="12"/>
+                                        </p:tgtEl>
+                                        <p:attrNameLst>
+                                          <p:attrName>style.visibility</p:attrName>
+                                        </p:attrNameLst>
+                                      </p:cBhvr>
+                                      <p:to>
+                                        <p:strVal val="visible"/>
+                                      </p:to>
+                                    </p:set>
+                                    <p:animEffect transition="in" filter="fade">
+                                      <p:cBhvr>
+                                        <p:cTn id="7" dur="500"/>
+                                        <p:tgtEl>
+                                          <p:spTgt spid="12"/>
+                                        </p:tgtEl>
+                                      </p:cBhvr>
+                                    </p:animEffect>
+                                  </p:childTnLst>
+                                </p:cTn>
+                              </p:par>
+                            </p:childTnLst>
+                          </p:cTn>
+                        </p:par>
+                      </p:childTnLst>
+                    </p:cTn>
+                  </p:par>
+                </p:childTnLst>
+              </p:cTn>
+              <p:prevCondLst>
+                <p:cond evt="onPrev" delay="0">
+                  <p:tgtEl>
+                    <p:sldTgt/>
+                  </p:tgtEl>
+                </p:cond>
+              </p:prevCondLst>
+              <p:nextCondLst>
+                <p:cond evt="onNext" delay="0">
+                  <p:tgtEl>
+                    <p:sldTgt/>
+                  </p:tgtEl>
+                </p:cond>
+              </p:nextCondLst>
+            </p:seq>
+          </p:childTnLst>
+        </p:cTn>
+      </p:par>
+    </p:tnLst>
+  </p:timing>
+</p:sld>
+</file>
+
+<file path=ppt/slides/slide5.xml><?xml version="1.0" encoding="utf-8"?>
+<p:sld xmlns:a="http://schemas.openxmlformats.org/drawingml/2006/main" xmlns:r="http://schemas.openxmlformats.org/officeDocument/2006/relationships" xmlns:p="http://schemas.openxmlformats.org/presentationml/2006/main">
+  <p:cSld>
+    <p:spTree>
+      <p:nvGrpSpPr>
+        <p:cNvPr id="1" name=""/>
+        <p:cNvGrpSpPr/>
+        <p:nvPr/>
+      </p:nvGrpSpPr>
+      <p:grpSpPr>
+        <a:xfrm>
+          <a:off x="0" y="0"/>
+          <a:ext cx="0" cy="0"/>
+          <a:chOff x="0" y="0"/>
+          <a:chExt cx="0" cy="0"/>
+        </a:xfrm>
+      </p:grpSpPr>
+      <p:sp>
+        <p:nvSpPr>
+          <p:cNvPr id="16" name="Textfeld 15">
+            <a:extLst>
+              <a:ext uri="{FF2B5EF4-FFF2-40B4-BE49-F238E27FC236}">
+                <a16:creationId xmlns:a16="http://schemas.microsoft.com/office/drawing/2014/main" id="{33519F6B-C212-B401-A536-078B567F42EA}"/>
+              </a:ext>
+            </a:extLst>
+          </p:cNvPr>
+          <p:cNvSpPr txBox="1"/>
+          <p:nvPr/>
+        </p:nvSpPr>
+        <p:spPr>
+          <a:xfrm>
+            <a:off x="9150420" y="2474448"/>
+            <a:ext cx="2701379" cy="4195276"/>
+          </a:xfrm>
+          <a:prstGeom prst="roundRect">
+            <a:avLst/>
+          </a:prstGeom>
+          <a:solidFill>
+            <a:srgbClr val="E6ECF1"/>
+          </a:solidFill>
+          <a:ln w="57150">
+            <a:solidFill>
+              <a:srgbClr val="156082"/>
+            </a:solidFill>
+          </a:ln>
+        </p:spPr>
+        <p:style>
+          <a:lnRef idx="2">
+            <a:schemeClr val="accent1"/>
+          </a:lnRef>
+          <a:fillRef idx="1">
+            <a:schemeClr val="lt1"/>
+          </a:fillRef>
+          <a:effectRef idx="0">
+            <a:schemeClr val="accent1"/>
+          </a:effectRef>
+          <a:fontRef idx="minor">
+            <a:schemeClr val="dk1"/>
+          </a:fontRef>
+        </p:style>
+        <p:txBody>
+          <a:bodyPr rot="0" spcFirstLastPara="0" vertOverflow="overflow" horzOverflow="overflow" vert="horz" wrap="square" lIns="91440" tIns="45720" rIns="91440" bIns="45720" numCol="1" spcCol="0" rtlCol="0" fromWordArt="0" anchor="t" anchorCtr="0" forceAA="0" compatLnSpc="1">
+            <a:prstTxWarp prst="textNoShape">
+              <a:avLst/>
+            </a:prstTxWarp>
+            <a:noAutofit/>
+          </a:bodyPr>
+          <a:lstStyle/>
+          <a:p>
+            <a:pPr>
+              <a:spcAft>
+                <a:spcPts val="800"/>
+              </a:spcAft>
+            </a:pPr>
+            <a:br>
+              <a:rPr lang="de-DE" sz="700">
+                <a:solidFill>
+                  <a:srgbClr val="41687A"/>
+                </a:solidFill>
+              </a:rPr>
+            </a:br>
+            <a:r>
+              <a:rPr lang="de-DE" sz="1900" b="1">
+                <a:solidFill>
+                  <a:srgbClr val="41687A"/>
+                </a:solidFill>
+              </a:rPr>
+              <a:t>Frontendentwickler, UI/UX-Designer</a:t>
+            </a:r>
+          </a:p>
+          <a:p>
+            <a:pPr marL="285750" indent="-285750">
+              <a:spcAft>
+                <a:spcPts val="800"/>
+              </a:spcAft>
+              <a:buFont typeface="Calibri,Sans-Serif"/>
+              <a:buChar char="-"/>
+            </a:pPr>
+            <a:r>
+              <a:rPr lang="de-DE">
+                <a:solidFill>
+                  <a:srgbClr val="41687A"/>
+                </a:solidFill>
+              </a:rPr>
+              <a:t>Design, Umsetzung der Benutzer-oberfläche</a:t>
+            </a:r>
+            <a:endParaRPr lang="en-US">
+              <a:solidFill>
+                <a:srgbClr val="41687A"/>
+              </a:solidFill>
+            </a:endParaRPr>
+          </a:p>
+          <a:p>
+            <a:pPr marL="285750" indent="-285750">
+              <a:spcAft>
+                <a:spcPts val="800"/>
+              </a:spcAft>
+              <a:buFont typeface="Calibri,Sans-Serif"/>
+              <a:buChar char="-"/>
+            </a:pPr>
+            <a:r>
+              <a:rPr lang="de-DE">
+                <a:solidFill>
+                  <a:srgbClr val="41687A"/>
+                </a:solidFill>
+              </a:rPr>
+              <a:t>Entwicklung Frontend</a:t>
+            </a:r>
+            <a:endParaRPr lang="en-US">
+              <a:solidFill>
+                <a:srgbClr val="41687A"/>
+              </a:solidFill>
+            </a:endParaRPr>
+          </a:p>
+          <a:p>
+            <a:pPr marL="285750" indent="-285750">
+              <a:spcAft>
+                <a:spcPts val="800"/>
+              </a:spcAft>
+              <a:buFont typeface="Calibri,Sans-Serif"/>
+              <a:buChar char="-"/>
+            </a:pPr>
+            <a:r>
+              <a:rPr lang="de-DE">
+                <a:solidFill>
+                  <a:srgbClr val="41687A"/>
+                </a:solidFill>
+              </a:rPr>
+              <a:t>Sicherstellung user-freundliches UI/UX</a:t>
+            </a:r>
+          </a:p>
+          <a:p>
+            <a:pPr marL="285750" indent="-285750">
+              <a:spcAft>
+                <a:spcPts val="800"/>
+              </a:spcAft>
+              <a:buFont typeface="Calibri,Sans-Serif"/>
+              <a:buChar char="-"/>
+            </a:pPr>
+            <a:r>
+              <a:rPr lang="de-DE">
+                <a:solidFill>
+                  <a:srgbClr val="41687A"/>
+                </a:solidFill>
+              </a:rPr>
+              <a:t>Entscheidungen über Design und Layout</a:t>
+            </a:r>
+            <a:endParaRPr lang="en-US">
+              <a:solidFill>
+                <a:srgbClr val="41687A"/>
+              </a:solidFill>
+            </a:endParaRPr>
+          </a:p>
+        </p:txBody>
+      </p:sp>
+      <p:sp>
+        <p:nvSpPr>
+          <p:cNvPr id="14" name="Textfeld 13">
+            <a:extLst>
+              <a:ext uri="{FF2B5EF4-FFF2-40B4-BE49-F238E27FC236}">
+                <a16:creationId xmlns:a16="http://schemas.microsoft.com/office/drawing/2014/main" id="{FBECCEA3-34B7-2205-4724-6ED8449CD208}"/>
+              </a:ext>
+            </a:extLst>
+          </p:cNvPr>
+          <p:cNvSpPr txBox="1"/>
+          <p:nvPr/>
+        </p:nvSpPr>
+        <p:spPr>
+          <a:xfrm>
+            <a:off x="6311970" y="2463562"/>
+            <a:ext cx="2625179" cy="4195048"/>
+          </a:xfrm>
+          <a:prstGeom prst="roundRect">
+            <a:avLst/>
+          </a:prstGeom>
+          <a:solidFill>
+            <a:srgbClr val="E6ECF1"/>
+          </a:solidFill>
+          <a:ln w="57150">
+            <a:solidFill>
+              <a:srgbClr val="156082"/>
+            </a:solidFill>
+          </a:ln>
+        </p:spPr>
+        <p:style>
+          <a:lnRef idx="2">
+            <a:schemeClr val="accent1"/>
+          </a:lnRef>
+          <a:fillRef idx="1">
+            <a:schemeClr val="lt1"/>
+          </a:fillRef>
+          <a:effectRef idx="0">
+            <a:schemeClr val="accent1"/>
+          </a:effectRef>
+          <a:fontRef idx="minor">
+            <a:schemeClr val="dk1"/>
+          </a:fontRef>
+        </p:style>
+        <p:txBody>
+          <a:bodyPr rot="0" spcFirstLastPara="0" vertOverflow="overflow" horzOverflow="overflow" vert="horz" wrap="square" lIns="91440" tIns="45720" rIns="91440" bIns="45720" numCol="1" spcCol="0" rtlCol="0" fromWordArt="0" anchor="t" anchorCtr="0" forceAA="0" compatLnSpc="1">
+            <a:prstTxWarp prst="textNoShape">
+              <a:avLst/>
+            </a:prstTxWarp>
+            <a:noAutofit/>
+          </a:bodyPr>
+          <a:lstStyle/>
+          <a:p>
+            <a:pPr>
+              <a:spcAft>
+                <a:spcPts val="800"/>
+              </a:spcAft>
+            </a:pPr>
+            <a:br>
+              <a:rPr lang="de-DE" sz="700"/>
+            </a:br>
+            <a:r>
+              <a:rPr lang="de-DE" sz="1900" b="1">
+                <a:solidFill>
+                  <a:srgbClr val="41687A"/>
+                </a:solidFill>
+              </a:rPr>
+              <a:t>Funktionalitäts-tester, Entwickler</a:t>
+            </a:r>
+            <a:endParaRPr lang="de-DE">
+              <a:solidFill>
+                <a:srgbClr val="41687A"/>
+              </a:solidFill>
+            </a:endParaRPr>
+          </a:p>
+          <a:p>
+            <a:pPr marL="285750" indent="-285750">
+              <a:spcAft>
+                <a:spcPts val="800"/>
+              </a:spcAft>
+              <a:buFont typeface="Calibri,Sans-Serif"/>
+              <a:buChar char="-"/>
+            </a:pPr>
+            <a:r>
+              <a:rPr lang="de-DE">
+                <a:solidFill>
+                  <a:srgbClr val="41687A"/>
+                </a:solidFill>
+              </a:rPr>
+              <a:t>Entwicklung Frontend und Backend</a:t>
+            </a:r>
+          </a:p>
+          <a:p>
+            <a:pPr marL="285750" indent="-285750">
+              <a:spcAft>
+                <a:spcPts val="800"/>
+              </a:spcAft>
+              <a:buFont typeface="Calibri,Sans-Serif"/>
+              <a:buChar char="-"/>
+            </a:pPr>
+            <a:r>
+              <a:rPr lang="de-DE">
+                <a:solidFill>
+                  <a:srgbClr val="41687A"/>
+                </a:solidFill>
+              </a:rPr>
+              <a:t>Planung und Durchführung der Tests</a:t>
+            </a:r>
+            <a:endParaRPr lang="en-US">
+              <a:solidFill>
+                <a:srgbClr val="41687A"/>
+              </a:solidFill>
+            </a:endParaRPr>
+          </a:p>
+          <a:p>
+            <a:pPr marL="285750" indent="-285750" algn="l">
+              <a:spcAft>
+                <a:spcPts val="800"/>
+              </a:spcAft>
+              <a:buFont typeface="Calibri,Sans-Serif"/>
+              <a:buChar char="-"/>
+            </a:pPr>
+            <a:r>
+              <a:rPr lang="de-DE">
+                <a:solidFill>
+                  <a:srgbClr val="41687A"/>
+                </a:solidFill>
+              </a:rPr>
+              <a:t>Sicherstellung, dass alle Features funktionieren</a:t>
+            </a:r>
+          </a:p>
+        </p:txBody>
+      </p:sp>
+      <p:sp>
+        <p:nvSpPr>
+          <p:cNvPr id="12" name="Textfeld 11">
+            <a:extLst>
+              <a:ext uri="{FF2B5EF4-FFF2-40B4-BE49-F238E27FC236}">
+                <a16:creationId xmlns:a16="http://schemas.microsoft.com/office/drawing/2014/main" id="{330B8C10-D804-A00E-0C6F-02B558DCB91A}"/>
+              </a:ext>
+            </a:extLst>
+          </p:cNvPr>
+          <p:cNvSpPr txBox="1"/>
+          <p:nvPr/>
+        </p:nvSpPr>
+        <p:spPr>
+          <a:xfrm>
+            <a:off x="3463995" y="2474448"/>
+            <a:ext cx="2634704" cy="4195048"/>
+          </a:xfrm>
+          <a:prstGeom prst="roundRect">
+            <a:avLst/>
+          </a:prstGeom>
+          <a:solidFill>
+            <a:srgbClr val="E6ECF1"/>
+          </a:solidFill>
+          <a:ln w="57150">
+            <a:solidFill>
+              <a:srgbClr val="156082"/>
+            </a:solidFill>
+          </a:ln>
+        </p:spPr>
+        <p:style>
+          <a:lnRef idx="2">
+            <a:schemeClr val="accent1"/>
+          </a:lnRef>
+          <a:fillRef idx="1">
+            <a:schemeClr val="lt1"/>
+          </a:fillRef>
+          <a:effectRef idx="0">
+            <a:schemeClr val="accent1"/>
+          </a:effectRef>
+          <a:fontRef idx="minor">
+            <a:schemeClr val="dk1"/>
+          </a:fontRef>
+        </p:style>
+        <p:txBody>
+          <a:bodyPr rot="0" spcFirstLastPara="0" vertOverflow="overflow" horzOverflow="overflow" vert="horz" wrap="square" lIns="91440" tIns="45720" rIns="91440" bIns="45720" numCol="1" spcCol="0" rtlCol="0" fromWordArt="0" anchor="t" anchorCtr="0" forceAA="0" compatLnSpc="1">
+            <a:prstTxWarp prst="textNoShape">
+              <a:avLst/>
+            </a:prstTxWarp>
+            <a:noAutofit/>
+          </a:bodyPr>
+          <a:lstStyle/>
+          <a:p>
+            <a:pPr>
+              <a:spcAft>
+                <a:spcPts val="800"/>
+              </a:spcAft>
+            </a:pPr>
+            <a:br>
+              <a:rPr lang="de-DE" sz="700"/>
+            </a:br>
+            <a:r>
+              <a:rPr lang="de-DE" sz="1900" b="1">
+                <a:solidFill>
+                  <a:srgbClr val="41687A"/>
+                </a:solidFill>
+              </a:rPr>
+              <a:t>Backendentwickler, Integrator</a:t>
+            </a:r>
+            <a:endParaRPr lang="de-DE">
+              <a:solidFill>
+                <a:srgbClr val="41687A"/>
+              </a:solidFill>
+            </a:endParaRPr>
+          </a:p>
+          <a:p>
+            <a:pPr marL="285750" indent="-285750">
+              <a:spcAft>
+                <a:spcPts val="800"/>
+              </a:spcAft>
+              <a:buFont typeface="Calibri,Sans-Serif"/>
+              <a:buChar char="-"/>
+            </a:pPr>
+            <a:r>
+              <a:rPr lang="de-DE">
+                <a:solidFill>
+                  <a:srgbClr val="41687A"/>
+                </a:solidFill>
+              </a:rPr>
+              <a:t>Entwicklung Backend</a:t>
+            </a:r>
+            <a:endParaRPr lang="en-US">
+              <a:solidFill>
+                <a:srgbClr val="41687A"/>
+              </a:solidFill>
+            </a:endParaRPr>
+          </a:p>
+          <a:p>
+            <a:pPr marL="285750" indent="-285750">
+              <a:spcAft>
+                <a:spcPts val="800"/>
+              </a:spcAft>
+              <a:buFont typeface="Calibri,Sans-Serif"/>
+              <a:buChar char="-"/>
+            </a:pPr>
+            <a:r>
+              <a:rPr lang="de-DE">
+                <a:solidFill>
+                  <a:srgbClr val="41687A"/>
+                </a:solidFill>
+              </a:rPr>
+              <a:t>Integration von Backend ins Frontend</a:t>
+            </a:r>
+            <a:endParaRPr lang="en-US">
+              <a:solidFill>
+                <a:srgbClr val="41687A"/>
+              </a:solidFill>
+            </a:endParaRPr>
+          </a:p>
+          <a:p>
+            <a:pPr marL="285750" indent="-285750">
+              <a:spcAft>
+                <a:spcPts val="800"/>
+              </a:spcAft>
+              <a:buFont typeface="Calibri,Sans-Serif"/>
+              <a:buChar char="-"/>
+            </a:pPr>
+            <a:r>
+              <a:rPr lang="de-DE">
+                <a:solidFill>
+                  <a:srgbClr val="41687A"/>
+                </a:solidFill>
+              </a:rPr>
+              <a:t>API-Verwaltung</a:t>
+            </a:r>
+          </a:p>
+          <a:p>
+            <a:pPr marL="285750" indent="-285750">
+              <a:spcAft>
+                <a:spcPts val="800"/>
+              </a:spcAft>
+              <a:buFont typeface="Calibri,Sans-Serif"/>
+              <a:buChar char="-"/>
+            </a:pPr>
+            <a:r>
+              <a:rPr lang="de-DE">
+                <a:solidFill>
+                  <a:srgbClr val="41687A"/>
+                </a:solidFill>
+              </a:rPr>
+              <a:t>Stabilität und Sicherheit des </a:t>
+            </a:r>
+            <a:r>
+              <a:rPr lang="de-DE" err="1">
+                <a:solidFill>
+                  <a:srgbClr val="41687A"/>
+                </a:solidFill>
+              </a:rPr>
+              <a:t>Backends</a:t>
+            </a:r>
+            <a:endParaRPr lang="de-DE">
+              <a:solidFill>
+                <a:srgbClr val="41687A"/>
+              </a:solidFill>
+            </a:endParaRPr>
+          </a:p>
+        </p:txBody>
+      </p:sp>
+      <p:sp>
+        <p:nvSpPr>
+          <p:cNvPr id="10" name="Textfeld 9">
+            <a:extLst>
+              <a:ext uri="{FF2B5EF4-FFF2-40B4-BE49-F238E27FC236}">
+                <a16:creationId xmlns:a16="http://schemas.microsoft.com/office/drawing/2014/main" id="{F5DC6FF4-A8D3-DDCF-0486-7BBEA1389AA3}"/>
+              </a:ext>
+            </a:extLst>
+          </p:cNvPr>
+          <p:cNvSpPr txBox="1"/>
+          <p:nvPr/>
+        </p:nvSpPr>
+        <p:spPr>
+          <a:xfrm>
+            <a:off x="616020" y="2474448"/>
+            <a:ext cx="2625179" cy="4192905"/>
+          </a:xfrm>
+          <a:prstGeom prst="roundRect">
+            <a:avLst/>
+          </a:prstGeom>
+          <a:solidFill>
+            <a:srgbClr val="E6ECF1"/>
+          </a:solidFill>
+          <a:ln w="57150">
+            <a:solidFill>
+              <a:srgbClr val="156082"/>
+            </a:solidFill>
+          </a:ln>
+        </p:spPr>
+        <p:style>
+          <a:lnRef idx="2">
+            <a:schemeClr val="accent1"/>
+          </a:lnRef>
+          <a:fillRef idx="1">
+            <a:schemeClr val="lt1"/>
+          </a:fillRef>
+          <a:effectRef idx="0">
+            <a:schemeClr val="accent1"/>
+          </a:effectRef>
+          <a:fontRef idx="minor">
+            <a:schemeClr val="dk1"/>
+          </a:fontRef>
+        </p:style>
+        <p:txBody>
+          <a:bodyPr rot="0" spcFirstLastPara="0" vertOverflow="overflow" horzOverflow="overflow" vert="horz" wrap="square" lIns="91440" tIns="45720" rIns="91440" bIns="45720" numCol="1" spcCol="0" rtlCol="0" fromWordArt="0" anchor="t" anchorCtr="0" forceAA="0" compatLnSpc="1">
+            <a:prstTxWarp prst="textNoShape">
+              <a:avLst/>
+            </a:prstTxWarp>
+            <a:noAutofit/>
+          </a:bodyPr>
+          <a:lstStyle/>
+          <a:p>
+            <a:pPr>
+              <a:spcAft>
+                <a:spcPts val="800"/>
+              </a:spcAft>
+            </a:pPr>
+            <a:r>
+              <a:rPr lang="de-DE" sz="700"/>
+              <a:t> </a:t>
+            </a:r>
+            <a:br>
+              <a:rPr lang="de-DE"/>
+            </a:br>
+            <a:r>
+              <a:rPr lang="de-DE" sz="1900" b="1">
+                <a:solidFill>
+                  <a:srgbClr val="41687A"/>
+                </a:solidFill>
+              </a:rPr>
+              <a:t>Projektleiter, </a:t>
+            </a:r>
+            <a:r>
+              <a:rPr lang="de-DE" b="1">
+                <a:solidFill>
+                  <a:srgbClr val="41687A"/>
+                </a:solidFill>
+              </a:rPr>
+              <a:t>Server- / </a:t>
+            </a:r>
+            <a:r>
+              <a:rPr lang="de-DE" b="1" err="1">
+                <a:solidFill>
+                  <a:srgbClr val="41687A"/>
+                </a:solidFill>
+              </a:rPr>
+              <a:t>Datenbankadmin</a:t>
+            </a:r>
+            <a:endParaRPr lang="de-DE" b="1">
+              <a:solidFill>
+                <a:srgbClr val="41687A"/>
+              </a:solidFill>
+            </a:endParaRPr>
+          </a:p>
+          <a:p>
+            <a:pPr marL="285750">
+              <a:spcAft>
+                <a:spcPts val="800"/>
+              </a:spcAft>
+              <a:buFont typeface="Calibri"/>
+              <a:buChar char="-"/>
+            </a:pPr>
+            <a:r>
+              <a:rPr lang="de-DE">
+                <a:solidFill>
+                  <a:srgbClr val="41687A"/>
+                </a:solidFill>
+              </a:rPr>
+              <a:t>Projektplanung</a:t>
+            </a:r>
+          </a:p>
+          <a:p>
+            <a:pPr marL="285750">
+              <a:spcAft>
+                <a:spcPts val="800"/>
+              </a:spcAft>
+              <a:buFont typeface="Calibri"/>
+              <a:buChar char="-"/>
+            </a:pPr>
+            <a:r>
+              <a:rPr lang="de-DE">
+                <a:solidFill>
+                  <a:srgbClr val="41687A"/>
+                </a:solidFill>
+              </a:rPr>
+              <a:t>Koordination</a:t>
+            </a:r>
+          </a:p>
+          <a:p>
+            <a:pPr marL="285750">
+              <a:spcAft>
+                <a:spcPts val="800"/>
+              </a:spcAft>
+              <a:buFont typeface="Calibri"/>
+              <a:buChar char="-"/>
+            </a:pPr>
+            <a:r>
+              <a:rPr lang="de-DE">
+                <a:solidFill>
+                  <a:srgbClr val="41687A"/>
+                </a:solidFill>
+              </a:rPr>
+              <a:t>Verwaltung des Servers</a:t>
+            </a:r>
+          </a:p>
+          <a:p>
+            <a:pPr marL="285750">
+              <a:spcAft>
+                <a:spcPts val="800"/>
+              </a:spcAft>
+              <a:buFont typeface="Calibri"/>
+              <a:buChar char="-"/>
+            </a:pPr>
+            <a:r>
+              <a:rPr lang="de-DE">
+                <a:solidFill>
+                  <a:srgbClr val="41687A"/>
+                </a:solidFill>
+              </a:rPr>
+              <a:t>Verwaltung der Datenbank</a:t>
+            </a:r>
+          </a:p>
+          <a:p>
+            <a:pPr marL="285750">
+              <a:spcAft>
+                <a:spcPts val="800"/>
+              </a:spcAft>
+              <a:buFont typeface="Calibri"/>
+              <a:buChar char="-"/>
+            </a:pPr>
+            <a:r>
+              <a:rPr lang="de-DE">
+                <a:solidFill>
+                  <a:srgbClr val="41687A"/>
+                </a:solidFill>
+              </a:rPr>
+              <a:t>Einhaltung Projektziele</a:t>
+            </a:r>
+          </a:p>
+        </p:txBody>
+      </p:sp>
+      <p:sp>
+        <p:nvSpPr>
+          <p:cNvPr id="3" name="Textfeld 2">
+            <a:extLst>
+              <a:ext uri="{FF2B5EF4-FFF2-40B4-BE49-F238E27FC236}">
+                <a16:creationId xmlns:a16="http://schemas.microsoft.com/office/drawing/2014/main" id="{6D697FFE-F4EE-DC65-8FAB-A745FC23724F}"/>
+              </a:ext>
+            </a:extLst>
+          </p:cNvPr>
+          <p:cNvSpPr txBox="1"/>
+          <p:nvPr/>
+        </p:nvSpPr>
+        <p:spPr>
+          <a:xfrm>
+            <a:off x="3463995" y="2474448"/>
+            <a:ext cx="2634704" cy="4195048"/>
+          </a:xfrm>
+          <a:prstGeom prst="roundRect">
+            <a:avLst/>
+          </a:prstGeom>
+          <a:solidFill>
+            <a:srgbClr val="CEDAE3"/>
+          </a:solidFill>
+          <a:ln w="57150">
+            <a:solidFill>
+              <a:srgbClr val="156082"/>
+            </a:solidFill>
+          </a:ln>
+        </p:spPr>
+        <p:style>
+          <a:lnRef idx="2">
+            <a:schemeClr val="accent1"/>
+          </a:lnRef>
+          <a:fillRef idx="1">
+            <a:schemeClr val="lt1"/>
+          </a:fillRef>
+          <a:effectRef idx="0">
+            <a:schemeClr val="accent1"/>
+          </a:effectRef>
+          <a:fontRef idx="minor">
+            <a:schemeClr val="dk1"/>
+          </a:fontRef>
+        </p:style>
+        <p:txBody>
+          <a:bodyPr rot="0" spcFirstLastPara="0" vertOverflow="overflow" horzOverflow="overflow" vert="horz" wrap="square" lIns="91440" tIns="45720" rIns="91440" bIns="45720" numCol="1" spcCol="0" rtlCol="0" fromWordArt="0" anchor="t" anchorCtr="0" forceAA="0" compatLnSpc="1">
+            <a:prstTxWarp prst="textNoShape">
+              <a:avLst/>
+            </a:prstTxWarp>
+            <a:noAutofit/>
+          </a:bodyPr>
+          <a:lstStyle/>
+          <a:p>
+            <a:pPr>
+              <a:spcAft>
+                <a:spcPts val="800"/>
+              </a:spcAft>
+            </a:pPr>
+            <a:br>
+              <a:rPr lang="de-DE" sz="700" dirty="0"/>
+            </a:br>
+            <a:r>
+              <a:rPr lang="de-DE" sz="1900" b="1" dirty="0"/>
+              <a:t>Backendentwickler, Integrator</a:t>
+            </a:r>
+            <a:endParaRPr lang="de-DE" dirty="0"/>
+          </a:p>
+          <a:p>
+            <a:pPr marL="285750" indent="-285750">
+              <a:spcAft>
+                <a:spcPts val="800"/>
+              </a:spcAft>
+              <a:buFont typeface="Calibri,Sans-Serif"/>
+              <a:buChar char="-"/>
+            </a:pPr>
+            <a:r>
+              <a:rPr lang="de-DE" dirty="0"/>
+              <a:t>Entwicklung Backend</a:t>
+            </a:r>
+            <a:endParaRPr lang="en-US" dirty="0"/>
+          </a:p>
+          <a:p>
+            <a:pPr marL="285750" indent="-285750">
+              <a:spcAft>
+                <a:spcPts val="800"/>
+              </a:spcAft>
+              <a:buFont typeface="Calibri,Sans-Serif"/>
+              <a:buChar char="-"/>
+            </a:pPr>
+            <a:r>
+              <a:rPr lang="de-DE" dirty="0"/>
+              <a:t>Integration von Backend ins Frontend</a:t>
+            </a:r>
+            <a:endParaRPr lang="en-US" dirty="0"/>
+          </a:p>
+          <a:p>
+            <a:pPr marL="285750" indent="-285750">
+              <a:spcAft>
+                <a:spcPts val="800"/>
+              </a:spcAft>
+              <a:buFont typeface="Calibri,Sans-Serif"/>
+              <a:buChar char="-"/>
+            </a:pPr>
+            <a:r>
+              <a:rPr lang="de-DE" dirty="0"/>
+              <a:t>API-Verwaltung</a:t>
+            </a:r>
+          </a:p>
+          <a:p>
+            <a:pPr marL="285750" indent="-285750">
+              <a:spcAft>
+                <a:spcPts val="800"/>
+              </a:spcAft>
+              <a:buFont typeface="Calibri,Sans-Serif"/>
+              <a:buChar char="-"/>
+            </a:pPr>
+            <a:r>
+              <a:rPr lang="de-DE" dirty="0"/>
+              <a:t>Stabilität und Sicherheit des </a:t>
+            </a:r>
+            <a:r>
+              <a:rPr lang="de-DE" dirty="0" err="1"/>
+              <a:t>Backends</a:t>
+            </a:r>
+            <a:endParaRPr lang="de-DE" dirty="0"/>
+          </a:p>
+        </p:txBody>
+      </p:sp>
+      <p:sp>
+        <p:nvSpPr>
+          <p:cNvPr id="5" name="Textfeld 4">
+            <a:extLst>
+              <a:ext uri="{FF2B5EF4-FFF2-40B4-BE49-F238E27FC236}">
+                <a16:creationId xmlns:a16="http://schemas.microsoft.com/office/drawing/2014/main" id="{36E8FE1F-4806-8A78-29A1-580443898B47}"/>
+              </a:ext>
+            </a:extLst>
+          </p:cNvPr>
+          <p:cNvSpPr txBox="1"/>
+          <p:nvPr/>
+        </p:nvSpPr>
+        <p:spPr>
+          <a:xfrm>
+            <a:off x="6311970" y="2474448"/>
+            <a:ext cx="2625179" cy="4195048"/>
+          </a:xfrm>
+          <a:prstGeom prst="roundRect">
+            <a:avLst/>
+          </a:prstGeom>
+          <a:solidFill>
+            <a:srgbClr val="CEDAE3"/>
+          </a:solidFill>
+          <a:ln w="57150">
+            <a:solidFill>
+              <a:srgbClr val="156082"/>
+            </a:solidFill>
+          </a:ln>
+        </p:spPr>
+        <p:style>
+          <a:lnRef idx="2">
+            <a:schemeClr val="accent1"/>
+          </a:lnRef>
+          <a:fillRef idx="1">
+            <a:schemeClr val="lt1"/>
+          </a:fillRef>
+          <a:effectRef idx="0">
+            <a:schemeClr val="accent1"/>
+          </a:effectRef>
+          <a:fontRef idx="minor">
+            <a:schemeClr val="dk1"/>
+          </a:fontRef>
+        </p:style>
+        <p:txBody>
+          <a:bodyPr rot="0" spcFirstLastPara="0" vertOverflow="overflow" horzOverflow="overflow" vert="horz" wrap="square" lIns="91440" tIns="45720" rIns="91440" bIns="45720" numCol="1" spcCol="0" rtlCol="0" fromWordArt="0" anchor="t" anchorCtr="0" forceAA="0" compatLnSpc="1">
+            <a:prstTxWarp prst="textNoShape">
+              <a:avLst/>
+            </a:prstTxWarp>
+            <a:noAutofit/>
+          </a:bodyPr>
+          <a:lstStyle/>
+          <a:p>
+            <a:pPr>
+              <a:spcAft>
+                <a:spcPts val="800"/>
+              </a:spcAft>
+            </a:pPr>
+            <a:br>
+              <a:rPr lang="de-DE" sz="700"/>
+            </a:br>
+            <a:r>
+              <a:rPr lang="de-DE" sz="1900" b="1"/>
+              <a:t>Funktionalitäts-tester, Entwickler</a:t>
+            </a:r>
+            <a:endParaRPr lang="de-DE"/>
+          </a:p>
+          <a:p>
+            <a:pPr marL="285750" indent="-285750">
+              <a:spcAft>
+                <a:spcPts val="800"/>
+              </a:spcAft>
+              <a:buFont typeface="Calibri,Sans-Serif"/>
+              <a:buChar char="-"/>
+            </a:pPr>
+            <a:r>
+              <a:rPr lang="de-DE"/>
+              <a:t>Entwicklung Frontend und Backend</a:t>
+            </a:r>
+          </a:p>
+          <a:p>
+            <a:pPr marL="285750" indent="-285750">
+              <a:spcAft>
+                <a:spcPts val="800"/>
+              </a:spcAft>
+              <a:buFont typeface="Calibri,Sans-Serif"/>
+              <a:buChar char="-"/>
+            </a:pPr>
+            <a:r>
+              <a:rPr lang="de-DE"/>
+              <a:t>Planung und Durchführung der Tests</a:t>
+            </a:r>
+            <a:endParaRPr lang="en-US"/>
+          </a:p>
+          <a:p>
+            <a:pPr marL="285750" indent="-285750" algn="l">
+              <a:spcAft>
+                <a:spcPts val="800"/>
+              </a:spcAft>
+              <a:buFont typeface="Calibri,Sans-Serif"/>
+              <a:buChar char="-"/>
+            </a:pPr>
+            <a:r>
+              <a:rPr lang="de-DE"/>
+              <a:t>Sicherstellung, dass alle Features funktionieren</a:t>
+            </a:r>
+          </a:p>
+        </p:txBody>
+      </p:sp>
+      <p:sp>
+        <p:nvSpPr>
+          <p:cNvPr id="7" name="Textfeld 6">
+            <a:extLst>
+              <a:ext uri="{FF2B5EF4-FFF2-40B4-BE49-F238E27FC236}">
+                <a16:creationId xmlns:a16="http://schemas.microsoft.com/office/drawing/2014/main" id="{383231E5-C7B9-B1D2-F742-8FAFA2F4039E}"/>
+              </a:ext>
+            </a:extLst>
+          </p:cNvPr>
+          <p:cNvSpPr txBox="1"/>
+          <p:nvPr/>
+        </p:nvSpPr>
+        <p:spPr>
+          <a:xfrm>
+            <a:off x="9150420" y="2474448"/>
+            <a:ext cx="2701379" cy="4195276"/>
+          </a:xfrm>
+          <a:prstGeom prst="roundRect">
+            <a:avLst/>
+          </a:prstGeom>
+          <a:solidFill>
+            <a:srgbClr val="CEDAE3"/>
+          </a:solidFill>
+          <a:ln w="57150">
+            <a:solidFill>
+              <a:srgbClr val="156082"/>
+            </a:solidFill>
+          </a:ln>
+        </p:spPr>
+        <p:style>
+          <a:lnRef idx="2">
+            <a:schemeClr val="accent1"/>
+          </a:lnRef>
+          <a:fillRef idx="1">
+            <a:schemeClr val="lt1"/>
+          </a:fillRef>
+          <a:effectRef idx="0">
+            <a:schemeClr val="accent1"/>
+          </a:effectRef>
+          <a:fontRef idx="minor">
+            <a:schemeClr val="dk1"/>
+          </a:fontRef>
+        </p:style>
+        <p:txBody>
+          <a:bodyPr rot="0" spcFirstLastPara="0" vertOverflow="overflow" horzOverflow="overflow" vert="horz" wrap="square" lIns="91440" tIns="45720" rIns="91440" bIns="45720" numCol="1" spcCol="0" rtlCol="0" fromWordArt="0" anchor="t" anchorCtr="0" forceAA="0" compatLnSpc="1">
+            <a:prstTxWarp prst="textNoShape">
+              <a:avLst/>
+            </a:prstTxWarp>
+            <a:noAutofit/>
+          </a:bodyPr>
+          <a:lstStyle/>
+          <a:p>
+            <a:pPr>
+              <a:spcAft>
+                <a:spcPts val="800"/>
+              </a:spcAft>
+            </a:pPr>
+            <a:br>
+              <a:rPr lang="de-DE" sz="700"/>
+            </a:br>
+            <a:r>
+              <a:rPr lang="de-DE" sz="1900" b="1"/>
+              <a:t>Frontendentwickler, UI/UX-Designer</a:t>
+            </a:r>
+          </a:p>
+          <a:p>
+            <a:pPr marL="285750" indent="-285750">
+              <a:spcAft>
+                <a:spcPts val="800"/>
+              </a:spcAft>
+              <a:buFont typeface="Calibri,Sans-Serif"/>
+              <a:buChar char="-"/>
+            </a:pPr>
+            <a:r>
+              <a:rPr lang="de-DE"/>
+              <a:t>Design, Umsetzung der Benutzer-oberfläche</a:t>
+            </a:r>
+            <a:endParaRPr lang="en-US"/>
+          </a:p>
+          <a:p>
+            <a:pPr marL="285750" indent="-285750">
+              <a:spcAft>
+                <a:spcPts val="800"/>
+              </a:spcAft>
+              <a:buFont typeface="Calibri,Sans-Serif"/>
+              <a:buChar char="-"/>
+            </a:pPr>
+            <a:r>
+              <a:rPr lang="de-DE"/>
+              <a:t>Entwicklung Frontend</a:t>
+            </a:r>
+            <a:endParaRPr lang="en-US" err="1"/>
+          </a:p>
+          <a:p>
+            <a:pPr marL="285750" indent="-285750">
+              <a:spcAft>
+                <a:spcPts val="800"/>
+              </a:spcAft>
+              <a:buFont typeface="Calibri,Sans-Serif"/>
+              <a:buChar char="-"/>
+            </a:pPr>
+            <a:r>
+              <a:rPr lang="de-DE"/>
+              <a:t>Sicherstellung user-freundliches UI/UX</a:t>
+            </a:r>
+          </a:p>
+          <a:p>
+            <a:pPr marL="285750" indent="-285750">
+              <a:spcAft>
+                <a:spcPts val="800"/>
+              </a:spcAft>
+              <a:buFont typeface="Calibri,Sans-Serif"/>
+              <a:buChar char="-"/>
+            </a:pPr>
+            <a:r>
+              <a:rPr lang="de-DE"/>
+              <a:t>Entscheidungen über Design und Layout</a:t>
+            </a:r>
+            <a:endParaRPr lang="en-US"/>
+          </a:p>
+        </p:txBody>
+      </p:sp>
+      <p:sp>
+        <p:nvSpPr>
+          <p:cNvPr id="19" name="Textfeld 18">
+            <a:extLst>
+              <a:ext uri="{FF2B5EF4-FFF2-40B4-BE49-F238E27FC236}">
+                <a16:creationId xmlns:a16="http://schemas.microsoft.com/office/drawing/2014/main" id="{9416F023-AEC8-E745-8F1C-1049C566A87C}"/>
+              </a:ext>
+            </a:extLst>
+          </p:cNvPr>
+          <p:cNvSpPr txBox="1"/>
+          <p:nvPr/>
+        </p:nvSpPr>
+        <p:spPr>
+          <a:xfrm>
+            <a:off x="616020" y="2474448"/>
+            <a:ext cx="2625179" cy="4192905"/>
+          </a:xfrm>
+          <a:prstGeom prst="roundRect">
+            <a:avLst/>
+          </a:prstGeom>
+          <a:solidFill>
+            <a:srgbClr val="CEDAE3"/>
+          </a:solidFill>
+          <a:ln w="57150">
+            <a:solidFill>
+              <a:srgbClr val="156082"/>
+            </a:solidFill>
+          </a:ln>
+        </p:spPr>
+        <p:style>
+          <a:lnRef idx="2">
+            <a:schemeClr val="accent1"/>
+          </a:lnRef>
+          <a:fillRef idx="1">
+            <a:schemeClr val="lt1"/>
+          </a:fillRef>
+          <a:effectRef idx="0">
+            <a:schemeClr val="accent1"/>
+          </a:effectRef>
+          <a:fontRef idx="minor">
+            <a:schemeClr val="dk1"/>
+          </a:fontRef>
+        </p:style>
+        <p:txBody>
+          <a:bodyPr rot="0" spcFirstLastPara="0" vertOverflow="overflow" horzOverflow="overflow" vert="horz" wrap="square" lIns="91440" tIns="45720" rIns="91440" bIns="45720" numCol="1" spcCol="0" rtlCol="0" fromWordArt="0" anchor="t" anchorCtr="0" forceAA="0" compatLnSpc="1">
+            <a:prstTxWarp prst="textNoShape">
+              <a:avLst/>
+            </a:prstTxWarp>
+            <a:noAutofit/>
+          </a:bodyPr>
+          <a:lstStyle/>
+          <a:p>
+            <a:pPr>
+              <a:spcAft>
+                <a:spcPts val="800"/>
+              </a:spcAft>
+            </a:pPr>
+            <a:r>
+              <a:rPr lang="de-DE" sz="700" dirty="0"/>
+              <a:t> </a:t>
+            </a:r>
+            <a:br>
+              <a:rPr lang="de-DE" dirty="0"/>
+            </a:br>
+            <a:r>
+              <a:rPr lang="de-DE" sz="1900" b="1" dirty="0"/>
+              <a:t>Projektleiter, </a:t>
+            </a:r>
+            <a:r>
+              <a:rPr lang="de-DE" b="1" dirty="0"/>
+              <a:t>Server- / </a:t>
+            </a:r>
+            <a:r>
+              <a:rPr lang="de-DE" b="1" dirty="0" err="1"/>
+              <a:t>Datenbankadmin</a:t>
+            </a:r>
+            <a:endParaRPr lang="de-DE" b="1" dirty="0"/>
+          </a:p>
+          <a:p>
+            <a:pPr marL="285750">
+              <a:spcAft>
+                <a:spcPts val="800"/>
+              </a:spcAft>
+              <a:buFont typeface="Calibri"/>
+              <a:buChar char="-"/>
+            </a:pPr>
+            <a:r>
+              <a:rPr lang="de-DE" dirty="0"/>
+              <a:t>Projektplanung</a:t>
+            </a:r>
+          </a:p>
+          <a:p>
+            <a:pPr marL="285750">
+              <a:spcAft>
+                <a:spcPts val="800"/>
+              </a:spcAft>
+              <a:buFont typeface="Calibri"/>
+              <a:buChar char="-"/>
+            </a:pPr>
+            <a:r>
+              <a:rPr lang="de-DE" dirty="0"/>
+              <a:t>Koordination</a:t>
+            </a:r>
+          </a:p>
+          <a:p>
+            <a:pPr marL="285750">
+              <a:spcAft>
+                <a:spcPts val="800"/>
+              </a:spcAft>
+              <a:buFont typeface="Calibri"/>
+              <a:buChar char="-"/>
+            </a:pPr>
+            <a:r>
+              <a:rPr lang="de-DE" dirty="0"/>
+              <a:t>Verwaltung des Servers</a:t>
+            </a:r>
+          </a:p>
+          <a:p>
+            <a:pPr marL="285750">
+              <a:spcAft>
+                <a:spcPts val="800"/>
+              </a:spcAft>
+              <a:buFont typeface="Calibri"/>
+              <a:buChar char="-"/>
+            </a:pPr>
+            <a:r>
+              <a:rPr lang="de-DE" dirty="0"/>
+              <a:t>Verwaltung der Datenbank</a:t>
+            </a:r>
+          </a:p>
+          <a:p>
+            <a:pPr marL="285750">
+              <a:spcAft>
+                <a:spcPts val="800"/>
+              </a:spcAft>
+              <a:buFont typeface="Calibri"/>
+              <a:buChar char="-"/>
+            </a:pPr>
+            <a:r>
+              <a:rPr lang="de-DE" dirty="0"/>
+              <a:t>Einhaltung Projektziele</a:t>
+            </a:r>
+          </a:p>
+        </p:txBody>
+      </p:sp>
+      <p:sp>
+        <p:nvSpPr>
+          <p:cNvPr id="2" name="Titel 1">
+            <a:extLst>
+              <a:ext uri="{FF2B5EF4-FFF2-40B4-BE49-F238E27FC236}">
+                <a16:creationId xmlns:a16="http://schemas.microsoft.com/office/drawing/2014/main" id="{2870AEA1-3BAB-2DDA-DCC5-BEA86F0BDE2A}"/>
               </a:ext>
             </a:extLst>
           </p:cNvPr>
@@ -3781,7 +6258,7 @@
             <a:spLocks noGrp="1"/>
           </p:cNvSpPr>
           <p:nvPr>
-            <p:ph type="body" idx="1"/>
+            <p:ph type="title"/>
           </p:nvPr>
         </p:nvSpPr>
         <p:spPr/>
@@ -3789,53 +6266,1224 @@
           <a:bodyPr/>
           <a:lstStyle/>
           <a:p>
-            <a:endParaRPr lang="de-DE"/>
-          </a:p>
-        </p:txBody>
-      </p:sp>
-      <p:sp>
-        <p:nvSpPr>
-          <p:cNvPr id="4" name="Foliennummernplatzhalter 3">
+            <a:r>
+              <a:rPr lang="de-DE"/>
+              <a:t>Rollenverteilung im Team</a:t>
+            </a:r>
+          </a:p>
+        </p:txBody>
+      </p:sp>
+      <p:sp>
+        <p:nvSpPr>
+          <p:cNvPr id="4" name="Ellipse 3">
             <a:extLst>
               <a:ext uri="{FF2B5EF4-FFF2-40B4-BE49-F238E27FC236}">
-                <a16:creationId xmlns:a16="http://schemas.microsoft.com/office/drawing/2014/main" id="{A197A0C6-43B7-E477-0A74-80E02C1B57B8}"/>
+                <a16:creationId xmlns:a16="http://schemas.microsoft.com/office/drawing/2014/main" id="{2C469CE2-BBE9-ADFC-25ED-FBEA0CBA7084}"/>
               </a:ext>
             </a:extLst>
           </p:cNvPr>
-          <p:cNvSpPr>
-            <a:spLocks noGrp="1"/>
-          </p:cNvSpPr>
-          <p:nvPr>
-            <p:ph type="sldNum" sz="quarter" idx="12"/>
-          </p:nvPr>
-        </p:nvSpPr>
-        <p:spPr/>
-        <p:txBody>
-          <a:bodyPr/>
-          <a:lstStyle/>
-          <a:p>
-            <a:fld id="{AAC1D792-5BBE-0E40-8BC5-C23B00244607}" type="slidenum">
-              <a:rPr lang="de-DE" smtClean="0"/>
-              <a:t>4</a:t>
-            </a:fld>
-            <a:endParaRPr lang="de-DE"/>
+          <p:cNvSpPr/>
+          <p:nvPr/>
+        </p:nvSpPr>
+        <p:spPr>
+          <a:xfrm>
+            <a:off x="1332220" y="1569350"/>
+            <a:ext cx="1190625" cy="1190625"/>
+          </a:xfrm>
+          <a:prstGeom prst="ellipse">
+            <a:avLst/>
+          </a:prstGeom>
+          <a:solidFill>
+            <a:srgbClr val="156082"/>
+          </a:solidFill>
+        </p:spPr>
+        <p:style>
+          <a:lnRef idx="2">
+            <a:schemeClr val="accent1">
+              <a:shade val="15000"/>
+            </a:schemeClr>
+          </a:lnRef>
+          <a:fillRef idx="1">
+            <a:schemeClr val="accent1"/>
+          </a:fillRef>
+          <a:effectRef idx="0">
+            <a:schemeClr val="accent1"/>
+          </a:effectRef>
+          <a:fontRef idx="minor">
+            <a:schemeClr val="lt1"/>
+          </a:fontRef>
+        </p:style>
+        <p:txBody>
+          <a:bodyPr rot="0" spcFirstLastPara="0" vert="horz" wrap="square" lIns="91440" tIns="45720" rIns="91440" bIns="45720" numCol="1" spcCol="0" rtlCol="0" fromWordArt="0" anchor="ctr" anchorCtr="0" forceAA="0" compatLnSpc="1">
+            <a:prstTxWarp prst="textNoShape">
+              <a:avLst/>
+            </a:prstTxWarp>
+            <a:noAutofit/>
+          </a:bodyPr>
+          <a:lstStyle>
+            <a:defPPr>
+              <a:defRPr lang="de-DE"/>
+            </a:defPPr>
+            <a:lvl1pPr marL="0" algn="l" defTabSz="914400" rtl="0" eaLnBrk="1" latinLnBrk="0" hangingPunct="1">
+              <a:defRPr sz="1800" kern="1200">
+                <a:solidFill>
+                  <a:schemeClr val="lt1"/>
+                </a:solidFill>
+                <a:latin typeface="+mn-lt"/>
+                <a:ea typeface="+mn-ea"/>
+                <a:cs typeface="+mn-cs"/>
+              </a:defRPr>
+            </a:lvl1pPr>
+            <a:lvl2pPr marL="457200" algn="l" defTabSz="914400" rtl="0" eaLnBrk="1" latinLnBrk="0" hangingPunct="1">
+              <a:defRPr sz="1800" kern="1200">
+                <a:solidFill>
+                  <a:schemeClr val="lt1"/>
+                </a:solidFill>
+                <a:latin typeface="+mn-lt"/>
+                <a:ea typeface="+mn-ea"/>
+                <a:cs typeface="+mn-cs"/>
+              </a:defRPr>
+            </a:lvl2pPr>
+            <a:lvl3pPr marL="914400" algn="l" defTabSz="914400" rtl="0" eaLnBrk="1" latinLnBrk="0" hangingPunct="1">
+              <a:defRPr sz="1800" kern="1200">
+                <a:solidFill>
+                  <a:schemeClr val="lt1"/>
+                </a:solidFill>
+                <a:latin typeface="+mn-lt"/>
+                <a:ea typeface="+mn-ea"/>
+                <a:cs typeface="+mn-cs"/>
+              </a:defRPr>
+            </a:lvl3pPr>
+            <a:lvl4pPr marL="1371600" algn="l" defTabSz="914400" rtl="0" eaLnBrk="1" latinLnBrk="0" hangingPunct="1">
+              <a:defRPr sz="1800" kern="1200">
+                <a:solidFill>
+                  <a:schemeClr val="lt1"/>
+                </a:solidFill>
+                <a:latin typeface="+mn-lt"/>
+                <a:ea typeface="+mn-ea"/>
+                <a:cs typeface="+mn-cs"/>
+              </a:defRPr>
+            </a:lvl4pPr>
+            <a:lvl5pPr marL="1828800" algn="l" defTabSz="914400" rtl="0" eaLnBrk="1" latinLnBrk="0" hangingPunct="1">
+              <a:defRPr sz="1800" kern="1200">
+                <a:solidFill>
+                  <a:schemeClr val="lt1"/>
+                </a:solidFill>
+                <a:latin typeface="+mn-lt"/>
+                <a:ea typeface="+mn-ea"/>
+                <a:cs typeface="+mn-cs"/>
+              </a:defRPr>
+            </a:lvl5pPr>
+            <a:lvl6pPr marL="2286000" algn="l" defTabSz="914400" rtl="0" eaLnBrk="1" latinLnBrk="0" hangingPunct="1">
+              <a:defRPr sz="1800" kern="1200">
+                <a:solidFill>
+                  <a:schemeClr val="lt1"/>
+                </a:solidFill>
+                <a:latin typeface="+mn-lt"/>
+                <a:ea typeface="+mn-ea"/>
+                <a:cs typeface="+mn-cs"/>
+              </a:defRPr>
+            </a:lvl6pPr>
+            <a:lvl7pPr marL="2743200" algn="l" defTabSz="914400" rtl="0" eaLnBrk="1" latinLnBrk="0" hangingPunct="1">
+              <a:defRPr sz="1800" kern="1200">
+                <a:solidFill>
+                  <a:schemeClr val="lt1"/>
+                </a:solidFill>
+                <a:latin typeface="+mn-lt"/>
+                <a:ea typeface="+mn-ea"/>
+                <a:cs typeface="+mn-cs"/>
+              </a:defRPr>
+            </a:lvl7pPr>
+            <a:lvl8pPr marL="3200400" algn="l" defTabSz="914400" rtl="0" eaLnBrk="1" latinLnBrk="0" hangingPunct="1">
+              <a:defRPr sz="1800" kern="1200">
+                <a:solidFill>
+                  <a:schemeClr val="lt1"/>
+                </a:solidFill>
+                <a:latin typeface="+mn-lt"/>
+                <a:ea typeface="+mn-ea"/>
+                <a:cs typeface="+mn-cs"/>
+              </a:defRPr>
+            </a:lvl8pPr>
+            <a:lvl9pPr marL="3657600" algn="l" defTabSz="914400" rtl="0" eaLnBrk="1" latinLnBrk="0" hangingPunct="1">
+              <a:defRPr sz="1800" kern="1200">
+                <a:solidFill>
+                  <a:schemeClr val="lt1"/>
+                </a:solidFill>
+                <a:latin typeface="+mn-lt"/>
+                <a:ea typeface="+mn-ea"/>
+                <a:cs typeface="+mn-cs"/>
+              </a:defRPr>
+            </a:lvl9pPr>
+          </a:lstStyle>
+          <a:p>
+            <a:pPr algn="ctr"/>
+            <a:r>
+              <a:rPr lang="de-DE"/>
+              <a:t>Carlo</a:t>
+            </a:r>
+          </a:p>
+        </p:txBody>
+      </p:sp>
+      <p:sp>
+        <p:nvSpPr>
+          <p:cNvPr id="6" name="Ellipse 5">
+            <a:extLst>
+              <a:ext uri="{FF2B5EF4-FFF2-40B4-BE49-F238E27FC236}">
+                <a16:creationId xmlns:a16="http://schemas.microsoft.com/office/drawing/2014/main" id="{5327DF6D-BC87-CA3F-5BFA-9BF4AEF00DC1}"/>
+              </a:ext>
+            </a:extLst>
+          </p:cNvPr>
+          <p:cNvSpPr/>
+          <p:nvPr/>
+        </p:nvSpPr>
+        <p:spPr>
+          <a:xfrm>
+            <a:off x="4178347" y="1569350"/>
+            <a:ext cx="1190625" cy="1190625"/>
+          </a:xfrm>
+          <a:prstGeom prst="ellipse">
+            <a:avLst/>
+          </a:prstGeom>
+          <a:solidFill>
+            <a:srgbClr val="156082"/>
+          </a:solidFill>
+        </p:spPr>
+        <p:style>
+          <a:lnRef idx="2">
+            <a:schemeClr val="accent1">
+              <a:shade val="15000"/>
+            </a:schemeClr>
+          </a:lnRef>
+          <a:fillRef idx="1">
+            <a:schemeClr val="accent1"/>
+          </a:fillRef>
+          <a:effectRef idx="0">
+            <a:schemeClr val="accent1"/>
+          </a:effectRef>
+          <a:fontRef idx="minor">
+            <a:schemeClr val="lt1"/>
+          </a:fontRef>
+        </p:style>
+        <p:txBody>
+          <a:bodyPr rot="0" spcFirstLastPara="0" vert="horz" wrap="square" lIns="91440" tIns="45720" rIns="91440" bIns="45720" numCol="1" spcCol="0" rtlCol="0" fromWordArt="0" anchor="ctr" anchorCtr="0" forceAA="0" compatLnSpc="1">
+            <a:prstTxWarp prst="textNoShape">
+              <a:avLst/>
+            </a:prstTxWarp>
+            <a:noAutofit/>
+          </a:bodyPr>
+          <a:lstStyle>
+            <a:defPPr>
+              <a:defRPr lang="de-DE"/>
+            </a:defPPr>
+            <a:lvl1pPr marL="0" algn="l" defTabSz="914400" rtl="0" eaLnBrk="1" latinLnBrk="0" hangingPunct="1">
+              <a:defRPr sz="1800" kern="1200">
+                <a:solidFill>
+                  <a:schemeClr val="lt1"/>
+                </a:solidFill>
+                <a:latin typeface="+mn-lt"/>
+                <a:ea typeface="+mn-ea"/>
+                <a:cs typeface="+mn-cs"/>
+              </a:defRPr>
+            </a:lvl1pPr>
+            <a:lvl2pPr marL="457200" algn="l" defTabSz="914400" rtl="0" eaLnBrk="1" latinLnBrk="0" hangingPunct="1">
+              <a:defRPr sz="1800" kern="1200">
+                <a:solidFill>
+                  <a:schemeClr val="lt1"/>
+                </a:solidFill>
+                <a:latin typeface="+mn-lt"/>
+                <a:ea typeface="+mn-ea"/>
+                <a:cs typeface="+mn-cs"/>
+              </a:defRPr>
+            </a:lvl2pPr>
+            <a:lvl3pPr marL="914400" algn="l" defTabSz="914400" rtl="0" eaLnBrk="1" latinLnBrk="0" hangingPunct="1">
+              <a:defRPr sz="1800" kern="1200">
+                <a:solidFill>
+                  <a:schemeClr val="lt1"/>
+                </a:solidFill>
+                <a:latin typeface="+mn-lt"/>
+                <a:ea typeface="+mn-ea"/>
+                <a:cs typeface="+mn-cs"/>
+              </a:defRPr>
+            </a:lvl3pPr>
+            <a:lvl4pPr marL="1371600" algn="l" defTabSz="914400" rtl="0" eaLnBrk="1" latinLnBrk="0" hangingPunct="1">
+              <a:defRPr sz="1800" kern="1200">
+                <a:solidFill>
+                  <a:schemeClr val="lt1"/>
+                </a:solidFill>
+                <a:latin typeface="+mn-lt"/>
+                <a:ea typeface="+mn-ea"/>
+                <a:cs typeface="+mn-cs"/>
+              </a:defRPr>
+            </a:lvl4pPr>
+            <a:lvl5pPr marL="1828800" algn="l" defTabSz="914400" rtl="0" eaLnBrk="1" latinLnBrk="0" hangingPunct="1">
+              <a:defRPr sz="1800" kern="1200">
+                <a:solidFill>
+                  <a:schemeClr val="lt1"/>
+                </a:solidFill>
+                <a:latin typeface="+mn-lt"/>
+                <a:ea typeface="+mn-ea"/>
+                <a:cs typeface="+mn-cs"/>
+              </a:defRPr>
+            </a:lvl5pPr>
+            <a:lvl6pPr marL="2286000" algn="l" defTabSz="914400" rtl="0" eaLnBrk="1" latinLnBrk="0" hangingPunct="1">
+              <a:defRPr sz="1800" kern="1200">
+                <a:solidFill>
+                  <a:schemeClr val="lt1"/>
+                </a:solidFill>
+                <a:latin typeface="+mn-lt"/>
+                <a:ea typeface="+mn-ea"/>
+                <a:cs typeface="+mn-cs"/>
+              </a:defRPr>
+            </a:lvl6pPr>
+            <a:lvl7pPr marL="2743200" algn="l" defTabSz="914400" rtl="0" eaLnBrk="1" latinLnBrk="0" hangingPunct="1">
+              <a:defRPr sz="1800" kern="1200">
+                <a:solidFill>
+                  <a:schemeClr val="lt1"/>
+                </a:solidFill>
+                <a:latin typeface="+mn-lt"/>
+                <a:ea typeface="+mn-ea"/>
+                <a:cs typeface="+mn-cs"/>
+              </a:defRPr>
+            </a:lvl7pPr>
+            <a:lvl8pPr marL="3200400" algn="l" defTabSz="914400" rtl="0" eaLnBrk="1" latinLnBrk="0" hangingPunct="1">
+              <a:defRPr sz="1800" kern="1200">
+                <a:solidFill>
+                  <a:schemeClr val="lt1"/>
+                </a:solidFill>
+                <a:latin typeface="+mn-lt"/>
+                <a:ea typeface="+mn-ea"/>
+                <a:cs typeface="+mn-cs"/>
+              </a:defRPr>
+            </a:lvl8pPr>
+            <a:lvl9pPr marL="3657600" algn="l" defTabSz="914400" rtl="0" eaLnBrk="1" latinLnBrk="0" hangingPunct="1">
+              <a:defRPr sz="1800" kern="1200">
+                <a:solidFill>
+                  <a:schemeClr val="lt1"/>
+                </a:solidFill>
+                <a:latin typeface="+mn-lt"/>
+                <a:ea typeface="+mn-ea"/>
+                <a:cs typeface="+mn-cs"/>
+              </a:defRPr>
+            </a:lvl9pPr>
+          </a:lstStyle>
+          <a:p>
+            <a:pPr algn="ctr"/>
+            <a:r>
+              <a:rPr lang="de-DE"/>
+              <a:t>Tobias</a:t>
+            </a:r>
+          </a:p>
+        </p:txBody>
+      </p:sp>
+      <p:sp>
+        <p:nvSpPr>
+          <p:cNvPr id="8" name="Ellipse 7">
+            <a:extLst>
+              <a:ext uri="{FF2B5EF4-FFF2-40B4-BE49-F238E27FC236}">
+                <a16:creationId xmlns:a16="http://schemas.microsoft.com/office/drawing/2014/main" id="{B6C15D41-95A3-48E2-1942-18B7D886562A}"/>
+              </a:ext>
+            </a:extLst>
+          </p:cNvPr>
+          <p:cNvSpPr/>
+          <p:nvPr/>
+        </p:nvSpPr>
+        <p:spPr>
+          <a:xfrm>
+            <a:off x="7024757" y="1569350"/>
+            <a:ext cx="1190625" cy="1190625"/>
+          </a:xfrm>
+          <a:prstGeom prst="ellipse">
+            <a:avLst/>
+          </a:prstGeom>
+          <a:solidFill>
+            <a:srgbClr val="156082"/>
+          </a:solidFill>
+        </p:spPr>
+        <p:style>
+          <a:lnRef idx="2">
+            <a:schemeClr val="accent1">
+              <a:shade val="15000"/>
+            </a:schemeClr>
+          </a:lnRef>
+          <a:fillRef idx="1">
+            <a:schemeClr val="accent1"/>
+          </a:fillRef>
+          <a:effectRef idx="0">
+            <a:schemeClr val="accent1"/>
+          </a:effectRef>
+          <a:fontRef idx="minor">
+            <a:schemeClr val="lt1"/>
+          </a:fontRef>
+        </p:style>
+        <p:txBody>
+          <a:bodyPr rot="0" spcFirstLastPara="0" vert="horz" wrap="square" lIns="91440" tIns="45720" rIns="91440" bIns="45720" numCol="1" spcCol="0" rtlCol="0" fromWordArt="0" anchor="ctr" anchorCtr="0" forceAA="0" compatLnSpc="1">
+            <a:prstTxWarp prst="textNoShape">
+              <a:avLst/>
+            </a:prstTxWarp>
+            <a:noAutofit/>
+          </a:bodyPr>
+          <a:lstStyle>
+            <a:defPPr>
+              <a:defRPr lang="de-DE"/>
+            </a:defPPr>
+            <a:lvl1pPr marL="0" algn="l" defTabSz="914400" rtl="0" eaLnBrk="1" latinLnBrk="0" hangingPunct="1">
+              <a:defRPr sz="1800" kern="1200">
+                <a:solidFill>
+                  <a:schemeClr val="lt1"/>
+                </a:solidFill>
+                <a:latin typeface="+mn-lt"/>
+                <a:ea typeface="+mn-ea"/>
+                <a:cs typeface="+mn-cs"/>
+              </a:defRPr>
+            </a:lvl1pPr>
+            <a:lvl2pPr marL="457200" algn="l" defTabSz="914400" rtl="0" eaLnBrk="1" latinLnBrk="0" hangingPunct="1">
+              <a:defRPr sz="1800" kern="1200">
+                <a:solidFill>
+                  <a:schemeClr val="lt1"/>
+                </a:solidFill>
+                <a:latin typeface="+mn-lt"/>
+                <a:ea typeface="+mn-ea"/>
+                <a:cs typeface="+mn-cs"/>
+              </a:defRPr>
+            </a:lvl2pPr>
+            <a:lvl3pPr marL="914400" algn="l" defTabSz="914400" rtl="0" eaLnBrk="1" latinLnBrk="0" hangingPunct="1">
+              <a:defRPr sz="1800" kern="1200">
+                <a:solidFill>
+                  <a:schemeClr val="lt1"/>
+                </a:solidFill>
+                <a:latin typeface="+mn-lt"/>
+                <a:ea typeface="+mn-ea"/>
+                <a:cs typeface="+mn-cs"/>
+              </a:defRPr>
+            </a:lvl3pPr>
+            <a:lvl4pPr marL="1371600" algn="l" defTabSz="914400" rtl="0" eaLnBrk="1" latinLnBrk="0" hangingPunct="1">
+              <a:defRPr sz="1800" kern="1200">
+                <a:solidFill>
+                  <a:schemeClr val="lt1"/>
+                </a:solidFill>
+                <a:latin typeface="+mn-lt"/>
+                <a:ea typeface="+mn-ea"/>
+                <a:cs typeface="+mn-cs"/>
+              </a:defRPr>
+            </a:lvl4pPr>
+            <a:lvl5pPr marL="1828800" algn="l" defTabSz="914400" rtl="0" eaLnBrk="1" latinLnBrk="0" hangingPunct="1">
+              <a:defRPr sz="1800" kern="1200">
+                <a:solidFill>
+                  <a:schemeClr val="lt1"/>
+                </a:solidFill>
+                <a:latin typeface="+mn-lt"/>
+                <a:ea typeface="+mn-ea"/>
+                <a:cs typeface="+mn-cs"/>
+              </a:defRPr>
+            </a:lvl5pPr>
+            <a:lvl6pPr marL="2286000" algn="l" defTabSz="914400" rtl="0" eaLnBrk="1" latinLnBrk="0" hangingPunct="1">
+              <a:defRPr sz="1800" kern="1200">
+                <a:solidFill>
+                  <a:schemeClr val="lt1"/>
+                </a:solidFill>
+                <a:latin typeface="+mn-lt"/>
+                <a:ea typeface="+mn-ea"/>
+                <a:cs typeface="+mn-cs"/>
+              </a:defRPr>
+            </a:lvl6pPr>
+            <a:lvl7pPr marL="2743200" algn="l" defTabSz="914400" rtl="0" eaLnBrk="1" latinLnBrk="0" hangingPunct="1">
+              <a:defRPr sz="1800" kern="1200">
+                <a:solidFill>
+                  <a:schemeClr val="lt1"/>
+                </a:solidFill>
+                <a:latin typeface="+mn-lt"/>
+                <a:ea typeface="+mn-ea"/>
+                <a:cs typeface="+mn-cs"/>
+              </a:defRPr>
+            </a:lvl7pPr>
+            <a:lvl8pPr marL="3200400" algn="l" defTabSz="914400" rtl="0" eaLnBrk="1" latinLnBrk="0" hangingPunct="1">
+              <a:defRPr sz="1800" kern="1200">
+                <a:solidFill>
+                  <a:schemeClr val="lt1"/>
+                </a:solidFill>
+                <a:latin typeface="+mn-lt"/>
+                <a:ea typeface="+mn-ea"/>
+                <a:cs typeface="+mn-cs"/>
+              </a:defRPr>
+            </a:lvl8pPr>
+            <a:lvl9pPr marL="3657600" algn="l" defTabSz="914400" rtl="0" eaLnBrk="1" latinLnBrk="0" hangingPunct="1">
+              <a:defRPr sz="1800" kern="1200">
+                <a:solidFill>
+                  <a:schemeClr val="lt1"/>
+                </a:solidFill>
+                <a:latin typeface="+mn-lt"/>
+                <a:ea typeface="+mn-ea"/>
+                <a:cs typeface="+mn-cs"/>
+              </a:defRPr>
+            </a:lvl9pPr>
+          </a:lstStyle>
+          <a:p>
+            <a:pPr algn="ctr"/>
+            <a:r>
+              <a:rPr lang="de-DE"/>
+              <a:t>Sven</a:t>
+            </a:r>
+          </a:p>
+        </p:txBody>
+      </p:sp>
+      <p:sp>
+        <p:nvSpPr>
+          <p:cNvPr id="18" name="Ellipse 17">
+            <a:extLst>
+              <a:ext uri="{FF2B5EF4-FFF2-40B4-BE49-F238E27FC236}">
+                <a16:creationId xmlns:a16="http://schemas.microsoft.com/office/drawing/2014/main" id="{804C7CF5-94D7-3891-B9F2-0C84EBC9D9D5}"/>
+              </a:ext>
+            </a:extLst>
+          </p:cNvPr>
+          <p:cNvSpPr/>
+          <p:nvPr/>
+        </p:nvSpPr>
+        <p:spPr>
+          <a:xfrm>
+            <a:off x="9861359" y="1569350"/>
+            <a:ext cx="1190625" cy="1190625"/>
+          </a:xfrm>
+          <a:prstGeom prst="ellipse">
+            <a:avLst/>
+          </a:prstGeom>
+          <a:solidFill>
+            <a:srgbClr val="156082"/>
+          </a:solidFill>
+        </p:spPr>
+        <p:style>
+          <a:lnRef idx="2">
+            <a:schemeClr val="accent1">
+              <a:shade val="15000"/>
+            </a:schemeClr>
+          </a:lnRef>
+          <a:fillRef idx="1">
+            <a:schemeClr val="accent1"/>
+          </a:fillRef>
+          <a:effectRef idx="0">
+            <a:schemeClr val="accent1"/>
+          </a:effectRef>
+          <a:fontRef idx="minor">
+            <a:schemeClr val="lt1"/>
+          </a:fontRef>
+        </p:style>
+        <p:txBody>
+          <a:bodyPr rot="0" spcFirstLastPara="0" vert="horz" wrap="square" lIns="91440" tIns="45720" rIns="91440" bIns="45720" numCol="1" spcCol="0" rtlCol="0" fromWordArt="0" anchor="ctr" anchorCtr="0" forceAA="0" compatLnSpc="1">
+            <a:prstTxWarp prst="textNoShape">
+              <a:avLst/>
+            </a:prstTxWarp>
+            <a:noAutofit/>
+          </a:bodyPr>
+          <a:lstStyle>
+            <a:defPPr>
+              <a:defRPr lang="de-DE"/>
+            </a:defPPr>
+            <a:lvl1pPr marL="0" algn="l" defTabSz="914400" rtl="0" eaLnBrk="1" latinLnBrk="0" hangingPunct="1">
+              <a:defRPr sz="1800" kern="1200">
+                <a:solidFill>
+                  <a:schemeClr val="lt1"/>
+                </a:solidFill>
+                <a:latin typeface="+mn-lt"/>
+                <a:ea typeface="+mn-ea"/>
+                <a:cs typeface="+mn-cs"/>
+              </a:defRPr>
+            </a:lvl1pPr>
+            <a:lvl2pPr marL="457200" algn="l" defTabSz="914400" rtl="0" eaLnBrk="1" latinLnBrk="0" hangingPunct="1">
+              <a:defRPr sz="1800" kern="1200">
+                <a:solidFill>
+                  <a:schemeClr val="lt1"/>
+                </a:solidFill>
+                <a:latin typeface="+mn-lt"/>
+                <a:ea typeface="+mn-ea"/>
+                <a:cs typeface="+mn-cs"/>
+              </a:defRPr>
+            </a:lvl2pPr>
+            <a:lvl3pPr marL="914400" algn="l" defTabSz="914400" rtl="0" eaLnBrk="1" latinLnBrk="0" hangingPunct="1">
+              <a:defRPr sz="1800" kern="1200">
+                <a:solidFill>
+                  <a:schemeClr val="lt1"/>
+                </a:solidFill>
+                <a:latin typeface="+mn-lt"/>
+                <a:ea typeface="+mn-ea"/>
+                <a:cs typeface="+mn-cs"/>
+              </a:defRPr>
+            </a:lvl3pPr>
+            <a:lvl4pPr marL="1371600" algn="l" defTabSz="914400" rtl="0" eaLnBrk="1" latinLnBrk="0" hangingPunct="1">
+              <a:defRPr sz="1800" kern="1200">
+                <a:solidFill>
+                  <a:schemeClr val="lt1"/>
+                </a:solidFill>
+                <a:latin typeface="+mn-lt"/>
+                <a:ea typeface="+mn-ea"/>
+                <a:cs typeface="+mn-cs"/>
+              </a:defRPr>
+            </a:lvl4pPr>
+            <a:lvl5pPr marL="1828800" algn="l" defTabSz="914400" rtl="0" eaLnBrk="1" latinLnBrk="0" hangingPunct="1">
+              <a:defRPr sz="1800" kern="1200">
+                <a:solidFill>
+                  <a:schemeClr val="lt1"/>
+                </a:solidFill>
+                <a:latin typeface="+mn-lt"/>
+                <a:ea typeface="+mn-ea"/>
+                <a:cs typeface="+mn-cs"/>
+              </a:defRPr>
+            </a:lvl5pPr>
+            <a:lvl6pPr marL="2286000" algn="l" defTabSz="914400" rtl="0" eaLnBrk="1" latinLnBrk="0" hangingPunct="1">
+              <a:defRPr sz="1800" kern="1200">
+                <a:solidFill>
+                  <a:schemeClr val="lt1"/>
+                </a:solidFill>
+                <a:latin typeface="+mn-lt"/>
+                <a:ea typeface="+mn-ea"/>
+                <a:cs typeface="+mn-cs"/>
+              </a:defRPr>
+            </a:lvl6pPr>
+            <a:lvl7pPr marL="2743200" algn="l" defTabSz="914400" rtl="0" eaLnBrk="1" latinLnBrk="0" hangingPunct="1">
+              <a:defRPr sz="1800" kern="1200">
+                <a:solidFill>
+                  <a:schemeClr val="lt1"/>
+                </a:solidFill>
+                <a:latin typeface="+mn-lt"/>
+                <a:ea typeface="+mn-ea"/>
+                <a:cs typeface="+mn-cs"/>
+              </a:defRPr>
+            </a:lvl7pPr>
+            <a:lvl8pPr marL="3200400" algn="l" defTabSz="914400" rtl="0" eaLnBrk="1" latinLnBrk="0" hangingPunct="1">
+              <a:defRPr sz="1800" kern="1200">
+                <a:solidFill>
+                  <a:schemeClr val="lt1"/>
+                </a:solidFill>
+                <a:latin typeface="+mn-lt"/>
+                <a:ea typeface="+mn-ea"/>
+                <a:cs typeface="+mn-cs"/>
+              </a:defRPr>
+            </a:lvl8pPr>
+            <a:lvl9pPr marL="3657600" algn="l" defTabSz="914400" rtl="0" eaLnBrk="1" latinLnBrk="0" hangingPunct="1">
+              <a:defRPr sz="1800" kern="1200">
+                <a:solidFill>
+                  <a:schemeClr val="lt1"/>
+                </a:solidFill>
+                <a:latin typeface="+mn-lt"/>
+                <a:ea typeface="+mn-ea"/>
+                <a:cs typeface="+mn-cs"/>
+              </a:defRPr>
+            </a:lvl9pPr>
+          </a:lstStyle>
+          <a:p>
+            <a:pPr algn="ctr"/>
+            <a:r>
+              <a:rPr lang="de-DE"/>
+              <a:t>Josi</a:t>
+            </a:r>
           </a:p>
         </p:txBody>
       </p:sp>
     </p:spTree>
     <p:extLst>
       <p:ext uri="{BB962C8B-B14F-4D97-AF65-F5344CB8AC3E}">
-        <p14:creationId xmlns:p14="http://schemas.microsoft.com/office/powerpoint/2010/main" val="1419242586"/>
+        <p14:creationId xmlns:p14="http://schemas.microsoft.com/office/powerpoint/2010/main" val="1203100399"/>
       </p:ext>
     </p:extLst>
   </p:cSld>
   <p:clrMapOvr>
     <a:masterClrMapping/>
   </p:clrMapOvr>
+  <mc:AlternateContent xmlns:mc="http://schemas.openxmlformats.org/markup-compatibility/2006" xmlns:p159="http://schemas.microsoft.com/office/powerpoint/2015/09/main">
+    <mc:Choice Requires="p159">
+      <p:transition xmlns:p14="http://schemas.microsoft.com/office/powerpoint/2010/main" spd="slow" p14:dur="2000">
+        <p159:morph option="byObject"/>
+      </p:transition>
+    </mc:Choice>
+    <mc:Fallback xmlns="">
+      <p:transition spd="slow">
+        <p:fade/>
+      </p:transition>
+    </mc:Fallback>
+  </mc:AlternateContent>
+  <p:timing>
+    <p:tnLst>
+      <p:par>
+        <p:cTn id="1" dur="indefinite" restart="never" nodeType="tmRoot">
+          <p:childTnLst>
+            <p:seq concurrent="1" nextAc="seek">
+              <p:cTn id="2" dur="indefinite" nodeType="mainSeq">
+                <p:childTnLst>
+                  <p:par>
+                    <p:cTn id="3" fill="hold">
+                      <p:stCondLst>
+                        <p:cond delay="indefinite"/>
+                      </p:stCondLst>
+                      <p:childTnLst>
+                        <p:par>
+                          <p:cTn id="4" fill="hold">
+                            <p:stCondLst>
+                              <p:cond delay="0"/>
+                            </p:stCondLst>
+                            <p:childTnLst>
+                              <p:par>
+                                <p:cTn id="5" presetID="10" presetClass="entr" presetSubtype="0" fill="hold" grpId="0" nodeType="clickEffect">
+                                  <p:stCondLst>
+                                    <p:cond delay="0"/>
+                                  </p:stCondLst>
+                                  <p:childTnLst>
+                                    <p:set>
+                                      <p:cBhvr>
+                                        <p:cTn id="6" dur="1" fill="hold">
+                                          <p:stCondLst>
+                                            <p:cond delay="0"/>
+                                          </p:stCondLst>
+                                        </p:cTn>
+                                        <p:tgtEl>
+                                          <p:spTgt spid="19"/>
+                                        </p:tgtEl>
+                                        <p:attrNameLst>
+                                          <p:attrName>style.visibility</p:attrName>
+                                        </p:attrNameLst>
+                                      </p:cBhvr>
+                                      <p:to>
+                                        <p:strVal val="visible"/>
+                                      </p:to>
+                                    </p:set>
+                                    <p:animEffect transition="in" filter="fade">
+                                      <p:cBhvr>
+                                        <p:cTn id="7" dur="500"/>
+                                        <p:tgtEl>
+                                          <p:spTgt spid="19"/>
+                                        </p:tgtEl>
+                                      </p:cBhvr>
+                                    </p:animEffect>
+                                  </p:childTnLst>
+                                </p:cTn>
+                              </p:par>
+                            </p:childTnLst>
+                          </p:cTn>
+                        </p:par>
+                      </p:childTnLst>
+                    </p:cTn>
+                  </p:par>
+                  <p:par>
+                    <p:cTn id="8" fill="hold">
+                      <p:stCondLst>
+                        <p:cond delay="indefinite"/>
+                      </p:stCondLst>
+                      <p:childTnLst>
+                        <p:par>
+                          <p:cTn id="9" fill="hold">
+                            <p:stCondLst>
+                              <p:cond delay="0"/>
+                            </p:stCondLst>
+                            <p:childTnLst>
+                              <p:par>
+                                <p:cTn id="10" presetID="10" presetClass="exit" presetSubtype="0" fill="hold" grpId="1" nodeType="clickEffect">
+                                  <p:stCondLst>
+                                    <p:cond delay="0"/>
+                                  </p:stCondLst>
+                                  <p:childTnLst>
+                                    <p:animEffect transition="out" filter="fade">
+                                      <p:cBhvr>
+                                        <p:cTn id="11" dur="500"/>
+                                        <p:tgtEl>
+                                          <p:spTgt spid="19"/>
+                                        </p:tgtEl>
+                                      </p:cBhvr>
+                                    </p:animEffect>
+                                    <p:set>
+                                      <p:cBhvr>
+                                        <p:cTn id="12" dur="1" fill="hold">
+                                          <p:stCondLst>
+                                            <p:cond delay="499"/>
+                                          </p:stCondLst>
+                                        </p:cTn>
+                                        <p:tgtEl>
+                                          <p:spTgt spid="19"/>
+                                        </p:tgtEl>
+                                        <p:attrNameLst>
+                                          <p:attrName>style.visibility</p:attrName>
+                                        </p:attrNameLst>
+                                      </p:cBhvr>
+                                      <p:to>
+                                        <p:strVal val="hidden"/>
+                                      </p:to>
+                                    </p:set>
+                                  </p:childTnLst>
+                                </p:cTn>
+                              </p:par>
+                              <p:par>
+                                <p:cTn id="13" presetID="10" presetClass="entr" presetSubtype="0" fill="hold" grpId="0" nodeType="withEffect">
+                                  <p:stCondLst>
+                                    <p:cond delay="0"/>
+                                  </p:stCondLst>
+                                  <p:childTnLst>
+                                    <p:set>
+                                      <p:cBhvr>
+                                        <p:cTn id="14" dur="1" fill="hold">
+                                          <p:stCondLst>
+                                            <p:cond delay="0"/>
+                                          </p:stCondLst>
+                                        </p:cTn>
+                                        <p:tgtEl>
+                                          <p:spTgt spid="10"/>
+                                        </p:tgtEl>
+                                        <p:attrNameLst>
+                                          <p:attrName>style.visibility</p:attrName>
+                                        </p:attrNameLst>
+                                      </p:cBhvr>
+                                      <p:to>
+                                        <p:strVal val="visible"/>
+                                      </p:to>
+                                    </p:set>
+                                    <p:animEffect transition="in" filter="fade">
+                                      <p:cBhvr>
+                                        <p:cTn id="15" dur="500"/>
+                                        <p:tgtEl>
+                                          <p:spTgt spid="10"/>
+                                        </p:tgtEl>
+                                      </p:cBhvr>
+                                    </p:animEffect>
+                                  </p:childTnLst>
+                                </p:cTn>
+                              </p:par>
+                            </p:childTnLst>
+                          </p:cTn>
+                        </p:par>
+                        <p:par>
+                          <p:cTn id="16" fill="hold">
+                            <p:stCondLst>
+                              <p:cond delay="500"/>
+                            </p:stCondLst>
+                            <p:childTnLst>
+                              <p:par>
+                                <p:cTn id="17" presetID="10" presetClass="entr" presetSubtype="0" fill="hold" grpId="0" nodeType="afterEffect">
+                                  <p:stCondLst>
+                                    <p:cond delay="0"/>
+                                  </p:stCondLst>
+                                  <p:childTnLst>
+                                    <p:set>
+                                      <p:cBhvr>
+                                        <p:cTn id="18" dur="1" fill="hold">
+                                          <p:stCondLst>
+                                            <p:cond delay="0"/>
+                                          </p:stCondLst>
+                                        </p:cTn>
+                                        <p:tgtEl>
+                                          <p:spTgt spid="3"/>
+                                        </p:tgtEl>
+                                        <p:attrNameLst>
+                                          <p:attrName>style.visibility</p:attrName>
+                                        </p:attrNameLst>
+                                      </p:cBhvr>
+                                      <p:to>
+                                        <p:strVal val="visible"/>
+                                      </p:to>
+                                    </p:set>
+                                    <p:animEffect transition="in" filter="fade">
+                                      <p:cBhvr>
+                                        <p:cTn id="19" dur="500"/>
+                                        <p:tgtEl>
+                                          <p:spTgt spid="3"/>
+                                        </p:tgtEl>
+                                      </p:cBhvr>
+                                    </p:animEffect>
+                                  </p:childTnLst>
+                                </p:cTn>
+                              </p:par>
+                            </p:childTnLst>
+                          </p:cTn>
+                        </p:par>
+                      </p:childTnLst>
+                    </p:cTn>
+                  </p:par>
+                  <p:par>
+                    <p:cTn id="20" fill="hold">
+                      <p:stCondLst>
+                        <p:cond delay="indefinite"/>
+                      </p:stCondLst>
+                      <p:childTnLst>
+                        <p:par>
+                          <p:cTn id="21" fill="hold">
+                            <p:stCondLst>
+                              <p:cond delay="0"/>
+                            </p:stCondLst>
+                            <p:childTnLst>
+                              <p:par>
+                                <p:cTn id="22" presetID="10" presetClass="exit" presetSubtype="0" fill="hold" grpId="1" nodeType="clickEffect">
+                                  <p:stCondLst>
+                                    <p:cond delay="0"/>
+                                  </p:stCondLst>
+                                  <p:childTnLst>
+                                    <p:animEffect transition="out" filter="fade">
+                                      <p:cBhvr>
+                                        <p:cTn id="23" dur="500"/>
+                                        <p:tgtEl>
+                                          <p:spTgt spid="3"/>
+                                        </p:tgtEl>
+                                      </p:cBhvr>
+                                    </p:animEffect>
+                                    <p:set>
+                                      <p:cBhvr>
+                                        <p:cTn id="24" dur="1" fill="hold">
+                                          <p:stCondLst>
+                                            <p:cond delay="499"/>
+                                          </p:stCondLst>
+                                        </p:cTn>
+                                        <p:tgtEl>
+                                          <p:spTgt spid="3"/>
+                                        </p:tgtEl>
+                                        <p:attrNameLst>
+                                          <p:attrName>style.visibility</p:attrName>
+                                        </p:attrNameLst>
+                                      </p:cBhvr>
+                                      <p:to>
+                                        <p:strVal val="hidden"/>
+                                      </p:to>
+                                    </p:set>
+                                  </p:childTnLst>
+                                </p:cTn>
+                              </p:par>
+                              <p:par>
+                                <p:cTn id="25" presetID="10" presetClass="entr" presetSubtype="0" fill="hold" grpId="0" nodeType="withEffect">
+                                  <p:stCondLst>
+                                    <p:cond delay="0"/>
+                                  </p:stCondLst>
+                                  <p:childTnLst>
+                                    <p:set>
+                                      <p:cBhvr>
+                                        <p:cTn id="26" dur="1" fill="hold">
+                                          <p:stCondLst>
+                                            <p:cond delay="0"/>
+                                          </p:stCondLst>
+                                        </p:cTn>
+                                        <p:tgtEl>
+                                          <p:spTgt spid="12"/>
+                                        </p:tgtEl>
+                                        <p:attrNameLst>
+                                          <p:attrName>style.visibility</p:attrName>
+                                        </p:attrNameLst>
+                                      </p:cBhvr>
+                                      <p:to>
+                                        <p:strVal val="visible"/>
+                                      </p:to>
+                                    </p:set>
+                                    <p:animEffect transition="in" filter="fade">
+                                      <p:cBhvr>
+                                        <p:cTn id="27" dur="500"/>
+                                        <p:tgtEl>
+                                          <p:spTgt spid="12"/>
+                                        </p:tgtEl>
+                                      </p:cBhvr>
+                                    </p:animEffect>
+                                  </p:childTnLst>
+                                </p:cTn>
+                              </p:par>
+                            </p:childTnLst>
+                          </p:cTn>
+                        </p:par>
+                        <p:par>
+                          <p:cTn id="28" fill="hold">
+                            <p:stCondLst>
+                              <p:cond delay="500"/>
+                            </p:stCondLst>
+                            <p:childTnLst>
+                              <p:par>
+                                <p:cTn id="29" presetID="10" presetClass="entr" presetSubtype="0" fill="hold" grpId="0" nodeType="afterEffect">
+                                  <p:stCondLst>
+                                    <p:cond delay="0"/>
+                                  </p:stCondLst>
+                                  <p:childTnLst>
+                                    <p:set>
+                                      <p:cBhvr>
+                                        <p:cTn id="30" dur="1" fill="hold">
+                                          <p:stCondLst>
+                                            <p:cond delay="0"/>
+                                          </p:stCondLst>
+                                        </p:cTn>
+                                        <p:tgtEl>
+                                          <p:spTgt spid="5"/>
+                                        </p:tgtEl>
+                                        <p:attrNameLst>
+                                          <p:attrName>style.visibility</p:attrName>
+                                        </p:attrNameLst>
+                                      </p:cBhvr>
+                                      <p:to>
+                                        <p:strVal val="visible"/>
+                                      </p:to>
+                                    </p:set>
+                                    <p:animEffect transition="in" filter="fade">
+                                      <p:cBhvr>
+                                        <p:cTn id="31" dur="500"/>
+                                        <p:tgtEl>
+                                          <p:spTgt spid="5"/>
+                                        </p:tgtEl>
+                                      </p:cBhvr>
+                                    </p:animEffect>
+                                  </p:childTnLst>
+                                </p:cTn>
+                              </p:par>
+                            </p:childTnLst>
+                          </p:cTn>
+                        </p:par>
+                      </p:childTnLst>
+                    </p:cTn>
+                  </p:par>
+                  <p:par>
+                    <p:cTn id="32" fill="hold">
+                      <p:stCondLst>
+                        <p:cond delay="indefinite"/>
+                      </p:stCondLst>
+                      <p:childTnLst>
+                        <p:par>
+                          <p:cTn id="33" fill="hold">
+                            <p:stCondLst>
+                              <p:cond delay="0"/>
+                            </p:stCondLst>
+                            <p:childTnLst>
+                              <p:par>
+                                <p:cTn id="34" presetID="10" presetClass="exit" presetSubtype="0" fill="hold" grpId="1" nodeType="clickEffect">
+                                  <p:stCondLst>
+                                    <p:cond delay="0"/>
+                                  </p:stCondLst>
+                                  <p:childTnLst>
+                                    <p:animEffect transition="out" filter="fade">
+                                      <p:cBhvr>
+                                        <p:cTn id="35" dur="500"/>
+                                        <p:tgtEl>
+                                          <p:spTgt spid="5"/>
+                                        </p:tgtEl>
+                                      </p:cBhvr>
+                                    </p:animEffect>
+                                    <p:set>
+                                      <p:cBhvr>
+                                        <p:cTn id="36" dur="1" fill="hold">
+                                          <p:stCondLst>
+                                            <p:cond delay="499"/>
+                                          </p:stCondLst>
+                                        </p:cTn>
+                                        <p:tgtEl>
+                                          <p:spTgt spid="5"/>
+                                        </p:tgtEl>
+                                        <p:attrNameLst>
+                                          <p:attrName>style.visibility</p:attrName>
+                                        </p:attrNameLst>
+                                      </p:cBhvr>
+                                      <p:to>
+                                        <p:strVal val="hidden"/>
+                                      </p:to>
+                                    </p:set>
+                                  </p:childTnLst>
+                                </p:cTn>
+                              </p:par>
+                              <p:par>
+                                <p:cTn id="37" presetID="10" presetClass="entr" presetSubtype="0" fill="hold" grpId="0" nodeType="withEffect">
+                                  <p:stCondLst>
+                                    <p:cond delay="0"/>
+                                  </p:stCondLst>
+                                  <p:childTnLst>
+                                    <p:set>
+                                      <p:cBhvr>
+                                        <p:cTn id="38" dur="1" fill="hold">
+                                          <p:stCondLst>
+                                            <p:cond delay="0"/>
+                                          </p:stCondLst>
+                                        </p:cTn>
+                                        <p:tgtEl>
+                                          <p:spTgt spid="14"/>
+                                        </p:tgtEl>
+                                        <p:attrNameLst>
+                                          <p:attrName>style.visibility</p:attrName>
+                                        </p:attrNameLst>
+                                      </p:cBhvr>
+                                      <p:to>
+                                        <p:strVal val="visible"/>
+                                      </p:to>
+                                    </p:set>
+                                    <p:animEffect transition="in" filter="fade">
+                                      <p:cBhvr>
+                                        <p:cTn id="39" dur="500"/>
+                                        <p:tgtEl>
+                                          <p:spTgt spid="14"/>
+                                        </p:tgtEl>
+                                      </p:cBhvr>
+                                    </p:animEffect>
+                                  </p:childTnLst>
+                                </p:cTn>
+                              </p:par>
+                            </p:childTnLst>
+                          </p:cTn>
+                        </p:par>
+                        <p:par>
+                          <p:cTn id="40" fill="hold">
+                            <p:stCondLst>
+                              <p:cond delay="500"/>
+                            </p:stCondLst>
+                            <p:childTnLst>
+                              <p:par>
+                                <p:cTn id="41" presetID="10" presetClass="entr" presetSubtype="0" fill="hold" grpId="0" nodeType="afterEffect">
+                                  <p:stCondLst>
+                                    <p:cond delay="0"/>
+                                  </p:stCondLst>
+                                  <p:childTnLst>
+                                    <p:set>
+                                      <p:cBhvr>
+                                        <p:cTn id="42" dur="1" fill="hold">
+                                          <p:stCondLst>
+                                            <p:cond delay="0"/>
+                                          </p:stCondLst>
+                                        </p:cTn>
+                                        <p:tgtEl>
+                                          <p:spTgt spid="7"/>
+                                        </p:tgtEl>
+                                        <p:attrNameLst>
+                                          <p:attrName>style.visibility</p:attrName>
+                                        </p:attrNameLst>
+                                      </p:cBhvr>
+                                      <p:to>
+                                        <p:strVal val="visible"/>
+                                      </p:to>
+                                    </p:set>
+                                    <p:animEffect transition="in" filter="fade">
+                                      <p:cBhvr>
+                                        <p:cTn id="43" dur="500"/>
+                                        <p:tgtEl>
+                                          <p:spTgt spid="7"/>
+                                        </p:tgtEl>
+                                      </p:cBhvr>
+                                    </p:animEffect>
+                                  </p:childTnLst>
+                                </p:cTn>
+                              </p:par>
+                            </p:childTnLst>
+                          </p:cTn>
+                        </p:par>
+                      </p:childTnLst>
+                    </p:cTn>
+                  </p:par>
+                  <p:par>
+                    <p:cTn id="44" fill="hold">
+                      <p:stCondLst>
+                        <p:cond delay="indefinite"/>
+                      </p:stCondLst>
+                      <p:childTnLst>
+                        <p:par>
+                          <p:cTn id="45" fill="hold">
+                            <p:stCondLst>
+                              <p:cond delay="0"/>
+                            </p:stCondLst>
+                            <p:childTnLst>
+                              <p:par>
+                                <p:cTn id="46" presetID="10" presetClass="exit" presetSubtype="0" fill="hold" grpId="1" nodeType="clickEffect">
+                                  <p:stCondLst>
+                                    <p:cond delay="0"/>
+                                  </p:stCondLst>
+                                  <p:childTnLst>
+                                    <p:animEffect transition="out" filter="fade">
+                                      <p:cBhvr>
+                                        <p:cTn id="47" dur="500"/>
+                                        <p:tgtEl>
+                                          <p:spTgt spid="7"/>
+                                        </p:tgtEl>
+                                      </p:cBhvr>
+                                    </p:animEffect>
+                                    <p:set>
+                                      <p:cBhvr>
+                                        <p:cTn id="48" dur="1" fill="hold">
+                                          <p:stCondLst>
+                                            <p:cond delay="499"/>
+                                          </p:stCondLst>
+                                        </p:cTn>
+                                        <p:tgtEl>
+                                          <p:spTgt spid="7"/>
+                                        </p:tgtEl>
+                                        <p:attrNameLst>
+                                          <p:attrName>style.visibility</p:attrName>
+                                        </p:attrNameLst>
+                                      </p:cBhvr>
+                                      <p:to>
+                                        <p:strVal val="hidden"/>
+                                      </p:to>
+                                    </p:set>
+                                  </p:childTnLst>
+                                </p:cTn>
+                              </p:par>
+                              <p:par>
+                                <p:cTn id="49" presetID="10" presetClass="entr" presetSubtype="0" fill="hold" grpId="0" nodeType="withEffect">
+                                  <p:stCondLst>
+                                    <p:cond delay="0"/>
+                                  </p:stCondLst>
+                                  <p:childTnLst>
+                                    <p:set>
+                                      <p:cBhvr>
+                                        <p:cTn id="50" dur="1" fill="hold">
+                                          <p:stCondLst>
+                                            <p:cond delay="0"/>
+                                          </p:stCondLst>
+                                        </p:cTn>
+                                        <p:tgtEl>
+                                          <p:spTgt spid="16"/>
+                                        </p:tgtEl>
+                                        <p:attrNameLst>
+                                          <p:attrName>style.visibility</p:attrName>
+                                        </p:attrNameLst>
+                                      </p:cBhvr>
+                                      <p:to>
+                                        <p:strVal val="visible"/>
+                                      </p:to>
+                                    </p:set>
+                                    <p:animEffect transition="in" filter="fade">
+                                      <p:cBhvr>
+                                        <p:cTn id="51" dur="500"/>
+                                        <p:tgtEl>
+                                          <p:spTgt spid="16"/>
+                                        </p:tgtEl>
+                                      </p:cBhvr>
+                                    </p:animEffect>
+                                  </p:childTnLst>
+                                </p:cTn>
+                              </p:par>
+                            </p:childTnLst>
+                          </p:cTn>
+                        </p:par>
+                      </p:childTnLst>
+                    </p:cTn>
+                  </p:par>
+                </p:childTnLst>
+              </p:cTn>
+              <p:prevCondLst>
+                <p:cond evt="onPrev" delay="0">
+                  <p:tgtEl>
+                    <p:sldTgt/>
+                  </p:tgtEl>
+                </p:cond>
+              </p:prevCondLst>
+              <p:nextCondLst>
+                <p:cond evt="onNext" delay="0">
+                  <p:tgtEl>
+                    <p:sldTgt/>
+                  </p:tgtEl>
+                </p:cond>
+              </p:nextCondLst>
+            </p:seq>
+          </p:childTnLst>
+        </p:cTn>
+      </p:par>
+    </p:tnLst>
+    <p:bldLst>
+      <p:bldP spid="16" grpId="0" animBg="1"/>
+      <p:bldP spid="14" grpId="0" animBg="1"/>
+      <p:bldP spid="12" grpId="0" animBg="1"/>
+      <p:bldP spid="10" grpId="0" animBg="1"/>
+      <p:bldP spid="3" grpId="0" animBg="1"/>
+      <p:bldP spid="3" grpId="1" animBg="1"/>
+      <p:bldP spid="5" grpId="0" animBg="1"/>
+      <p:bldP spid="5" grpId="1" animBg="1"/>
+      <p:bldP spid="7" grpId="0" animBg="1"/>
+      <p:bldP spid="7" grpId="1" animBg="1"/>
+      <p:bldP spid="19" grpId="0" animBg="1"/>
+      <p:bldP spid="19" grpId="1" animBg="1"/>
+    </p:bldLst>
+  </p:timing>
 </p:sld>
 </file>
 
-<file path=ppt/slides/slide5.xml><?xml version="1.0" encoding="utf-8"?>
+<file path=ppt/slides/slide6.xml><?xml version="1.0" encoding="utf-8"?>
 <p:sld xmlns:a="http://schemas.openxmlformats.org/drawingml/2006/main" xmlns:r="http://schemas.openxmlformats.org/officeDocument/2006/relationships" xmlns:p="http://schemas.openxmlformats.org/presentationml/2006/main" show="0">
   <p:cSld>
     <p:spTree>
@@ -5116,7 +8764,7 @@
           <a:p>
             <a:fld id="{AAC1D792-5BBE-0E40-8BC5-C23B00244607}" type="slidenum">
               <a:rPr lang="de-DE" smtClean="0"/>
-              <a:t>5</a:t>
+              <a:t>6</a:t>
             </a:fld>
             <a:endParaRPr lang="de-DE"/>
           </a:p>
@@ -5126,124 +8774,6 @@
     <p:extLst>
       <p:ext uri="{BB962C8B-B14F-4D97-AF65-F5344CB8AC3E}">
         <p14:creationId xmlns:p14="http://schemas.microsoft.com/office/powerpoint/2010/main" val="1792472016"/>
-      </p:ext>
-    </p:extLst>
-  </p:cSld>
-  <p:clrMapOvr>
-    <a:masterClrMapping/>
-  </p:clrMapOvr>
-</p:sld>
-</file>
-
-<file path=ppt/slides/slide6.xml><?xml version="1.0" encoding="utf-8"?>
-<p:sld xmlns:a="http://schemas.openxmlformats.org/drawingml/2006/main" xmlns:r="http://schemas.openxmlformats.org/officeDocument/2006/relationships" xmlns:p="http://schemas.openxmlformats.org/presentationml/2006/main">
-  <p:cSld>
-    <p:spTree>
-      <p:nvGrpSpPr>
-        <p:cNvPr id="1" name=""/>
-        <p:cNvGrpSpPr/>
-        <p:nvPr/>
-      </p:nvGrpSpPr>
-      <p:grpSpPr>
-        <a:xfrm>
-          <a:off x="0" y="0"/>
-          <a:ext cx="0" cy="0"/>
-          <a:chOff x="0" y="0"/>
-          <a:chExt cx="0" cy="0"/>
-        </a:xfrm>
-      </p:grpSpPr>
-      <p:sp>
-        <p:nvSpPr>
-          <p:cNvPr id="2" name="Titel 1">
-            <a:extLst>
-              <a:ext uri="{FF2B5EF4-FFF2-40B4-BE49-F238E27FC236}">
-                <a16:creationId xmlns:a16="http://schemas.microsoft.com/office/drawing/2014/main" id="{B829332B-356C-AFBE-07D9-7F0D80372027}"/>
-              </a:ext>
-            </a:extLst>
-          </p:cNvPr>
-          <p:cNvSpPr>
-            <a:spLocks noGrp="1"/>
-          </p:cNvSpPr>
-          <p:nvPr>
-            <p:ph type="title"/>
-          </p:nvPr>
-        </p:nvSpPr>
-        <p:spPr>
-          <a:xfrm>
-            <a:off x="838200" y="768350"/>
-            <a:ext cx="10515600" cy="2852737"/>
-          </a:xfrm>
-        </p:spPr>
-        <p:txBody>
-          <a:bodyPr/>
-          <a:lstStyle/>
-          <a:p>
-            <a:pPr algn="ctr"/>
-            <a:r>
-              <a:rPr lang="de-DE" dirty="0"/>
-              <a:t>Aufwandskalkulation</a:t>
-            </a:r>
-          </a:p>
-        </p:txBody>
-      </p:sp>
-      <p:sp>
-        <p:nvSpPr>
-          <p:cNvPr id="3" name="Textplatzhalter 2">
-            <a:extLst>
-              <a:ext uri="{FF2B5EF4-FFF2-40B4-BE49-F238E27FC236}">
-                <a16:creationId xmlns:a16="http://schemas.microsoft.com/office/drawing/2014/main" id="{167B7229-5B78-B705-28E4-8F10EB6C6AE9}"/>
-              </a:ext>
-            </a:extLst>
-          </p:cNvPr>
-          <p:cNvSpPr>
-            <a:spLocks noGrp="1"/>
-          </p:cNvSpPr>
-          <p:nvPr>
-            <p:ph type="body" idx="1"/>
-          </p:nvPr>
-        </p:nvSpPr>
-        <p:spPr/>
-        <p:txBody>
-          <a:bodyPr/>
-          <a:lstStyle/>
-          <a:p>
-            <a:endParaRPr lang="de-DE"/>
-          </a:p>
-        </p:txBody>
-      </p:sp>
-      <p:sp>
-        <p:nvSpPr>
-          <p:cNvPr id="4" name="Foliennummernplatzhalter 3">
-            <a:extLst>
-              <a:ext uri="{FF2B5EF4-FFF2-40B4-BE49-F238E27FC236}">
-                <a16:creationId xmlns:a16="http://schemas.microsoft.com/office/drawing/2014/main" id="{D6AAB71E-9E9A-C173-8235-2D75358999A7}"/>
-              </a:ext>
-            </a:extLst>
-          </p:cNvPr>
-          <p:cNvSpPr>
-            <a:spLocks noGrp="1"/>
-          </p:cNvSpPr>
-          <p:nvPr>
-            <p:ph type="sldNum" sz="quarter" idx="12"/>
-          </p:nvPr>
-        </p:nvSpPr>
-        <p:spPr/>
-        <p:txBody>
-          <a:bodyPr/>
-          <a:lstStyle/>
-          <a:p>
-            <a:fld id="{AAC1D792-5BBE-0E40-8BC5-C23B00244607}" type="slidenum">
-              <a:rPr lang="de-DE" smtClean="0"/>
-              <a:t>6</a:t>
-            </a:fld>
-            <a:endParaRPr lang="de-DE"/>
-          </a:p>
-        </p:txBody>
-      </p:sp>
-    </p:spTree>
-    <p:extLst>
-      <p:ext uri="{BB962C8B-B14F-4D97-AF65-F5344CB8AC3E}">
-        <p14:creationId xmlns:p14="http://schemas.microsoft.com/office/powerpoint/2010/main" val="3049511496"/>
       </p:ext>
     </p:extLst>
   </p:cSld>
@@ -5275,7 +8805,7 @@
           <p:cNvPr id="2" name="Titel 1">
             <a:extLst>
               <a:ext uri="{FF2B5EF4-FFF2-40B4-BE49-F238E27FC236}">
-                <a16:creationId xmlns:a16="http://schemas.microsoft.com/office/drawing/2014/main" id="{AD18B9FE-54AF-A413-96CB-0FECACA65F40}"/>
+                <a16:creationId xmlns:a16="http://schemas.microsoft.com/office/drawing/2014/main" id="{B829332B-356C-AFBE-07D9-7F0D80372027}"/>
               </a:ext>
             </a:extLst>
           </p:cNvPr>
@@ -5286,24 +8816,55 @@
             <p:ph type="title"/>
           </p:nvPr>
         </p:nvSpPr>
-        <p:spPr/>
+        <p:spPr>
+          <a:xfrm>
+            <a:off x="838200" y="768350"/>
+            <a:ext cx="10515600" cy="2852737"/>
+          </a:xfrm>
+        </p:spPr>
         <p:txBody>
           <a:bodyPr/>
           <a:lstStyle/>
           <a:p>
+            <a:pPr algn="ctr"/>
             <a:r>
               <a:rPr lang="de-DE" dirty="0"/>
-              <a:t>Herausforderungen und Lösungen</a:t>
-            </a:r>
-          </a:p>
-        </p:txBody>
-      </p:sp>
-      <p:sp>
-        <p:nvSpPr>
-          <p:cNvPr id="3" name="Foliennummernplatzhalter 2">
+              <a:t>Aufwandskalkulation</a:t>
+            </a:r>
+          </a:p>
+        </p:txBody>
+      </p:sp>
+      <p:sp>
+        <p:nvSpPr>
+          <p:cNvPr id="3" name="Textplatzhalter 2">
             <a:extLst>
               <a:ext uri="{FF2B5EF4-FFF2-40B4-BE49-F238E27FC236}">
-                <a16:creationId xmlns:a16="http://schemas.microsoft.com/office/drawing/2014/main" id="{058D2D05-3F99-CD0C-29A8-9CC5369E950D}"/>
+                <a16:creationId xmlns:a16="http://schemas.microsoft.com/office/drawing/2014/main" id="{167B7229-5B78-B705-28E4-8F10EB6C6AE9}"/>
+              </a:ext>
+            </a:extLst>
+          </p:cNvPr>
+          <p:cNvSpPr>
+            <a:spLocks noGrp="1"/>
+          </p:cNvSpPr>
+          <p:nvPr>
+            <p:ph type="body" idx="1"/>
+          </p:nvPr>
+        </p:nvSpPr>
+        <p:spPr/>
+        <p:txBody>
+          <a:bodyPr/>
+          <a:lstStyle/>
+          <a:p>
+            <a:endParaRPr lang="de-DE"/>
+          </a:p>
+        </p:txBody>
+      </p:sp>
+      <p:sp>
+        <p:nvSpPr>
+          <p:cNvPr id="4" name="Foliennummernplatzhalter 3">
+            <a:extLst>
+              <a:ext uri="{FF2B5EF4-FFF2-40B4-BE49-F238E27FC236}">
+                <a16:creationId xmlns:a16="http://schemas.microsoft.com/office/drawing/2014/main" id="{D6AAB71E-9E9A-C173-8235-2D75358999A7}"/>
               </a:ext>
             </a:extLst>
           </p:cNvPr>
@@ -5327,130 +8888,10 @@
           </a:p>
         </p:txBody>
       </p:sp>
-      <p:sp>
-        <p:nvSpPr>
-          <p:cNvPr id="4" name="Inhaltsplatzhalter 2">
-            <a:extLst>
-              <a:ext uri="{FF2B5EF4-FFF2-40B4-BE49-F238E27FC236}">
-                <a16:creationId xmlns:a16="http://schemas.microsoft.com/office/drawing/2014/main" id="{D0D99DF2-656E-17EF-0F7E-B47A3C467791}"/>
-              </a:ext>
-            </a:extLst>
-          </p:cNvPr>
-          <p:cNvSpPr>
-            <a:spLocks noGrp="1"/>
-          </p:cNvSpPr>
-          <p:nvPr>
-            <p:ph idx="1"/>
-          </p:nvPr>
-        </p:nvSpPr>
-        <p:spPr>
-          <a:xfrm>
-            <a:off x="838200" y="1825625"/>
-            <a:ext cx="10515600" cy="4351338"/>
-          </a:xfrm>
-        </p:spPr>
-        <p:txBody>
-          <a:bodyPr/>
-          <a:lstStyle/>
-          <a:p>
-            <a:pPr marL="0" indent="0">
-              <a:buNone/>
-            </a:pPr>
-            <a:r>
-              <a:rPr lang="de-DE" b="1" dirty="0"/>
-              <a:t>1. Hosten der Datenbank</a:t>
-            </a:r>
-            <a:endParaRPr lang="de-DE" dirty="0"/>
-          </a:p>
-          <a:p>
-            <a:pPr>
-              <a:buFont typeface="Arial" panose="020B0604020202020204" pitchFamily="34" charset="0"/>
-              <a:buChar char="•"/>
-            </a:pPr>
-            <a:r>
-              <a:rPr lang="de-DE" dirty="0"/>
-              <a:t>Probleme mit </a:t>
-            </a:r>
-            <a:r>
-              <a:rPr lang="de-DE" dirty="0" err="1"/>
-              <a:t>Credentials</a:t>
-            </a:r>
-            <a:r>
-              <a:rPr lang="de-DE" dirty="0"/>
-              <a:t> und Portfreigaben</a:t>
-            </a:r>
-          </a:p>
-          <a:p>
-            <a:pPr>
-              <a:buFont typeface="Arial" panose="020B0604020202020204" pitchFamily="34" charset="0"/>
-              <a:buChar char="•"/>
-            </a:pPr>
-            <a:r>
-              <a:rPr lang="de-DE" dirty="0"/>
-              <a:t>Verbindungsabbrüche API ↔ Datenbank</a:t>
-            </a:r>
-          </a:p>
-          <a:p>
-            <a:pPr>
-              <a:buFont typeface="Arial" panose="020B0604020202020204" pitchFamily="34" charset="0"/>
-              <a:buChar char="•"/>
-            </a:pPr>
-            <a:r>
-              <a:rPr lang="de-DE" dirty="0"/>
-              <a:t>Unzuverlässigkeit des Servers</a:t>
-            </a:r>
-          </a:p>
-          <a:p>
-            <a:pPr marL="0" indent="0">
-              <a:buNone/>
-            </a:pPr>
-            <a:endParaRPr lang="de-DE" b="1" dirty="0"/>
-          </a:p>
-          <a:p>
-            <a:pPr marL="0" indent="0">
-              <a:buNone/>
-            </a:pPr>
-            <a:r>
-              <a:rPr lang="de-DE" b="1" dirty="0"/>
-              <a:t>Lösung:</a:t>
-            </a:r>
-            <a:endParaRPr lang="de-DE" dirty="0"/>
-          </a:p>
-          <a:p>
-            <a:pPr>
-              <a:buFont typeface="Arial" panose="020B0604020202020204" pitchFamily="34" charset="0"/>
-              <a:buChar char="•"/>
-            </a:pPr>
-            <a:r>
-              <a:rPr lang="de-DE" dirty="0"/>
-              <a:t>Anpassung der Serverkonfiguration</a:t>
-            </a:r>
-          </a:p>
-          <a:p>
-            <a:pPr>
-              <a:buFont typeface="Arial" panose="020B0604020202020204" pitchFamily="34" charset="0"/>
-              <a:buChar char="•"/>
-            </a:pPr>
-            <a:r>
-              <a:rPr lang="de-DE" dirty="0"/>
-              <a:t>Tausch der Serverhardware</a:t>
-            </a:r>
-          </a:p>
-          <a:p>
-            <a:pPr marL="0" indent="0">
-              <a:buNone/>
-            </a:pPr>
-            <a:endParaRPr lang="de-DE" dirty="0"/>
-          </a:p>
-          <a:p>
-            <a:endParaRPr lang="de-DE" dirty="0"/>
-          </a:p>
-        </p:txBody>
-      </p:sp>
     </p:spTree>
     <p:extLst>
       <p:ext uri="{BB962C8B-B14F-4D97-AF65-F5344CB8AC3E}">
-        <p14:creationId xmlns:p14="http://schemas.microsoft.com/office/powerpoint/2010/main" val="22253954"/>
+        <p14:creationId xmlns:p14="http://schemas.microsoft.com/office/powerpoint/2010/main" val="3049511496"/>
       </p:ext>
     </p:extLst>
   </p:cSld>
@@ -5565,7 +9006,7 @@
             </a:pPr>
             <a:r>
               <a:rPr lang="de-DE" b="1" dirty="0"/>
-              <a:t>2. Hosten der Webseite</a:t>
+              <a:t>1. Hosten der Datenbank</a:t>
             </a:r>
             <a:endParaRPr lang="de-DE" dirty="0"/>
           </a:p>
@@ -5576,15 +9017,15 @@
             </a:pPr>
             <a:r>
               <a:rPr lang="de-DE" dirty="0"/>
-              <a:t>Unterschiedliche Container für API (Node.js) und Webseite (</a:t>
+              <a:t>Probleme mit </a:t>
             </a:r>
             <a:r>
               <a:rPr lang="de-DE" dirty="0" err="1"/>
-              <a:t>TypeScript</a:t>
+              <a:t>Credentials</a:t>
             </a:r>
             <a:r>
               <a:rPr lang="de-DE" dirty="0"/>
-              <a:t>)</a:t>
+              <a:t> und Portfreigaben</a:t>
             </a:r>
           </a:p>
           <a:p>
@@ -5594,15 +9035,17 @@
             </a:pPr>
             <a:r>
               <a:rPr lang="de-DE" dirty="0"/>
-              <a:t>Fehlende Node-Modules im </a:t>
-            </a:r>
-            <a:r>
-              <a:rPr lang="de-DE" dirty="0" err="1"/>
-              <a:t>Git</a:t>
-            </a:r>
+              <a:t>Verbindungsabbrüche API ↔ Datenbank</a:t>
+            </a:r>
+          </a:p>
+          <a:p>
+            <a:pPr>
+              <a:buFont typeface="Arial" panose="020B0604020202020204" pitchFamily="34" charset="0"/>
+              <a:buChar char="•"/>
+            </a:pPr>
             <a:r>
               <a:rPr lang="de-DE" dirty="0"/>
-              <a:t>-Repository</a:t>
+              <a:t>Unzuverlässigkeit des Servers</a:t>
             </a:r>
           </a:p>
           <a:p>
@@ -5628,23 +9071,17 @@
             </a:pPr>
             <a:r>
               <a:rPr lang="de-DE" dirty="0"/>
-              <a:t>NGINX-Container mit </a:t>
-            </a:r>
-            <a:r>
-              <a:rPr lang="de-DE" dirty="0" err="1"/>
-              <a:t>Startscript</a:t>
-            </a:r>
+              <a:t>Anpassung der Serverkonfiguration</a:t>
+            </a:r>
+          </a:p>
+          <a:p>
+            <a:pPr>
+              <a:buFont typeface="Arial" panose="020B0604020202020204" pitchFamily="34" charset="0"/>
+              <a:buChar char="•"/>
+            </a:pPr>
             <a:r>
               <a:rPr lang="de-DE" dirty="0"/>
-              <a:t> für Installation und </a:t>
-            </a:r>
-            <a:r>
-              <a:rPr lang="de-DE" dirty="0" err="1"/>
-              <a:t>Build</a:t>
-            </a:r>
-            <a:r>
-              <a:rPr lang="de-DE" dirty="0"/>
-              <a:t>-Prozess</a:t>
+              <a:t>Tausch der Serverhardware</a:t>
             </a:r>
           </a:p>
           <a:p>
@@ -5661,7 +9098,7 @@
     </p:spTree>
     <p:extLst>
       <p:ext uri="{BB962C8B-B14F-4D97-AF65-F5344CB8AC3E}">
-        <p14:creationId xmlns:p14="http://schemas.microsoft.com/office/powerpoint/2010/main" val="1440470798"/>
+        <p14:creationId xmlns:p14="http://schemas.microsoft.com/office/powerpoint/2010/main" val="22253954"/>
       </p:ext>
     </p:extLst>
   </p:cSld>
@@ -5693,7 +9130,7 @@
           <p:cNvPr id="2" name="Titel 1">
             <a:extLst>
               <a:ext uri="{FF2B5EF4-FFF2-40B4-BE49-F238E27FC236}">
-                <a16:creationId xmlns:a16="http://schemas.microsoft.com/office/drawing/2014/main" id="{B829332B-356C-AFBE-07D9-7F0D80372027}"/>
+                <a16:creationId xmlns:a16="http://schemas.microsoft.com/office/drawing/2014/main" id="{AD18B9FE-54AF-A413-96CB-0FECACA65F40}"/>
               </a:ext>
             </a:extLst>
           </p:cNvPr>
@@ -5704,55 +9141,24 @@
             <p:ph type="title"/>
           </p:nvPr>
         </p:nvSpPr>
-        <p:spPr>
-          <a:xfrm>
-            <a:off x="838200" y="768350"/>
-            <a:ext cx="10515600" cy="2852737"/>
-          </a:xfrm>
-        </p:spPr>
+        <p:spPr/>
         <p:txBody>
           <a:bodyPr/>
           <a:lstStyle/>
           <a:p>
-            <a:pPr algn="ctr"/>
             <a:r>
               <a:rPr lang="de-DE" dirty="0"/>
-              <a:t>Live-Demo</a:t>
-            </a:r>
-          </a:p>
-        </p:txBody>
-      </p:sp>
-      <p:sp>
-        <p:nvSpPr>
-          <p:cNvPr id="3" name="Textplatzhalter 2">
+              <a:t>Herausforderungen und Lösungen</a:t>
+            </a:r>
+          </a:p>
+        </p:txBody>
+      </p:sp>
+      <p:sp>
+        <p:nvSpPr>
+          <p:cNvPr id="3" name="Foliennummernplatzhalter 2">
             <a:extLst>
               <a:ext uri="{FF2B5EF4-FFF2-40B4-BE49-F238E27FC236}">
-                <a16:creationId xmlns:a16="http://schemas.microsoft.com/office/drawing/2014/main" id="{167B7229-5B78-B705-28E4-8F10EB6C6AE9}"/>
-              </a:ext>
-            </a:extLst>
-          </p:cNvPr>
-          <p:cNvSpPr>
-            <a:spLocks noGrp="1"/>
-          </p:cNvSpPr>
-          <p:nvPr>
-            <p:ph type="body" idx="1"/>
-          </p:nvPr>
-        </p:nvSpPr>
-        <p:spPr/>
-        <p:txBody>
-          <a:bodyPr/>
-          <a:lstStyle/>
-          <a:p>
-            <a:endParaRPr lang="de-DE"/>
-          </a:p>
-        </p:txBody>
-      </p:sp>
-      <p:sp>
-        <p:nvSpPr>
-          <p:cNvPr id="4" name="Foliennummernplatzhalter 3">
-            <a:extLst>
-              <a:ext uri="{FF2B5EF4-FFF2-40B4-BE49-F238E27FC236}">
-                <a16:creationId xmlns:a16="http://schemas.microsoft.com/office/drawing/2014/main" id="{33D89531-4B7D-1565-685D-66719DEFBE6F}"/>
+                <a16:creationId xmlns:a16="http://schemas.microsoft.com/office/drawing/2014/main" id="{058D2D05-3F99-CD0C-29A8-9CC5369E950D}"/>
               </a:ext>
             </a:extLst>
           </p:cNvPr>
@@ -5776,10 +9182,134 @@
           </a:p>
         </p:txBody>
       </p:sp>
+      <p:sp>
+        <p:nvSpPr>
+          <p:cNvPr id="4" name="Inhaltsplatzhalter 2">
+            <a:extLst>
+              <a:ext uri="{FF2B5EF4-FFF2-40B4-BE49-F238E27FC236}">
+                <a16:creationId xmlns:a16="http://schemas.microsoft.com/office/drawing/2014/main" id="{D0D99DF2-656E-17EF-0F7E-B47A3C467791}"/>
+              </a:ext>
+            </a:extLst>
+          </p:cNvPr>
+          <p:cNvSpPr>
+            <a:spLocks noGrp="1"/>
+          </p:cNvSpPr>
+          <p:nvPr>
+            <p:ph idx="1"/>
+          </p:nvPr>
+        </p:nvSpPr>
+        <p:spPr>
+          <a:xfrm>
+            <a:off x="838200" y="1825625"/>
+            <a:ext cx="10515600" cy="4351338"/>
+          </a:xfrm>
+        </p:spPr>
+        <p:txBody>
+          <a:bodyPr/>
+          <a:lstStyle/>
+          <a:p>
+            <a:pPr marL="0" indent="0">
+              <a:buNone/>
+            </a:pPr>
+            <a:r>
+              <a:rPr lang="de-DE" b="1" dirty="0"/>
+              <a:t>2. Hosten der Webseite</a:t>
+            </a:r>
+            <a:endParaRPr lang="de-DE" dirty="0"/>
+          </a:p>
+          <a:p>
+            <a:pPr>
+              <a:buFont typeface="Arial" panose="020B0604020202020204" pitchFamily="34" charset="0"/>
+              <a:buChar char="•"/>
+            </a:pPr>
+            <a:r>
+              <a:rPr lang="de-DE" dirty="0"/>
+              <a:t>Unterschiedliche Container für API (Node.js) und Webseite (</a:t>
+            </a:r>
+            <a:r>
+              <a:rPr lang="de-DE" dirty="0" err="1"/>
+              <a:t>TypeScript</a:t>
+            </a:r>
+            <a:r>
+              <a:rPr lang="de-DE" dirty="0"/>
+              <a:t>)</a:t>
+            </a:r>
+          </a:p>
+          <a:p>
+            <a:pPr>
+              <a:buFont typeface="Arial" panose="020B0604020202020204" pitchFamily="34" charset="0"/>
+              <a:buChar char="•"/>
+            </a:pPr>
+            <a:r>
+              <a:rPr lang="de-DE" dirty="0"/>
+              <a:t>Fehlende Node-Modules im </a:t>
+            </a:r>
+            <a:r>
+              <a:rPr lang="de-DE" dirty="0" err="1"/>
+              <a:t>Git</a:t>
+            </a:r>
+            <a:r>
+              <a:rPr lang="de-DE" dirty="0"/>
+              <a:t>-Repository</a:t>
+            </a:r>
+          </a:p>
+          <a:p>
+            <a:pPr marL="0" indent="0">
+              <a:buNone/>
+            </a:pPr>
+            <a:endParaRPr lang="de-DE" b="1" dirty="0"/>
+          </a:p>
+          <a:p>
+            <a:pPr marL="0" indent="0">
+              <a:buNone/>
+            </a:pPr>
+            <a:r>
+              <a:rPr lang="de-DE" b="1" dirty="0"/>
+              <a:t>Lösung:</a:t>
+            </a:r>
+            <a:endParaRPr lang="de-DE" dirty="0"/>
+          </a:p>
+          <a:p>
+            <a:pPr>
+              <a:buFont typeface="Arial" panose="020B0604020202020204" pitchFamily="34" charset="0"/>
+              <a:buChar char="•"/>
+            </a:pPr>
+            <a:r>
+              <a:rPr lang="de-DE" dirty="0"/>
+              <a:t>NGINX-Container mit </a:t>
+            </a:r>
+            <a:r>
+              <a:rPr lang="de-DE" dirty="0" err="1"/>
+              <a:t>Startscript</a:t>
+            </a:r>
+            <a:r>
+              <a:rPr lang="de-DE" dirty="0"/>
+              <a:t> für Installation und </a:t>
+            </a:r>
+            <a:r>
+              <a:rPr lang="de-DE" dirty="0" err="1"/>
+              <a:t>Build</a:t>
+            </a:r>
+            <a:r>
+              <a:rPr lang="de-DE" dirty="0"/>
+              <a:t>-Prozess</a:t>
+            </a:r>
+          </a:p>
+          <a:p>
+            <a:pPr marL="0" indent="0">
+              <a:buNone/>
+            </a:pPr>
+            <a:endParaRPr lang="de-DE" dirty="0"/>
+          </a:p>
+          <a:p>
+            <a:endParaRPr lang="de-DE" dirty="0"/>
+          </a:p>
+        </p:txBody>
+      </p:sp>
     </p:spTree>
     <p:extLst>
       <p:ext uri="{BB962C8B-B14F-4D97-AF65-F5344CB8AC3E}">
-        <p14:creationId xmlns:p14="http://schemas.microsoft.com/office/powerpoint/2010/main" val="3057589612"/>
+        <p14:creationId xmlns:p14="http://schemas.microsoft.com/office/powerpoint/2010/main" val="1440470798"/>
       </p:ext>
     </p:extLst>
   </p:cSld>

--- a/Abschlusspräsentation.pptx
+++ b/Abschlusspräsentation.pptx
@@ -5,7 +5,7 @@
     <p:sldMasterId id="2147483852" r:id="rId1"/>
   </p:sldMasterIdLst>
   <p:notesMasterIdLst>
-    <p:notesMasterId r:id="rId12"/>
+    <p:notesMasterId r:id="rId20"/>
   </p:notesMasterIdLst>
   <p:sldIdLst>
     <p:sldId id="322" r:id="rId2"/>
@@ -15,9 +15,17 @@
     <p:sldId id="258" r:id="rId6"/>
     <p:sldId id="325" r:id="rId7"/>
     <p:sldId id="327" r:id="rId8"/>
-    <p:sldId id="328" r:id="rId9"/>
-    <p:sldId id="329" r:id="rId10"/>
-    <p:sldId id="326" r:id="rId11"/>
+    <p:sldId id="330" r:id="rId9"/>
+    <p:sldId id="331" r:id="rId10"/>
+    <p:sldId id="332" r:id="rId11"/>
+    <p:sldId id="333" r:id="rId12"/>
+    <p:sldId id="334" r:id="rId13"/>
+    <p:sldId id="335" r:id="rId14"/>
+    <p:sldId id="338" r:id="rId15"/>
+    <p:sldId id="337" r:id="rId16"/>
+    <p:sldId id="328" r:id="rId17"/>
+    <p:sldId id="329" r:id="rId18"/>
+    <p:sldId id="326" r:id="rId19"/>
   </p:sldIdLst>
   <p:sldSz cx="12192000" cy="6858000"/>
   <p:notesSz cx="6858000" cy="9144000"/>
@@ -3783,6 +3791,1878 @@
   <p:cSld>
     <p:spTree>
       <p:nvGrpSpPr>
+        <p:cNvPr id="1" name="">
+          <a:extLst>
+            <a:ext uri="{FF2B5EF4-FFF2-40B4-BE49-F238E27FC236}">
+              <a16:creationId xmlns:a16="http://schemas.microsoft.com/office/drawing/2014/main" id="{0A312B77-8377-0E2B-B71B-05EBDDF34CF6}"/>
+            </a:ext>
+          </a:extLst>
+        </p:cNvPr>
+        <p:cNvGrpSpPr/>
+        <p:nvPr/>
+      </p:nvGrpSpPr>
+      <p:grpSpPr>
+        <a:xfrm>
+          <a:off x="0" y="0"/>
+          <a:ext cx="0" cy="0"/>
+          <a:chOff x="0" y="0"/>
+          <a:chExt cx="0" cy="0"/>
+        </a:xfrm>
+      </p:grpSpPr>
+      <p:sp>
+        <p:nvSpPr>
+          <p:cNvPr id="4" name="Foliennummernplatzhalter 3">
+            <a:extLst>
+              <a:ext uri="{FF2B5EF4-FFF2-40B4-BE49-F238E27FC236}">
+                <a16:creationId xmlns:a16="http://schemas.microsoft.com/office/drawing/2014/main" id="{F37078FA-4C5A-70A7-FB9F-C451ACC93B1F}"/>
+              </a:ext>
+            </a:extLst>
+          </p:cNvPr>
+          <p:cNvSpPr>
+            <a:spLocks noGrp="1"/>
+          </p:cNvSpPr>
+          <p:nvPr>
+            <p:ph type="sldNum" sz="quarter" idx="12"/>
+          </p:nvPr>
+        </p:nvSpPr>
+        <p:spPr/>
+        <p:txBody>
+          <a:bodyPr/>
+          <a:lstStyle/>
+          <a:p>
+            <a:fld id="{AAC1D792-5BBE-0E40-8BC5-C23B00244607}" type="slidenum">
+              <a:rPr lang="de-DE" smtClean="0"/>
+              <a:t>10</a:t>
+            </a:fld>
+            <a:endParaRPr lang="de-DE"/>
+          </a:p>
+        </p:txBody>
+      </p:sp>
+      <p:pic>
+        <p:nvPicPr>
+          <p:cNvPr id="10" name="Grafik 9">
+            <a:extLst>
+              <a:ext uri="{FF2B5EF4-FFF2-40B4-BE49-F238E27FC236}">
+                <a16:creationId xmlns:a16="http://schemas.microsoft.com/office/drawing/2014/main" id="{A15D3E7E-C431-7A10-EDC1-40A59699CD9F}"/>
+              </a:ext>
+            </a:extLst>
+          </p:cNvPr>
+          <p:cNvPicPr>
+            <a:picLocks noChangeAspect="1"/>
+          </p:cNvPicPr>
+          <p:nvPr/>
+        </p:nvPicPr>
+        <p:blipFill>
+          <a:blip r:embed="rId2"/>
+          <a:srcRect b="94339"/>
+          <a:stretch/>
+        </p:blipFill>
+        <p:spPr>
+          <a:xfrm>
+            <a:off x="145531" y="136525"/>
+            <a:ext cx="11900937" cy="744503"/>
+          </a:xfrm>
+          <a:prstGeom prst="rect">
+            <a:avLst/>
+          </a:prstGeom>
+        </p:spPr>
+      </p:pic>
+      <p:pic>
+        <p:nvPicPr>
+          <p:cNvPr id="11" name="Grafik 10">
+            <a:extLst>
+              <a:ext uri="{FF2B5EF4-FFF2-40B4-BE49-F238E27FC236}">
+                <a16:creationId xmlns:a16="http://schemas.microsoft.com/office/drawing/2014/main" id="{DE52FB2F-2B28-5903-DEF0-AA2D54B7032E}"/>
+              </a:ext>
+            </a:extLst>
+          </p:cNvPr>
+          <p:cNvPicPr>
+            <a:picLocks noChangeAspect="1"/>
+          </p:cNvPicPr>
+          <p:nvPr/>
+        </p:nvPicPr>
+        <p:blipFill>
+          <a:blip r:embed="rId2"/>
+          <a:srcRect t="47594" b="40840"/>
+          <a:stretch/>
+        </p:blipFill>
+        <p:spPr>
+          <a:xfrm>
+            <a:off x="145530" y="881028"/>
+            <a:ext cx="11900937" cy="1521142"/>
+          </a:xfrm>
+          <a:prstGeom prst="rect">
+            <a:avLst/>
+          </a:prstGeom>
+        </p:spPr>
+      </p:pic>
+    </p:spTree>
+    <p:extLst>
+      <p:ext uri="{BB962C8B-B14F-4D97-AF65-F5344CB8AC3E}">
+        <p14:creationId xmlns:p14="http://schemas.microsoft.com/office/powerpoint/2010/main" val="915995903"/>
+      </p:ext>
+    </p:extLst>
+  </p:cSld>
+  <p:clrMapOvr>
+    <a:masterClrMapping/>
+  </p:clrMapOvr>
+  <mc:AlternateContent xmlns:mc="http://schemas.openxmlformats.org/markup-compatibility/2006">
+    <mc:Choice xmlns:p159="http://schemas.microsoft.com/office/powerpoint/2015/09/main" Requires="p159">
+      <p:transition spd="slow">
+        <p159:morph option="byObject"/>
+      </p:transition>
+    </mc:Choice>
+    <mc:Fallback>
+      <p:transition spd="slow">
+        <p:fade/>
+      </p:transition>
+    </mc:Fallback>
+  </mc:AlternateContent>
+</p:sld>
+</file>
+
+<file path=ppt/slides/slide11.xml><?xml version="1.0" encoding="utf-8"?>
+<p:sld xmlns:a="http://schemas.openxmlformats.org/drawingml/2006/main" xmlns:r="http://schemas.openxmlformats.org/officeDocument/2006/relationships" xmlns:p="http://schemas.openxmlformats.org/presentationml/2006/main">
+  <p:cSld>
+    <p:spTree>
+      <p:nvGrpSpPr>
+        <p:cNvPr id="1" name="">
+          <a:extLst>
+            <a:ext uri="{FF2B5EF4-FFF2-40B4-BE49-F238E27FC236}">
+              <a16:creationId xmlns:a16="http://schemas.microsoft.com/office/drawing/2014/main" id="{DE1DDD6D-A14B-F465-7B00-BA684263404F}"/>
+            </a:ext>
+          </a:extLst>
+        </p:cNvPr>
+        <p:cNvGrpSpPr/>
+        <p:nvPr/>
+      </p:nvGrpSpPr>
+      <p:grpSpPr>
+        <a:xfrm>
+          <a:off x="0" y="0"/>
+          <a:ext cx="0" cy="0"/>
+          <a:chOff x="0" y="0"/>
+          <a:chExt cx="0" cy="0"/>
+        </a:xfrm>
+      </p:grpSpPr>
+      <p:sp>
+        <p:nvSpPr>
+          <p:cNvPr id="4" name="Foliennummernplatzhalter 3">
+            <a:extLst>
+              <a:ext uri="{FF2B5EF4-FFF2-40B4-BE49-F238E27FC236}">
+                <a16:creationId xmlns:a16="http://schemas.microsoft.com/office/drawing/2014/main" id="{61319921-16A0-918F-450A-835B89419CE7}"/>
+              </a:ext>
+            </a:extLst>
+          </p:cNvPr>
+          <p:cNvSpPr>
+            <a:spLocks noGrp="1"/>
+          </p:cNvSpPr>
+          <p:nvPr>
+            <p:ph type="sldNum" sz="quarter" idx="12"/>
+          </p:nvPr>
+        </p:nvSpPr>
+        <p:spPr/>
+        <p:txBody>
+          <a:bodyPr/>
+          <a:lstStyle/>
+          <a:p>
+            <a:fld id="{AAC1D792-5BBE-0E40-8BC5-C23B00244607}" type="slidenum">
+              <a:rPr lang="de-DE" smtClean="0"/>
+              <a:t>11</a:t>
+            </a:fld>
+            <a:endParaRPr lang="de-DE"/>
+          </a:p>
+        </p:txBody>
+      </p:sp>
+      <p:pic>
+        <p:nvPicPr>
+          <p:cNvPr id="10" name="Grafik 9">
+            <a:extLst>
+              <a:ext uri="{FF2B5EF4-FFF2-40B4-BE49-F238E27FC236}">
+                <a16:creationId xmlns:a16="http://schemas.microsoft.com/office/drawing/2014/main" id="{966D240A-44DE-7C18-BF0B-CCB9E8C78FD6}"/>
+              </a:ext>
+            </a:extLst>
+          </p:cNvPr>
+          <p:cNvPicPr>
+            <a:picLocks noChangeAspect="1"/>
+          </p:cNvPicPr>
+          <p:nvPr/>
+        </p:nvPicPr>
+        <p:blipFill>
+          <a:blip r:embed="rId2"/>
+          <a:srcRect b="94339"/>
+          <a:stretch/>
+        </p:blipFill>
+        <p:spPr>
+          <a:xfrm>
+            <a:off x="145531" y="136525"/>
+            <a:ext cx="11900937" cy="744503"/>
+          </a:xfrm>
+          <a:prstGeom prst="rect">
+            <a:avLst/>
+          </a:prstGeom>
+        </p:spPr>
+      </p:pic>
+      <p:pic>
+        <p:nvPicPr>
+          <p:cNvPr id="11" name="Grafik 10">
+            <a:extLst>
+              <a:ext uri="{FF2B5EF4-FFF2-40B4-BE49-F238E27FC236}">
+                <a16:creationId xmlns:a16="http://schemas.microsoft.com/office/drawing/2014/main" id="{8D061A56-9AE5-C2D0-291F-BA2BAEA4603F}"/>
+              </a:ext>
+            </a:extLst>
+          </p:cNvPr>
+          <p:cNvPicPr>
+            <a:picLocks noChangeAspect="1"/>
+          </p:cNvPicPr>
+          <p:nvPr/>
+        </p:nvPicPr>
+        <p:blipFill>
+          <a:blip r:embed="rId2"/>
+          <a:srcRect t="58913" b="29499"/>
+          <a:stretch/>
+        </p:blipFill>
+        <p:spPr>
+          <a:xfrm>
+            <a:off x="145531" y="881028"/>
+            <a:ext cx="11900937" cy="1524000"/>
+          </a:xfrm>
+          <a:prstGeom prst="rect">
+            <a:avLst/>
+          </a:prstGeom>
+        </p:spPr>
+      </p:pic>
+    </p:spTree>
+    <p:extLst>
+      <p:ext uri="{BB962C8B-B14F-4D97-AF65-F5344CB8AC3E}">
+        <p14:creationId xmlns:p14="http://schemas.microsoft.com/office/powerpoint/2010/main" val="2283773974"/>
+      </p:ext>
+    </p:extLst>
+  </p:cSld>
+  <p:clrMapOvr>
+    <a:masterClrMapping/>
+  </p:clrMapOvr>
+  <mc:AlternateContent xmlns:mc="http://schemas.openxmlformats.org/markup-compatibility/2006">
+    <mc:Choice xmlns:p159="http://schemas.microsoft.com/office/powerpoint/2015/09/main" Requires="p159">
+      <p:transition spd="slow">
+        <p159:morph option="byObject"/>
+      </p:transition>
+    </mc:Choice>
+    <mc:Fallback>
+      <p:transition spd="slow">
+        <p:fade/>
+      </p:transition>
+    </mc:Fallback>
+  </mc:AlternateContent>
+</p:sld>
+</file>
+
+<file path=ppt/slides/slide12.xml><?xml version="1.0" encoding="utf-8"?>
+<p:sld xmlns:a="http://schemas.openxmlformats.org/drawingml/2006/main" xmlns:r="http://schemas.openxmlformats.org/officeDocument/2006/relationships" xmlns:p="http://schemas.openxmlformats.org/presentationml/2006/main">
+  <p:cSld>
+    <p:spTree>
+      <p:nvGrpSpPr>
+        <p:cNvPr id="1" name="">
+          <a:extLst>
+            <a:ext uri="{FF2B5EF4-FFF2-40B4-BE49-F238E27FC236}">
+              <a16:creationId xmlns:a16="http://schemas.microsoft.com/office/drawing/2014/main" id="{C5B01754-E1FB-B2D7-29C1-744DDF91F848}"/>
+            </a:ext>
+          </a:extLst>
+        </p:cNvPr>
+        <p:cNvGrpSpPr/>
+        <p:nvPr/>
+      </p:nvGrpSpPr>
+      <p:grpSpPr>
+        <a:xfrm>
+          <a:off x="0" y="0"/>
+          <a:ext cx="0" cy="0"/>
+          <a:chOff x="0" y="0"/>
+          <a:chExt cx="0" cy="0"/>
+        </a:xfrm>
+      </p:grpSpPr>
+      <p:sp>
+        <p:nvSpPr>
+          <p:cNvPr id="4" name="Foliennummernplatzhalter 3">
+            <a:extLst>
+              <a:ext uri="{FF2B5EF4-FFF2-40B4-BE49-F238E27FC236}">
+                <a16:creationId xmlns:a16="http://schemas.microsoft.com/office/drawing/2014/main" id="{BB49D2BC-A4D4-E499-21F6-4E9026C30DEE}"/>
+              </a:ext>
+            </a:extLst>
+          </p:cNvPr>
+          <p:cNvSpPr>
+            <a:spLocks noGrp="1"/>
+          </p:cNvSpPr>
+          <p:nvPr>
+            <p:ph type="sldNum" sz="quarter" idx="12"/>
+          </p:nvPr>
+        </p:nvSpPr>
+        <p:spPr/>
+        <p:txBody>
+          <a:bodyPr/>
+          <a:lstStyle/>
+          <a:p>
+            <a:fld id="{AAC1D792-5BBE-0E40-8BC5-C23B00244607}" type="slidenum">
+              <a:rPr lang="de-DE" smtClean="0"/>
+              <a:t>12</a:t>
+            </a:fld>
+            <a:endParaRPr lang="de-DE"/>
+          </a:p>
+        </p:txBody>
+      </p:sp>
+      <p:pic>
+        <p:nvPicPr>
+          <p:cNvPr id="10" name="Grafik 9">
+            <a:extLst>
+              <a:ext uri="{FF2B5EF4-FFF2-40B4-BE49-F238E27FC236}">
+                <a16:creationId xmlns:a16="http://schemas.microsoft.com/office/drawing/2014/main" id="{3222E92D-FF1D-4E57-6F45-524EFCB9E22F}"/>
+              </a:ext>
+            </a:extLst>
+          </p:cNvPr>
+          <p:cNvPicPr>
+            <a:picLocks noChangeAspect="1"/>
+          </p:cNvPicPr>
+          <p:nvPr/>
+        </p:nvPicPr>
+        <p:blipFill>
+          <a:blip r:embed="rId2"/>
+          <a:srcRect b="94339"/>
+          <a:stretch/>
+        </p:blipFill>
+        <p:spPr>
+          <a:xfrm>
+            <a:off x="145531" y="136525"/>
+            <a:ext cx="11900937" cy="744503"/>
+          </a:xfrm>
+          <a:prstGeom prst="rect">
+            <a:avLst/>
+          </a:prstGeom>
+        </p:spPr>
+      </p:pic>
+      <p:pic>
+        <p:nvPicPr>
+          <p:cNvPr id="11" name="Grafik 10">
+            <a:extLst>
+              <a:ext uri="{FF2B5EF4-FFF2-40B4-BE49-F238E27FC236}">
+                <a16:creationId xmlns:a16="http://schemas.microsoft.com/office/drawing/2014/main" id="{9F7F5F6F-FC16-5C15-2426-4FE982278B57}"/>
+              </a:ext>
+            </a:extLst>
+          </p:cNvPr>
+          <p:cNvPicPr>
+            <a:picLocks noChangeAspect="1"/>
+          </p:cNvPicPr>
+          <p:nvPr/>
+        </p:nvPicPr>
+        <p:blipFill>
+          <a:blip r:embed="rId2"/>
+          <a:srcRect t="70232" b="17890"/>
+          <a:stretch/>
+        </p:blipFill>
+        <p:spPr>
+          <a:xfrm>
+            <a:off x="145531" y="881028"/>
+            <a:ext cx="11900937" cy="1562100"/>
+          </a:xfrm>
+          <a:prstGeom prst="rect">
+            <a:avLst/>
+          </a:prstGeom>
+        </p:spPr>
+      </p:pic>
+    </p:spTree>
+    <p:extLst>
+      <p:ext uri="{BB962C8B-B14F-4D97-AF65-F5344CB8AC3E}">
+        <p14:creationId xmlns:p14="http://schemas.microsoft.com/office/powerpoint/2010/main" val="2696974553"/>
+      </p:ext>
+    </p:extLst>
+  </p:cSld>
+  <p:clrMapOvr>
+    <a:masterClrMapping/>
+  </p:clrMapOvr>
+  <mc:AlternateContent xmlns:mc="http://schemas.openxmlformats.org/markup-compatibility/2006">
+    <mc:Choice xmlns:p159="http://schemas.microsoft.com/office/powerpoint/2015/09/main" Requires="p159">
+      <p:transition spd="slow">
+        <p159:morph option="byObject"/>
+      </p:transition>
+    </mc:Choice>
+    <mc:Fallback>
+      <p:transition spd="slow">
+        <p:fade/>
+      </p:transition>
+    </mc:Fallback>
+  </mc:AlternateContent>
+</p:sld>
+</file>
+
+<file path=ppt/slides/slide13.xml><?xml version="1.0" encoding="utf-8"?>
+<p:sld xmlns:a="http://schemas.openxmlformats.org/drawingml/2006/main" xmlns:r="http://schemas.openxmlformats.org/officeDocument/2006/relationships" xmlns:p="http://schemas.openxmlformats.org/presentationml/2006/main">
+  <p:cSld>
+    <p:spTree>
+      <p:nvGrpSpPr>
+        <p:cNvPr id="1" name="">
+          <a:extLst>
+            <a:ext uri="{FF2B5EF4-FFF2-40B4-BE49-F238E27FC236}">
+              <a16:creationId xmlns:a16="http://schemas.microsoft.com/office/drawing/2014/main" id="{5C2F1814-540C-058C-55E2-B0B932FAA166}"/>
+            </a:ext>
+          </a:extLst>
+        </p:cNvPr>
+        <p:cNvGrpSpPr/>
+        <p:nvPr/>
+      </p:nvGrpSpPr>
+      <p:grpSpPr>
+        <a:xfrm>
+          <a:off x="0" y="0"/>
+          <a:ext cx="0" cy="0"/>
+          <a:chOff x="0" y="0"/>
+          <a:chExt cx="0" cy="0"/>
+        </a:xfrm>
+      </p:grpSpPr>
+      <p:pic>
+        <p:nvPicPr>
+          <p:cNvPr id="10" name="Grafik 9">
+            <a:extLst>
+              <a:ext uri="{FF2B5EF4-FFF2-40B4-BE49-F238E27FC236}">
+                <a16:creationId xmlns:a16="http://schemas.microsoft.com/office/drawing/2014/main" id="{31E00C3A-3FDF-75FC-F32B-5D029505234D}"/>
+              </a:ext>
+            </a:extLst>
+          </p:cNvPr>
+          <p:cNvPicPr>
+            <a:picLocks noChangeAspect="1"/>
+          </p:cNvPicPr>
+          <p:nvPr/>
+        </p:nvPicPr>
+        <p:blipFill>
+          <a:blip r:embed="rId2"/>
+          <a:srcRect b="94339"/>
+          <a:stretch/>
+        </p:blipFill>
+        <p:spPr>
+          <a:xfrm>
+            <a:off x="145531" y="136525"/>
+            <a:ext cx="11900937" cy="744503"/>
+          </a:xfrm>
+          <a:prstGeom prst="rect">
+            <a:avLst/>
+          </a:prstGeom>
+        </p:spPr>
+      </p:pic>
+      <p:sp>
+        <p:nvSpPr>
+          <p:cNvPr id="4" name="Foliennummernplatzhalter 3">
+            <a:extLst>
+              <a:ext uri="{FF2B5EF4-FFF2-40B4-BE49-F238E27FC236}">
+                <a16:creationId xmlns:a16="http://schemas.microsoft.com/office/drawing/2014/main" id="{7E29E813-C04E-5597-563D-E22F83037FE1}"/>
+              </a:ext>
+            </a:extLst>
+          </p:cNvPr>
+          <p:cNvSpPr>
+            <a:spLocks noGrp="1"/>
+          </p:cNvSpPr>
+          <p:nvPr>
+            <p:ph type="sldNum" sz="quarter" idx="12"/>
+          </p:nvPr>
+        </p:nvSpPr>
+        <p:spPr/>
+        <p:txBody>
+          <a:bodyPr/>
+          <a:lstStyle/>
+          <a:p>
+            <a:fld id="{AAC1D792-5BBE-0E40-8BC5-C23B00244607}" type="slidenum">
+              <a:rPr lang="de-DE" smtClean="0"/>
+              <a:t>13</a:t>
+            </a:fld>
+            <a:endParaRPr lang="de-DE"/>
+          </a:p>
+        </p:txBody>
+      </p:sp>
+      <p:pic>
+        <p:nvPicPr>
+          <p:cNvPr id="11" name="Grafik 10">
+            <a:extLst>
+              <a:ext uri="{FF2B5EF4-FFF2-40B4-BE49-F238E27FC236}">
+                <a16:creationId xmlns:a16="http://schemas.microsoft.com/office/drawing/2014/main" id="{5160C43E-E569-D9EE-141C-33C95492243E}"/>
+              </a:ext>
+            </a:extLst>
+          </p:cNvPr>
+          <p:cNvPicPr>
+            <a:picLocks noChangeAspect="1"/>
+          </p:cNvPicPr>
+          <p:nvPr/>
+        </p:nvPicPr>
+        <p:blipFill>
+          <a:blip r:embed="rId2"/>
+          <a:srcRect t="81843" b="2965"/>
+          <a:stretch/>
+        </p:blipFill>
+        <p:spPr>
+          <a:xfrm>
+            <a:off x="145530" y="874678"/>
+            <a:ext cx="11900937" cy="1997903"/>
+          </a:xfrm>
+          <a:prstGeom prst="rect">
+            <a:avLst/>
+          </a:prstGeom>
+        </p:spPr>
+      </p:pic>
+    </p:spTree>
+    <p:extLst>
+      <p:ext uri="{BB962C8B-B14F-4D97-AF65-F5344CB8AC3E}">
+        <p14:creationId xmlns:p14="http://schemas.microsoft.com/office/powerpoint/2010/main" val="649900927"/>
+      </p:ext>
+    </p:extLst>
+  </p:cSld>
+  <p:clrMapOvr>
+    <a:masterClrMapping/>
+  </p:clrMapOvr>
+  <mc:AlternateContent xmlns:mc="http://schemas.openxmlformats.org/markup-compatibility/2006">
+    <mc:Choice xmlns:p159="http://schemas.microsoft.com/office/powerpoint/2015/09/main" Requires="p159">
+      <p:transition spd="slow">
+        <p159:morph option="byObject"/>
+      </p:transition>
+    </mc:Choice>
+    <mc:Fallback>
+      <p:transition spd="slow">
+        <p:fade/>
+      </p:transition>
+    </mc:Fallback>
+  </mc:AlternateContent>
+</p:sld>
+</file>
+
+<file path=ppt/slides/slide14.xml><?xml version="1.0" encoding="utf-8"?>
+<p:sld xmlns:a="http://schemas.openxmlformats.org/drawingml/2006/main" xmlns:r="http://schemas.openxmlformats.org/officeDocument/2006/relationships" xmlns:p="http://schemas.openxmlformats.org/presentationml/2006/main">
+  <p:cSld>
+    <p:spTree>
+      <p:nvGrpSpPr>
+        <p:cNvPr id="1" name="">
+          <a:extLst>
+            <a:ext uri="{FF2B5EF4-FFF2-40B4-BE49-F238E27FC236}">
+              <a16:creationId xmlns:a16="http://schemas.microsoft.com/office/drawing/2014/main" id="{67649684-3772-E57E-AE6A-E711626AED4B}"/>
+            </a:ext>
+          </a:extLst>
+        </p:cNvPr>
+        <p:cNvGrpSpPr/>
+        <p:nvPr/>
+      </p:nvGrpSpPr>
+      <p:grpSpPr>
+        <a:xfrm>
+          <a:off x="0" y="0"/>
+          <a:ext cx="0" cy="0"/>
+          <a:chOff x="0" y="0"/>
+          <a:chExt cx="0" cy="0"/>
+        </a:xfrm>
+      </p:grpSpPr>
+      <p:pic>
+        <p:nvPicPr>
+          <p:cNvPr id="16" name="Grafik 15">
+            <a:extLst>
+              <a:ext uri="{FF2B5EF4-FFF2-40B4-BE49-F238E27FC236}">
+                <a16:creationId xmlns:a16="http://schemas.microsoft.com/office/drawing/2014/main" id="{A0DA69B0-4278-A697-FADD-93A3769B6912}"/>
+              </a:ext>
+            </a:extLst>
+          </p:cNvPr>
+          <p:cNvPicPr>
+            <a:picLocks noChangeAspect="1"/>
+          </p:cNvPicPr>
+          <p:nvPr/>
+        </p:nvPicPr>
+        <p:blipFill>
+          <a:blip r:embed="rId2"/>
+          <a:srcRect t="5644" b="-337"/>
+          <a:stretch/>
+        </p:blipFill>
+        <p:spPr>
+          <a:xfrm>
+            <a:off x="3177731" y="568963"/>
+            <a:ext cx="5836535" cy="6107333"/>
+          </a:xfrm>
+          <a:prstGeom prst="rect">
+            <a:avLst/>
+          </a:prstGeom>
+        </p:spPr>
+      </p:pic>
+      <p:pic>
+        <p:nvPicPr>
+          <p:cNvPr id="2" name="Grafik 1">
+            <a:extLst>
+              <a:ext uri="{FF2B5EF4-FFF2-40B4-BE49-F238E27FC236}">
+                <a16:creationId xmlns:a16="http://schemas.microsoft.com/office/drawing/2014/main" id="{779924D0-B081-FFE4-41AE-9B58E080135D}"/>
+              </a:ext>
+            </a:extLst>
+          </p:cNvPr>
+          <p:cNvPicPr>
+            <a:picLocks noChangeAspect="1"/>
+          </p:cNvPicPr>
+          <p:nvPr/>
+        </p:nvPicPr>
+        <p:blipFill>
+          <a:blip r:embed="rId2"/>
+          <a:srcRect t="81825" b="3195"/>
+          <a:stretch/>
+        </p:blipFill>
+        <p:spPr>
+          <a:xfrm>
+            <a:off x="3177732" y="5485434"/>
+            <a:ext cx="5836535" cy="965635"/>
+          </a:xfrm>
+          <a:prstGeom prst="rect">
+            <a:avLst/>
+          </a:prstGeom>
+        </p:spPr>
+      </p:pic>
+      <p:pic>
+        <p:nvPicPr>
+          <p:cNvPr id="3" name="Grafik 2">
+            <a:extLst>
+              <a:ext uri="{FF2B5EF4-FFF2-40B4-BE49-F238E27FC236}">
+                <a16:creationId xmlns:a16="http://schemas.microsoft.com/office/drawing/2014/main" id="{B2B8BFCB-0542-6694-8FD6-1FD8C0F39F70}"/>
+              </a:ext>
+            </a:extLst>
+          </p:cNvPr>
+          <p:cNvPicPr>
+            <a:picLocks noChangeAspect="1"/>
+          </p:cNvPicPr>
+          <p:nvPr/>
+        </p:nvPicPr>
+        <p:blipFill>
+          <a:blip r:embed="rId2"/>
+          <a:srcRect t="75990" b="18215"/>
+          <a:stretch/>
+        </p:blipFill>
+        <p:spPr>
+          <a:xfrm>
+            <a:off x="3177732" y="5109039"/>
+            <a:ext cx="5836535" cy="373606"/>
+          </a:xfrm>
+          <a:prstGeom prst="rect">
+            <a:avLst/>
+          </a:prstGeom>
+        </p:spPr>
+      </p:pic>
+      <p:pic>
+        <p:nvPicPr>
+          <p:cNvPr id="5" name="Grafik 4">
+            <a:extLst>
+              <a:ext uri="{FF2B5EF4-FFF2-40B4-BE49-F238E27FC236}">
+                <a16:creationId xmlns:a16="http://schemas.microsoft.com/office/drawing/2014/main" id="{95622013-6F1D-8397-C2FC-82FFFBB1ABF7}"/>
+              </a:ext>
+            </a:extLst>
+          </p:cNvPr>
+          <p:cNvPicPr>
+            <a:picLocks noChangeAspect="1"/>
+          </p:cNvPicPr>
+          <p:nvPr/>
+        </p:nvPicPr>
+        <p:blipFill>
+          <a:blip r:embed="rId2"/>
+          <a:srcRect t="70193" b="23979"/>
+          <a:stretch/>
+        </p:blipFill>
+        <p:spPr>
+          <a:xfrm>
+            <a:off x="3177732" y="4730363"/>
+            <a:ext cx="5836535" cy="375685"/>
+          </a:xfrm>
+          <a:prstGeom prst="rect">
+            <a:avLst/>
+          </a:prstGeom>
+        </p:spPr>
+      </p:pic>
+      <p:pic>
+        <p:nvPicPr>
+          <p:cNvPr id="6" name="Grafik 5">
+            <a:extLst>
+              <a:ext uri="{FF2B5EF4-FFF2-40B4-BE49-F238E27FC236}">
+                <a16:creationId xmlns:a16="http://schemas.microsoft.com/office/drawing/2014/main" id="{0AA44B3D-6A71-3BC8-CAA2-B22176881F00}"/>
+              </a:ext>
+            </a:extLst>
+          </p:cNvPr>
+          <p:cNvPicPr>
+            <a:picLocks noChangeAspect="1"/>
+          </p:cNvPicPr>
+          <p:nvPr/>
+        </p:nvPicPr>
+        <p:blipFill>
+          <a:blip r:embed="rId2"/>
+          <a:srcRect t="47425" b="41219"/>
+          <a:stretch/>
+        </p:blipFill>
+        <p:spPr>
+          <a:xfrm>
+            <a:off x="3177731" y="3265069"/>
+            <a:ext cx="5836535" cy="732030"/>
+          </a:xfrm>
+          <a:prstGeom prst="rect">
+            <a:avLst/>
+          </a:prstGeom>
+        </p:spPr>
+      </p:pic>
+      <p:pic>
+        <p:nvPicPr>
+          <p:cNvPr id="7" name="Grafik 6">
+            <a:extLst>
+              <a:ext uri="{FF2B5EF4-FFF2-40B4-BE49-F238E27FC236}">
+                <a16:creationId xmlns:a16="http://schemas.microsoft.com/office/drawing/2014/main" id="{505095E1-0E88-DC9C-EE3D-A84C3B60E88F}"/>
+              </a:ext>
+            </a:extLst>
+          </p:cNvPr>
+          <p:cNvPicPr>
+            <a:picLocks noChangeAspect="1"/>
+          </p:cNvPicPr>
+          <p:nvPr/>
+        </p:nvPicPr>
+        <p:blipFill>
+          <a:blip r:embed="rId2"/>
+          <a:srcRect t="58725" b="29589"/>
+          <a:stretch/>
+        </p:blipFill>
+        <p:spPr>
+          <a:xfrm>
+            <a:off x="3177730" y="3989715"/>
+            <a:ext cx="5836535" cy="753322"/>
+          </a:xfrm>
+          <a:prstGeom prst="rect">
+            <a:avLst/>
+          </a:prstGeom>
+        </p:spPr>
+      </p:pic>
+      <p:pic>
+        <p:nvPicPr>
+          <p:cNvPr id="8" name="Grafik 7">
+            <a:extLst>
+              <a:ext uri="{FF2B5EF4-FFF2-40B4-BE49-F238E27FC236}">
+                <a16:creationId xmlns:a16="http://schemas.microsoft.com/office/drawing/2014/main" id="{9D8D1781-78C7-7420-75F9-91D0E8B2E74A}"/>
+              </a:ext>
+            </a:extLst>
+          </p:cNvPr>
+          <p:cNvPicPr>
+            <a:picLocks noChangeAspect="1"/>
+          </p:cNvPicPr>
+          <p:nvPr/>
+        </p:nvPicPr>
+        <p:blipFill>
+          <a:blip r:embed="rId2"/>
+          <a:srcRect t="5531" b="52433"/>
+          <a:stretch/>
+        </p:blipFill>
+        <p:spPr>
+          <a:xfrm>
+            <a:off x="3177730" y="561279"/>
+            <a:ext cx="5836535" cy="2709631"/>
+          </a:xfrm>
+          <a:prstGeom prst="rect">
+            <a:avLst/>
+          </a:prstGeom>
+        </p:spPr>
+      </p:pic>
+      <p:pic>
+        <p:nvPicPr>
+          <p:cNvPr id="9" name="Grafik 8">
+            <a:extLst>
+              <a:ext uri="{FF2B5EF4-FFF2-40B4-BE49-F238E27FC236}">
+                <a16:creationId xmlns:a16="http://schemas.microsoft.com/office/drawing/2014/main" id="{9988E5A3-259F-47C6-8669-C96660EF5E2B}"/>
+              </a:ext>
+            </a:extLst>
+          </p:cNvPr>
+          <p:cNvPicPr>
+            <a:picLocks noChangeAspect="1"/>
+          </p:cNvPicPr>
+          <p:nvPr/>
+        </p:nvPicPr>
+        <p:blipFill>
+          <a:blip r:embed="rId2"/>
+          <a:srcRect t="96787" b="-288"/>
+          <a:stretch/>
+        </p:blipFill>
+        <p:spPr>
+          <a:xfrm>
+            <a:off x="3177732" y="6444719"/>
+            <a:ext cx="5836535" cy="225672"/>
+          </a:xfrm>
+          <a:prstGeom prst="rect">
+            <a:avLst/>
+          </a:prstGeom>
+        </p:spPr>
+      </p:pic>
+      <p:sp>
+        <p:nvSpPr>
+          <p:cNvPr id="4" name="Foliennummernplatzhalter 3">
+            <a:extLst>
+              <a:ext uri="{FF2B5EF4-FFF2-40B4-BE49-F238E27FC236}">
+                <a16:creationId xmlns:a16="http://schemas.microsoft.com/office/drawing/2014/main" id="{FCA96D7A-273B-B942-1834-FF0893C8A9C4}"/>
+              </a:ext>
+            </a:extLst>
+          </p:cNvPr>
+          <p:cNvSpPr>
+            <a:spLocks noGrp="1"/>
+          </p:cNvSpPr>
+          <p:nvPr>
+            <p:ph type="sldNum" sz="quarter" idx="12"/>
+          </p:nvPr>
+        </p:nvSpPr>
+        <p:spPr/>
+        <p:txBody>
+          <a:bodyPr/>
+          <a:lstStyle/>
+          <a:p>
+            <a:fld id="{AAC1D792-5BBE-0E40-8BC5-C23B00244607}" type="slidenum">
+              <a:rPr lang="de-DE" smtClean="0"/>
+              <a:t>14</a:t>
+            </a:fld>
+            <a:endParaRPr lang="de-DE"/>
+          </a:p>
+        </p:txBody>
+      </p:sp>
+      <p:pic>
+        <p:nvPicPr>
+          <p:cNvPr id="13" name="Grafik 12">
+            <a:extLst>
+              <a:ext uri="{FF2B5EF4-FFF2-40B4-BE49-F238E27FC236}">
+                <a16:creationId xmlns:a16="http://schemas.microsoft.com/office/drawing/2014/main" id="{EA5D77D3-23DF-0DF5-172E-59A261EAE9F5}"/>
+              </a:ext>
+            </a:extLst>
+          </p:cNvPr>
+          <p:cNvPicPr>
+            <a:picLocks noChangeAspect="1"/>
+          </p:cNvPicPr>
+          <p:nvPr/>
+        </p:nvPicPr>
+        <p:blipFill>
+          <a:blip r:embed="rId2"/>
+          <a:srcRect b="94339"/>
+          <a:stretch/>
+        </p:blipFill>
+        <p:spPr>
+          <a:xfrm>
+            <a:off x="3177732" y="203996"/>
+            <a:ext cx="5836535" cy="365124"/>
+          </a:xfrm>
+          <a:prstGeom prst="rect">
+            <a:avLst/>
+          </a:prstGeom>
+        </p:spPr>
+      </p:pic>
+    </p:spTree>
+    <p:extLst>
+      <p:ext uri="{BB962C8B-B14F-4D97-AF65-F5344CB8AC3E}">
+        <p14:creationId xmlns:p14="http://schemas.microsoft.com/office/powerpoint/2010/main" val="3877067223"/>
+      </p:ext>
+    </p:extLst>
+  </p:cSld>
+  <p:clrMapOvr>
+    <a:masterClrMapping/>
+  </p:clrMapOvr>
+  <mc:AlternateContent xmlns:mc="http://schemas.openxmlformats.org/markup-compatibility/2006">
+    <mc:Choice xmlns:p159="http://schemas.microsoft.com/office/powerpoint/2015/09/main" Requires="p159">
+      <p:transition advClick="0" advTm="510">
+        <p159:morph option="byObject"/>
+      </p:transition>
+    </mc:Choice>
+    <mc:Fallback>
+      <p:transition advClick="0" advTm="510">
+        <p:fade/>
+      </p:transition>
+    </mc:Fallback>
+  </mc:AlternateContent>
+  <p:timing>
+    <p:tnLst>
+      <p:par>
+        <p:cTn id="1" dur="indefinite" restart="never" nodeType="tmRoot">
+          <p:childTnLst>
+            <p:seq concurrent="1" nextAc="seek">
+              <p:cTn id="2" dur="indefinite" nodeType="mainSeq">
+                <p:childTnLst>
+                  <p:par>
+                    <p:cTn id="3" fill="hold">
+                      <p:stCondLst>
+                        <p:cond delay="indefinite"/>
+                        <p:cond evt="onBegin" delay="0">
+                          <p:tn val="2"/>
+                        </p:cond>
+                      </p:stCondLst>
+                      <p:childTnLst>
+                        <p:par>
+                          <p:cTn id="4" fill="hold">
+                            <p:stCondLst>
+                              <p:cond delay="0"/>
+                            </p:stCondLst>
+                            <p:childTnLst>
+                              <p:par>
+                                <p:cTn id="5" presetID="1" presetClass="entr" presetSubtype="0" fill="hold" nodeType="withEffect">
+                                  <p:stCondLst>
+                                    <p:cond delay="0"/>
+                                  </p:stCondLst>
+                                  <p:childTnLst>
+                                    <p:set>
+                                      <p:cBhvr>
+                                        <p:cTn id="6" dur="1" fill="hold">
+                                          <p:stCondLst>
+                                            <p:cond delay="0"/>
+                                          </p:stCondLst>
+                                        </p:cTn>
+                                        <p:tgtEl>
+                                          <p:spTgt spid="8"/>
+                                        </p:tgtEl>
+                                        <p:attrNameLst>
+                                          <p:attrName>style.visibility</p:attrName>
+                                        </p:attrNameLst>
+                                      </p:cBhvr>
+                                      <p:to>
+                                        <p:strVal val="visible"/>
+                                      </p:to>
+                                    </p:set>
+                                  </p:childTnLst>
+                                </p:cTn>
+                              </p:par>
+                              <p:par>
+                                <p:cTn id="7" presetID="1" presetClass="entr" presetSubtype="0" fill="hold" nodeType="withEffect">
+                                  <p:stCondLst>
+                                    <p:cond delay="0"/>
+                                  </p:stCondLst>
+                                  <p:childTnLst>
+                                    <p:set>
+                                      <p:cBhvr>
+                                        <p:cTn id="8" dur="1" fill="hold">
+                                          <p:stCondLst>
+                                            <p:cond delay="0"/>
+                                          </p:stCondLst>
+                                        </p:cTn>
+                                        <p:tgtEl>
+                                          <p:spTgt spid="7"/>
+                                        </p:tgtEl>
+                                        <p:attrNameLst>
+                                          <p:attrName>style.visibility</p:attrName>
+                                        </p:attrNameLst>
+                                      </p:cBhvr>
+                                      <p:to>
+                                        <p:strVal val="visible"/>
+                                      </p:to>
+                                    </p:set>
+                                  </p:childTnLst>
+                                </p:cTn>
+                              </p:par>
+                              <p:par>
+                                <p:cTn id="9" presetID="1" presetClass="entr" presetSubtype="0" fill="hold" nodeType="withEffect">
+                                  <p:stCondLst>
+                                    <p:cond delay="0"/>
+                                  </p:stCondLst>
+                                  <p:childTnLst>
+                                    <p:set>
+                                      <p:cBhvr>
+                                        <p:cTn id="10" dur="1" fill="hold">
+                                          <p:stCondLst>
+                                            <p:cond delay="0"/>
+                                          </p:stCondLst>
+                                        </p:cTn>
+                                        <p:tgtEl>
+                                          <p:spTgt spid="6"/>
+                                        </p:tgtEl>
+                                        <p:attrNameLst>
+                                          <p:attrName>style.visibility</p:attrName>
+                                        </p:attrNameLst>
+                                      </p:cBhvr>
+                                      <p:to>
+                                        <p:strVal val="visible"/>
+                                      </p:to>
+                                    </p:set>
+                                  </p:childTnLst>
+                                </p:cTn>
+                              </p:par>
+                              <p:par>
+                                <p:cTn id="11" presetID="1" presetClass="entr" presetSubtype="0" fill="hold" nodeType="withEffect">
+                                  <p:stCondLst>
+                                    <p:cond delay="0"/>
+                                  </p:stCondLst>
+                                  <p:childTnLst>
+                                    <p:set>
+                                      <p:cBhvr>
+                                        <p:cTn id="12" dur="1" fill="hold">
+                                          <p:stCondLst>
+                                            <p:cond delay="0"/>
+                                          </p:stCondLst>
+                                        </p:cTn>
+                                        <p:tgtEl>
+                                          <p:spTgt spid="5"/>
+                                        </p:tgtEl>
+                                        <p:attrNameLst>
+                                          <p:attrName>style.visibility</p:attrName>
+                                        </p:attrNameLst>
+                                      </p:cBhvr>
+                                      <p:to>
+                                        <p:strVal val="visible"/>
+                                      </p:to>
+                                    </p:set>
+                                  </p:childTnLst>
+                                </p:cTn>
+                              </p:par>
+                              <p:par>
+                                <p:cTn id="13" presetID="1" presetClass="entr" presetSubtype="0" fill="hold" nodeType="withEffect">
+                                  <p:stCondLst>
+                                    <p:cond delay="0"/>
+                                  </p:stCondLst>
+                                  <p:childTnLst>
+                                    <p:set>
+                                      <p:cBhvr>
+                                        <p:cTn id="14" dur="1" fill="hold">
+                                          <p:stCondLst>
+                                            <p:cond delay="0"/>
+                                          </p:stCondLst>
+                                        </p:cTn>
+                                        <p:tgtEl>
+                                          <p:spTgt spid="3"/>
+                                        </p:tgtEl>
+                                        <p:attrNameLst>
+                                          <p:attrName>style.visibility</p:attrName>
+                                        </p:attrNameLst>
+                                      </p:cBhvr>
+                                      <p:to>
+                                        <p:strVal val="visible"/>
+                                      </p:to>
+                                    </p:set>
+                                  </p:childTnLst>
+                                </p:cTn>
+                              </p:par>
+                              <p:par>
+                                <p:cTn id="15" presetID="1" presetClass="entr" presetSubtype="0" fill="hold" nodeType="withEffect">
+                                  <p:stCondLst>
+                                    <p:cond delay="0"/>
+                                  </p:stCondLst>
+                                  <p:childTnLst>
+                                    <p:set>
+                                      <p:cBhvr>
+                                        <p:cTn id="16" dur="1" fill="hold">
+                                          <p:stCondLst>
+                                            <p:cond delay="0"/>
+                                          </p:stCondLst>
+                                        </p:cTn>
+                                        <p:tgtEl>
+                                          <p:spTgt spid="2"/>
+                                        </p:tgtEl>
+                                        <p:attrNameLst>
+                                          <p:attrName>style.visibility</p:attrName>
+                                        </p:attrNameLst>
+                                      </p:cBhvr>
+                                      <p:to>
+                                        <p:strVal val="visible"/>
+                                      </p:to>
+                                    </p:set>
+                                  </p:childTnLst>
+                                </p:cTn>
+                              </p:par>
+                              <p:par>
+                                <p:cTn id="17" presetID="1" presetClass="entr" presetSubtype="0" fill="hold" nodeType="withEffect">
+                                  <p:stCondLst>
+                                    <p:cond delay="0"/>
+                                  </p:stCondLst>
+                                  <p:childTnLst>
+                                    <p:set>
+                                      <p:cBhvr>
+                                        <p:cTn id="18" dur="1" fill="hold">
+                                          <p:stCondLst>
+                                            <p:cond delay="0"/>
+                                          </p:stCondLst>
+                                        </p:cTn>
+                                        <p:tgtEl>
+                                          <p:spTgt spid="9"/>
+                                        </p:tgtEl>
+                                        <p:attrNameLst>
+                                          <p:attrName>style.visibility</p:attrName>
+                                        </p:attrNameLst>
+                                      </p:cBhvr>
+                                      <p:to>
+                                        <p:strVal val="visible"/>
+                                      </p:to>
+                                    </p:set>
+                                  </p:childTnLst>
+                                </p:cTn>
+                              </p:par>
+                              <p:par>
+                                <p:cTn id="19" presetID="1" presetClass="exit" presetSubtype="0" fill="hold" nodeType="withEffect">
+                                  <p:stCondLst>
+                                    <p:cond delay="0"/>
+                                  </p:stCondLst>
+                                  <p:childTnLst>
+                                    <p:set>
+                                      <p:cBhvr>
+                                        <p:cTn id="20" dur="1" fill="hold">
+                                          <p:stCondLst>
+                                            <p:cond delay="0"/>
+                                          </p:stCondLst>
+                                        </p:cTn>
+                                        <p:tgtEl>
+                                          <p:spTgt spid="16"/>
+                                        </p:tgtEl>
+                                        <p:attrNameLst>
+                                          <p:attrName>style.visibility</p:attrName>
+                                        </p:attrNameLst>
+                                      </p:cBhvr>
+                                      <p:to>
+                                        <p:strVal val="hidden"/>
+                                      </p:to>
+                                    </p:set>
+                                  </p:childTnLst>
+                                </p:cTn>
+                              </p:par>
+                            </p:childTnLst>
+                          </p:cTn>
+                        </p:par>
+                      </p:childTnLst>
+                    </p:cTn>
+                  </p:par>
+                </p:childTnLst>
+              </p:cTn>
+              <p:prevCondLst>
+                <p:cond evt="onPrev" delay="0">
+                  <p:tgtEl>
+                    <p:sldTgt/>
+                  </p:tgtEl>
+                </p:cond>
+              </p:prevCondLst>
+              <p:nextCondLst>
+                <p:cond evt="onNext" delay="0">
+                  <p:tgtEl>
+                    <p:sldTgt/>
+                  </p:tgtEl>
+                </p:cond>
+              </p:nextCondLst>
+            </p:seq>
+          </p:childTnLst>
+        </p:cTn>
+      </p:par>
+    </p:tnLst>
+  </p:timing>
+</p:sld>
+</file>
+
+<file path=ppt/slides/slide15.xml><?xml version="1.0" encoding="utf-8"?>
+<p:sld xmlns:a="http://schemas.openxmlformats.org/drawingml/2006/main" xmlns:r="http://schemas.openxmlformats.org/officeDocument/2006/relationships" xmlns:p="http://schemas.openxmlformats.org/presentationml/2006/main">
+  <p:cSld>
+    <p:spTree>
+      <p:nvGrpSpPr>
+        <p:cNvPr id="1" name="">
+          <a:extLst>
+            <a:ext uri="{FF2B5EF4-FFF2-40B4-BE49-F238E27FC236}">
+              <a16:creationId xmlns:a16="http://schemas.microsoft.com/office/drawing/2014/main" id="{93757285-7F24-1329-5BF1-BB26EC001BB5}"/>
+            </a:ext>
+          </a:extLst>
+        </p:cNvPr>
+        <p:cNvGrpSpPr/>
+        <p:nvPr/>
+      </p:nvGrpSpPr>
+      <p:grpSpPr>
+        <a:xfrm>
+          <a:off x="0" y="0"/>
+          <a:ext cx="0" cy="0"/>
+          <a:chOff x="0" y="0"/>
+          <a:chExt cx="0" cy="0"/>
+        </a:xfrm>
+      </p:grpSpPr>
+      <p:pic>
+        <p:nvPicPr>
+          <p:cNvPr id="2" name="Grafik 1">
+            <a:extLst>
+              <a:ext uri="{FF2B5EF4-FFF2-40B4-BE49-F238E27FC236}">
+                <a16:creationId xmlns:a16="http://schemas.microsoft.com/office/drawing/2014/main" id="{99F39237-70D8-3DB3-2922-6130EBEFED5E}"/>
+              </a:ext>
+            </a:extLst>
+          </p:cNvPr>
+          <p:cNvPicPr>
+            <a:picLocks noChangeAspect="1"/>
+          </p:cNvPicPr>
+          <p:nvPr/>
+        </p:nvPicPr>
+        <p:blipFill>
+          <a:blip r:embed="rId2"/>
+          <a:srcRect t="81823" b="15253"/>
+          <a:stretch/>
+        </p:blipFill>
+        <p:spPr>
+          <a:xfrm>
+            <a:off x="145518" y="2774013"/>
+            <a:ext cx="11900937" cy="384333"/>
+          </a:xfrm>
+          <a:prstGeom prst="rect">
+            <a:avLst/>
+          </a:prstGeom>
+        </p:spPr>
+      </p:pic>
+      <p:pic>
+        <p:nvPicPr>
+          <p:cNvPr id="3" name="Grafik 2">
+            <a:extLst>
+              <a:ext uri="{FF2B5EF4-FFF2-40B4-BE49-F238E27FC236}">
+                <a16:creationId xmlns:a16="http://schemas.microsoft.com/office/drawing/2014/main" id="{018F7568-22B5-769D-9C90-092AA250C430}"/>
+              </a:ext>
+            </a:extLst>
+          </p:cNvPr>
+          <p:cNvPicPr>
+            <a:picLocks noChangeAspect="1"/>
+          </p:cNvPicPr>
+          <p:nvPr/>
+        </p:nvPicPr>
+        <p:blipFill>
+          <a:blip r:embed="rId2"/>
+          <a:srcRect t="75990" b="21086"/>
+          <a:stretch/>
+        </p:blipFill>
+        <p:spPr>
+          <a:xfrm>
+            <a:off x="145519" y="2398107"/>
+            <a:ext cx="11900937" cy="384333"/>
+          </a:xfrm>
+          <a:prstGeom prst="rect">
+            <a:avLst/>
+          </a:prstGeom>
+        </p:spPr>
+      </p:pic>
+      <p:pic>
+        <p:nvPicPr>
+          <p:cNvPr id="5" name="Grafik 4">
+            <a:extLst>
+              <a:ext uri="{FF2B5EF4-FFF2-40B4-BE49-F238E27FC236}">
+                <a16:creationId xmlns:a16="http://schemas.microsoft.com/office/drawing/2014/main" id="{90558EEB-77E7-AB74-F93A-86AC818B6C12}"/>
+              </a:ext>
+            </a:extLst>
+          </p:cNvPr>
+          <p:cNvPicPr>
+            <a:picLocks noChangeAspect="1"/>
+          </p:cNvPicPr>
+          <p:nvPr/>
+        </p:nvPicPr>
+        <p:blipFill>
+          <a:blip r:embed="rId2"/>
+          <a:srcRect t="70192" b="26884"/>
+          <a:stretch/>
+        </p:blipFill>
+        <p:spPr>
+          <a:xfrm>
+            <a:off x="145520" y="2008746"/>
+            <a:ext cx="11900937" cy="384333"/>
+          </a:xfrm>
+          <a:prstGeom prst="rect">
+            <a:avLst/>
+          </a:prstGeom>
+        </p:spPr>
+      </p:pic>
+      <p:pic>
+        <p:nvPicPr>
+          <p:cNvPr id="6" name="Grafik 5">
+            <a:extLst>
+              <a:ext uri="{FF2B5EF4-FFF2-40B4-BE49-F238E27FC236}">
+                <a16:creationId xmlns:a16="http://schemas.microsoft.com/office/drawing/2014/main" id="{6F0AEB3A-9A51-13AE-F407-18DAD5C29943}"/>
+              </a:ext>
+            </a:extLst>
+          </p:cNvPr>
+          <p:cNvPicPr>
+            <a:picLocks noChangeAspect="1"/>
+          </p:cNvPicPr>
+          <p:nvPr/>
+        </p:nvPicPr>
+        <p:blipFill>
+          <a:blip r:embed="rId2"/>
+          <a:srcRect t="58815" b="38261"/>
+          <a:stretch/>
+        </p:blipFill>
+        <p:spPr>
+          <a:xfrm>
+            <a:off x="145520" y="1632840"/>
+            <a:ext cx="11900937" cy="384333"/>
+          </a:xfrm>
+          <a:prstGeom prst="rect">
+            <a:avLst/>
+          </a:prstGeom>
+        </p:spPr>
+      </p:pic>
+      <p:pic>
+        <p:nvPicPr>
+          <p:cNvPr id="7" name="Grafik 6">
+            <a:extLst>
+              <a:ext uri="{FF2B5EF4-FFF2-40B4-BE49-F238E27FC236}">
+                <a16:creationId xmlns:a16="http://schemas.microsoft.com/office/drawing/2014/main" id="{961FFAF0-ABF0-EFB8-A5FA-61673133345F}"/>
+              </a:ext>
+            </a:extLst>
+          </p:cNvPr>
+          <p:cNvPicPr>
+            <a:picLocks noChangeAspect="1"/>
+          </p:cNvPicPr>
+          <p:nvPr/>
+        </p:nvPicPr>
+        <p:blipFill>
+          <a:blip r:embed="rId2"/>
+          <a:srcRect t="47449" b="49627"/>
+          <a:stretch/>
+        </p:blipFill>
+        <p:spPr>
+          <a:xfrm>
+            <a:off x="145520" y="1256934"/>
+            <a:ext cx="11900937" cy="384333"/>
+          </a:xfrm>
+          <a:prstGeom prst="rect">
+            <a:avLst/>
+          </a:prstGeom>
+        </p:spPr>
+      </p:pic>
+      <p:pic>
+        <p:nvPicPr>
+          <p:cNvPr id="8" name="Grafik 7">
+            <a:extLst>
+              <a:ext uri="{FF2B5EF4-FFF2-40B4-BE49-F238E27FC236}">
+                <a16:creationId xmlns:a16="http://schemas.microsoft.com/office/drawing/2014/main" id="{4B7A29AA-96A1-878B-101B-8E986DBCC321}"/>
+              </a:ext>
+            </a:extLst>
+          </p:cNvPr>
+          <p:cNvPicPr>
+            <a:picLocks noChangeAspect="1"/>
+          </p:cNvPicPr>
+          <p:nvPr/>
+        </p:nvPicPr>
+        <p:blipFill>
+          <a:blip r:embed="rId2"/>
+          <a:srcRect t="5530" b="91546"/>
+          <a:stretch/>
+        </p:blipFill>
+        <p:spPr>
+          <a:xfrm>
+            <a:off x="145518" y="879328"/>
+            <a:ext cx="11900937" cy="384333"/>
+          </a:xfrm>
+          <a:prstGeom prst="rect">
+            <a:avLst/>
+          </a:prstGeom>
+        </p:spPr>
+      </p:pic>
+      <p:pic>
+        <p:nvPicPr>
+          <p:cNvPr id="9" name="Grafik 8">
+            <a:extLst>
+              <a:ext uri="{FF2B5EF4-FFF2-40B4-BE49-F238E27FC236}">
+                <a16:creationId xmlns:a16="http://schemas.microsoft.com/office/drawing/2014/main" id="{569ABD5A-2A0A-18F6-7345-D5AA2AB9FD94}"/>
+              </a:ext>
+            </a:extLst>
+          </p:cNvPr>
+          <p:cNvPicPr>
+            <a:picLocks noChangeAspect="1"/>
+          </p:cNvPicPr>
+          <p:nvPr/>
+        </p:nvPicPr>
+        <p:blipFill>
+          <a:blip r:embed="rId2"/>
+          <a:srcRect t="96787" b="-288"/>
+          <a:stretch/>
+        </p:blipFill>
+        <p:spPr>
+          <a:xfrm>
+            <a:off x="145518" y="3158346"/>
+            <a:ext cx="11900937" cy="460155"/>
+          </a:xfrm>
+          <a:prstGeom prst="rect">
+            <a:avLst/>
+          </a:prstGeom>
+        </p:spPr>
+      </p:pic>
+      <p:pic>
+        <p:nvPicPr>
+          <p:cNvPr id="10" name="Grafik 9">
+            <a:extLst>
+              <a:ext uri="{FF2B5EF4-FFF2-40B4-BE49-F238E27FC236}">
+                <a16:creationId xmlns:a16="http://schemas.microsoft.com/office/drawing/2014/main" id="{576AA1C2-919C-561B-ABDE-2173A4715DFD}"/>
+              </a:ext>
+            </a:extLst>
+          </p:cNvPr>
+          <p:cNvPicPr>
+            <a:picLocks noChangeAspect="1"/>
+          </p:cNvPicPr>
+          <p:nvPr/>
+        </p:nvPicPr>
+        <p:blipFill>
+          <a:blip r:embed="rId2"/>
+          <a:srcRect b="94339"/>
+          <a:stretch/>
+        </p:blipFill>
+        <p:spPr>
+          <a:xfrm>
+            <a:off x="145531" y="136525"/>
+            <a:ext cx="11900937" cy="744503"/>
+          </a:xfrm>
+          <a:prstGeom prst="rect">
+            <a:avLst/>
+          </a:prstGeom>
+        </p:spPr>
+      </p:pic>
+      <p:sp>
+        <p:nvSpPr>
+          <p:cNvPr id="4" name="Foliennummernplatzhalter 3">
+            <a:extLst>
+              <a:ext uri="{FF2B5EF4-FFF2-40B4-BE49-F238E27FC236}">
+                <a16:creationId xmlns:a16="http://schemas.microsoft.com/office/drawing/2014/main" id="{53666E69-7101-8AD6-E0C3-7E8B297DCF53}"/>
+              </a:ext>
+            </a:extLst>
+          </p:cNvPr>
+          <p:cNvSpPr>
+            <a:spLocks noGrp="1"/>
+          </p:cNvSpPr>
+          <p:nvPr>
+            <p:ph type="sldNum" sz="quarter" idx="12"/>
+          </p:nvPr>
+        </p:nvSpPr>
+        <p:spPr/>
+        <p:txBody>
+          <a:bodyPr/>
+          <a:lstStyle/>
+          <a:p>
+            <a:fld id="{AAC1D792-5BBE-0E40-8BC5-C23B00244607}" type="slidenum">
+              <a:rPr lang="de-DE" smtClean="0"/>
+              <a:t>15</a:t>
+            </a:fld>
+            <a:endParaRPr lang="de-DE"/>
+          </a:p>
+        </p:txBody>
+      </p:sp>
+    </p:spTree>
+    <p:extLst>
+      <p:ext uri="{BB962C8B-B14F-4D97-AF65-F5344CB8AC3E}">
+        <p14:creationId xmlns:p14="http://schemas.microsoft.com/office/powerpoint/2010/main" val="3502654581"/>
+      </p:ext>
+    </p:extLst>
+  </p:cSld>
+  <p:clrMapOvr>
+    <a:masterClrMapping/>
+  </p:clrMapOvr>
+  <mc:AlternateContent xmlns:mc="http://schemas.openxmlformats.org/markup-compatibility/2006">
+    <mc:Choice xmlns:p159="http://schemas.microsoft.com/office/powerpoint/2015/09/main" Requires="p159">
+      <p:transition xmlns:p14="http://schemas.microsoft.com/office/powerpoint/2010/main" spd="slow" p14:dur="2000">
+        <p159:morph option="byObject"/>
+      </p:transition>
+    </mc:Choice>
+    <mc:Fallback>
+      <p:transition spd="slow">
+        <p:fade/>
+      </p:transition>
+    </mc:Fallback>
+  </mc:AlternateContent>
+</p:sld>
+</file>
+
+<file path=ppt/slides/slide16.xml><?xml version="1.0" encoding="utf-8"?>
+<p:sld xmlns:a="http://schemas.openxmlformats.org/drawingml/2006/main" xmlns:r="http://schemas.openxmlformats.org/officeDocument/2006/relationships" xmlns:p="http://schemas.openxmlformats.org/presentationml/2006/main">
+  <p:cSld>
+    <p:spTree>
+      <p:nvGrpSpPr>
+        <p:cNvPr id="1" name=""/>
+        <p:cNvGrpSpPr/>
+        <p:nvPr/>
+      </p:nvGrpSpPr>
+      <p:grpSpPr>
+        <a:xfrm>
+          <a:off x="0" y="0"/>
+          <a:ext cx="0" cy="0"/>
+          <a:chOff x="0" y="0"/>
+          <a:chExt cx="0" cy="0"/>
+        </a:xfrm>
+      </p:grpSpPr>
+      <p:sp>
+        <p:nvSpPr>
+          <p:cNvPr id="2" name="Titel 1">
+            <a:extLst>
+              <a:ext uri="{FF2B5EF4-FFF2-40B4-BE49-F238E27FC236}">
+                <a16:creationId xmlns:a16="http://schemas.microsoft.com/office/drawing/2014/main" id="{AD18B9FE-54AF-A413-96CB-0FECACA65F40}"/>
+              </a:ext>
+            </a:extLst>
+          </p:cNvPr>
+          <p:cNvSpPr>
+            <a:spLocks noGrp="1"/>
+          </p:cNvSpPr>
+          <p:nvPr>
+            <p:ph type="title"/>
+          </p:nvPr>
+        </p:nvSpPr>
+        <p:spPr/>
+        <p:txBody>
+          <a:bodyPr/>
+          <a:lstStyle/>
+          <a:p>
+            <a:r>
+              <a:rPr lang="de-DE" dirty="0"/>
+              <a:t>Herausforderungen und Lösungen</a:t>
+            </a:r>
+          </a:p>
+        </p:txBody>
+      </p:sp>
+      <p:sp>
+        <p:nvSpPr>
+          <p:cNvPr id="3" name="Foliennummernplatzhalter 2">
+            <a:extLst>
+              <a:ext uri="{FF2B5EF4-FFF2-40B4-BE49-F238E27FC236}">
+                <a16:creationId xmlns:a16="http://schemas.microsoft.com/office/drawing/2014/main" id="{058D2D05-3F99-CD0C-29A8-9CC5369E950D}"/>
+              </a:ext>
+            </a:extLst>
+          </p:cNvPr>
+          <p:cNvSpPr>
+            <a:spLocks noGrp="1"/>
+          </p:cNvSpPr>
+          <p:nvPr>
+            <p:ph type="sldNum" sz="quarter" idx="12"/>
+          </p:nvPr>
+        </p:nvSpPr>
+        <p:spPr/>
+        <p:txBody>
+          <a:bodyPr/>
+          <a:lstStyle/>
+          <a:p>
+            <a:fld id="{AAC1D792-5BBE-0E40-8BC5-C23B00244607}" type="slidenum">
+              <a:rPr lang="de-DE" smtClean="0"/>
+              <a:t>16</a:t>
+            </a:fld>
+            <a:endParaRPr lang="de-DE"/>
+          </a:p>
+        </p:txBody>
+      </p:sp>
+      <p:sp>
+        <p:nvSpPr>
+          <p:cNvPr id="4" name="Inhaltsplatzhalter 2">
+            <a:extLst>
+              <a:ext uri="{FF2B5EF4-FFF2-40B4-BE49-F238E27FC236}">
+                <a16:creationId xmlns:a16="http://schemas.microsoft.com/office/drawing/2014/main" id="{D0D99DF2-656E-17EF-0F7E-B47A3C467791}"/>
+              </a:ext>
+            </a:extLst>
+          </p:cNvPr>
+          <p:cNvSpPr>
+            <a:spLocks noGrp="1"/>
+          </p:cNvSpPr>
+          <p:nvPr>
+            <p:ph idx="1"/>
+          </p:nvPr>
+        </p:nvSpPr>
+        <p:spPr>
+          <a:xfrm>
+            <a:off x="838200" y="1825625"/>
+            <a:ext cx="10515600" cy="4351338"/>
+          </a:xfrm>
+        </p:spPr>
+        <p:txBody>
+          <a:bodyPr/>
+          <a:lstStyle/>
+          <a:p>
+            <a:pPr marL="0" indent="0">
+              <a:buNone/>
+            </a:pPr>
+            <a:r>
+              <a:rPr lang="de-DE" b="1" dirty="0"/>
+              <a:t>1. Hosten der Datenbank</a:t>
+            </a:r>
+            <a:endParaRPr lang="de-DE" dirty="0"/>
+          </a:p>
+          <a:p>
+            <a:pPr>
+              <a:buFont typeface="Arial" panose="020B0604020202020204" pitchFamily="34" charset="0"/>
+              <a:buChar char="•"/>
+            </a:pPr>
+            <a:r>
+              <a:rPr lang="de-DE" dirty="0"/>
+              <a:t>Probleme mit </a:t>
+            </a:r>
+            <a:r>
+              <a:rPr lang="de-DE" dirty="0" err="1"/>
+              <a:t>Credentials</a:t>
+            </a:r>
+            <a:r>
+              <a:rPr lang="de-DE" dirty="0"/>
+              <a:t> und Portfreigaben</a:t>
+            </a:r>
+          </a:p>
+          <a:p>
+            <a:pPr>
+              <a:buFont typeface="Arial" panose="020B0604020202020204" pitchFamily="34" charset="0"/>
+              <a:buChar char="•"/>
+            </a:pPr>
+            <a:r>
+              <a:rPr lang="de-DE" dirty="0"/>
+              <a:t>Verbindungsabbrüche API ↔ Datenbank</a:t>
+            </a:r>
+          </a:p>
+          <a:p>
+            <a:pPr>
+              <a:buFont typeface="Arial" panose="020B0604020202020204" pitchFamily="34" charset="0"/>
+              <a:buChar char="•"/>
+            </a:pPr>
+            <a:r>
+              <a:rPr lang="de-DE" dirty="0"/>
+              <a:t>Unzuverlässigkeit des Servers</a:t>
+            </a:r>
+          </a:p>
+          <a:p>
+            <a:pPr marL="0" indent="0">
+              <a:buNone/>
+            </a:pPr>
+            <a:endParaRPr lang="de-DE" b="1" dirty="0"/>
+          </a:p>
+          <a:p>
+            <a:pPr marL="0" indent="0">
+              <a:buNone/>
+            </a:pPr>
+            <a:r>
+              <a:rPr lang="de-DE" b="1" dirty="0"/>
+              <a:t>Lösung:</a:t>
+            </a:r>
+            <a:endParaRPr lang="de-DE" dirty="0"/>
+          </a:p>
+          <a:p>
+            <a:pPr>
+              <a:buFont typeface="Arial" panose="020B0604020202020204" pitchFamily="34" charset="0"/>
+              <a:buChar char="•"/>
+            </a:pPr>
+            <a:r>
+              <a:rPr lang="de-DE" dirty="0"/>
+              <a:t>Anpassung der Serverkonfiguration</a:t>
+            </a:r>
+          </a:p>
+          <a:p>
+            <a:pPr>
+              <a:buFont typeface="Arial" panose="020B0604020202020204" pitchFamily="34" charset="0"/>
+              <a:buChar char="•"/>
+            </a:pPr>
+            <a:r>
+              <a:rPr lang="de-DE" dirty="0"/>
+              <a:t>Tausch der Serverhardware</a:t>
+            </a:r>
+          </a:p>
+          <a:p>
+            <a:pPr marL="0" indent="0">
+              <a:buNone/>
+            </a:pPr>
+            <a:endParaRPr lang="de-DE" dirty="0"/>
+          </a:p>
+          <a:p>
+            <a:endParaRPr lang="de-DE" dirty="0"/>
+          </a:p>
+        </p:txBody>
+      </p:sp>
+    </p:spTree>
+    <p:extLst>
+      <p:ext uri="{BB962C8B-B14F-4D97-AF65-F5344CB8AC3E}">
+        <p14:creationId xmlns:p14="http://schemas.microsoft.com/office/powerpoint/2010/main" val="22253954"/>
+      </p:ext>
+    </p:extLst>
+  </p:cSld>
+  <p:clrMapOvr>
+    <a:masterClrMapping/>
+  </p:clrMapOvr>
+</p:sld>
+</file>
+
+<file path=ppt/slides/slide17.xml><?xml version="1.0" encoding="utf-8"?>
+<p:sld xmlns:a="http://schemas.openxmlformats.org/drawingml/2006/main" xmlns:r="http://schemas.openxmlformats.org/officeDocument/2006/relationships" xmlns:p="http://schemas.openxmlformats.org/presentationml/2006/main">
+  <p:cSld>
+    <p:spTree>
+      <p:nvGrpSpPr>
+        <p:cNvPr id="1" name=""/>
+        <p:cNvGrpSpPr/>
+        <p:nvPr/>
+      </p:nvGrpSpPr>
+      <p:grpSpPr>
+        <a:xfrm>
+          <a:off x="0" y="0"/>
+          <a:ext cx="0" cy="0"/>
+          <a:chOff x="0" y="0"/>
+          <a:chExt cx="0" cy="0"/>
+        </a:xfrm>
+      </p:grpSpPr>
+      <p:sp>
+        <p:nvSpPr>
+          <p:cNvPr id="2" name="Titel 1">
+            <a:extLst>
+              <a:ext uri="{FF2B5EF4-FFF2-40B4-BE49-F238E27FC236}">
+                <a16:creationId xmlns:a16="http://schemas.microsoft.com/office/drawing/2014/main" id="{AD18B9FE-54AF-A413-96CB-0FECACA65F40}"/>
+              </a:ext>
+            </a:extLst>
+          </p:cNvPr>
+          <p:cNvSpPr>
+            <a:spLocks noGrp="1"/>
+          </p:cNvSpPr>
+          <p:nvPr>
+            <p:ph type="title"/>
+          </p:nvPr>
+        </p:nvSpPr>
+        <p:spPr/>
+        <p:txBody>
+          <a:bodyPr/>
+          <a:lstStyle/>
+          <a:p>
+            <a:r>
+              <a:rPr lang="de-DE" dirty="0"/>
+              <a:t>Herausforderungen und Lösungen</a:t>
+            </a:r>
+          </a:p>
+        </p:txBody>
+      </p:sp>
+      <p:sp>
+        <p:nvSpPr>
+          <p:cNvPr id="3" name="Foliennummernplatzhalter 2">
+            <a:extLst>
+              <a:ext uri="{FF2B5EF4-FFF2-40B4-BE49-F238E27FC236}">
+                <a16:creationId xmlns:a16="http://schemas.microsoft.com/office/drawing/2014/main" id="{058D2D05-3F99-CD0C-29A8-9CC5369E950D}"/>
+              </a:ext>
+            </a:extLst>
+          </p:cNvPr>
+          <p:cNvSpPr>
+            <a:spLocks noGrp="1"/>
+          </p:cNvSpPr>
+          <p:nvPr>
+            <p:ph type="sldNum" sz="quarter" idx="12"/>
+          </p:nvPr>
+        </p:nvSpPr>
+        <p:spPr/>
+        <p:txBody>
+          <a:bodyPr/>
+          <a:lstStyle/>
+          <a:p>
+            <a:fld id="{AAC1D792-5BBE-0E40-8BC5-C23B00244607}" type="slidenum">
+              <a:rPr lang="de-DE" smtClean="0"/>
+              <a:t>17</a:t>
+            </a:fld>
+            <a:endParaRPr lang="de-DE"/>
+          </a:p>
+        </p:txBody>
+      </p:sp>
+      <p:sp>
+        <p:nvSpPr>
+          <p:cNvPr id="4" name="Inhaltsplatzhalter 2">
+            <a:extLst>
+              <a:ext uri="{FF2B5EF4-FFF2-40B4-BE49-F238E27FC236}">
+                <a16:creationId xmlns:a16="http://schemas.microsoft.com/office/drawing/2014/main" id="{D0D99DF2-656E-17EF-0F7E-B47A3C467791}"/>
+              </a:ext>
+            </a:extLst>
+          </p:cNvPr>
+          <p:cNvSpPr>
+            <a:spLocks noGrp="1"/>
+          </p:cNvSpPr>
+          <p:nvPr>
+            <p:ph idx="1"/>
+          </p:nvPr>
+        </p:nvSpPr>
+        <p:spPr>
+          <a:xfrm>
+            <a:off x="838200" y="1825625"/>
+            <a:ext cx="10515600" cy="4351338"/>
+          </a:xfrm>
+        </p:spPr>
+        <p:txBody>
+          <a:bodyPr/>
+          <a:lstStyle/>
+          <a:p>
+            <a:pPr marL="0" indent="0">
+              <a:buNone/>
+            </a:pPr>
+            <a:r>
+              <a:rPr lang="de-DE" b="1" dirty="0"/>
+              <a:t>2. Hosten der Webseite</a:t>
+            </a:r>
+            <a:endParaRPr lang="de-DE" dirty="0"/>
+          </a:p>
+          <a:p>
+            <a:pPr>
+              <a:buFont typeface="Arial" panose="020B0604020202020204" pitchFamily="34" charset="0"/>
+              <a:buChar char="•"/>
+            </a:pPr>
+            <a:r>
+              <a:rPr lang="de-DE" dirty="0"/>
+              <a:t>Unterschiedliche Container für API (Node.js) und Webseite (</a:t>
+            </a:r>
+            <a:r>
+              <a:rPr lang="de-DE" dirty="0" err="1"/>
+              <a:t>TypeScript</a:t>
+            </a:r>
+            <a:r>
+              <a:rPr lang="de-DE" dirty="0"/>
+              <a:t>)</a:t>
+            </a:r>
+          </a:p>
+          <a:p>
+            <a:pPr>
+              <a:buFont typeface="Arial" panose="020B0604020202020204" pitchFamily="34" charset="0"/>
+              <a:buChar char="•"/>
+            </a:pPr>
+            <a:r>
+              <a:rPr lang="de-DE" dirty="0"/>
+              <a:t>Fehlende Node-Modules im </a:t>
+            </a:r>
+            <a:r>
+              <a:rPr lang="de-DE" dirty="0" err="1"/>
+              <a:t>Git</a:t>
+            </a:r>
+            <a:r>
+              <a:rPr lang="de-DE" dirty="0"/>
+              <a:t>-Repository</a:t>
+            </a:r>
+          </a:p>
+          <a:p>
+            <a:pPr marL="0" indent="0">
+              <a:buNone/>
+            </a:pPr>
+            <a:endParaRPr lang="de-DE" b="1" dirty="0"/>
+          </a:p>
+          <a:p>
+            <a:pPr marL="0" indent="0">
+              <a:buNone/>
+            </a:pPr>
+            <a:r>
+              <a:rPr lang="de-DE" b="1" dirty="0"/>
+              <a:t>Lösung:</a:t>
+            </a:r>
+            <a:endParaRPr lang="de-DE" dirty="0"/>
+          </a:p>
+          <a:p>
+            <a:pPr>
+              <a:buFont typeface="Arial" panose="020B0604020202020204" pitchFamily="34" charset="0"/>
+              <a:buChar char="•"/>
+            </a:pPr>
+            <a:r>
+              <a:rPr lang="de-DE" dirty="0"/>
+              <a:t>NGINX-Container mit </a:t>
+            </a:r>
+            <a:r>
+              <a:rPr lang="de-DE" dirty="0" err="1"/>
+              <a:t>Startscript</a:t>
+            </a:r>
+            <a:r>
+              <a:rPr lang="de-DE" dirty="0"/>
+              <a:t> für Installation und </a:t>
+            </a:r>
+            <a:r>
+              <a:rPr lang="de-DE" dirty="0" err="1"/>
+              <a:t>Build</a:t>
+            </a:r>
+            <a:r>
+              <a:rPr lang="de-DE" dirty="0"/>
+              <a:t>-Prozess</a:t>
+            </a:r>
+          </a:p>
+          <a:p>
+            <a:pPr marL="0" indent="0">
+              <a:buNone/>
+            </a:pPr>
+            <a:endParaRPr lang="de-DE" dirty="0"/>
+          </a:p>
+          <a:p>
+            <a:endParaRPr lang="de-DE" dirty="0"/>
+          </a:p>
+        </p:txBody>
+      </p:sp>
+    </p:spTree>
+    <p:extLst>
+      <p:ext uri="{BB962C8B-B14F-4D97-AF65-F5344CB8AC3E}">
+        <p14:creationId xmlns:p14="http://schemas.microsoft.com/office/powerpoint/2010/main" val="1440470798"/>
+      </p:ext>
+    </p:extLst>
+  </p:cSld>
+  <p:clrMapOvr>
+    <a:masterClrMapping/>
+  </p:clrMapOvr>
+</p:sld>
+</file>
+
+<file path=ppt/slides/slide18.xml><?xml version="1.0" encoding="utf-8"?>
+<p:sld xmlns:a="http://schemas.openxmlformats.org/drawingml/2006/main" xmlns:r="http://schemas.openxmlformats.org/officeDocument/2006/relationships" xmlns:p="http://schemas.openxmlformats.org/presentationml/2006/main">
+  <p:cSld>
+    <p:spTree>
+      <p:nvGrpSpPr>
         <p:cNvPr id="1" name=""/>
         <p:cNvGrpSpPr/>
         <p:nvPr/>
@@ -3877,7 +5757,7 @@
           <a:p>
             <a:fld id="{AAC1D792-5BBE-0E40-8BC5-C23B00244607}" type="slidenum">
               <a:rPr lang="de-DE" smtClean="0"/>
-              <a:t>10</a:t>
+              <a:t>18</a:t>
             </a:fld>
             <a:endParaRPr lang="de-DE"/>
           </a:p>
@@ -3979,7 +5859,7 @@
           <a:p>
             <a:r>
               <a:rPr lang="de-DE" dirty="0"/>
-              <a:t>Gewählte Technologien</a:t>
+              <a:t>(Gewählte Technologien)</a:t>
             </a:r>
           </a:p>
           <a:p>
@@ -8920,38 +10800,10 @@
       </p:grpSpPr>
       <p:sp>
         <p:nvSpPr>
-          <p:cNvPr id="2" name="Titel 1">
+          <p:cNvPr id="4" name="Foliennummernplatzhalter 3">
             <a:extLst>
               <a:ext uri="{FF2B5EF4-FFF2-40B4-BE49-F238E27FC236}">
-                <a16:creationId xmlns:a16="http://schemas.microsoft.com/office/drawing/2014/main" id="{AD18B9FE-54AF-A413-96CB-0FECACA65F40}"/>
-              </a:ext>
-            </a:extLst>
-          </p:cNvPr>
-          <p:cNvSpPr>
-            <a:spLocks noGrp="1"/>
-          </p:cNvSpPr>
-          <p:nvPr>
-            <p:ph type="title"/>
-          </p:nvPr>
-        </p:nvSpPr>
-        <p:spPr/>
-        <p:txBody>
-          <a:bodyPr/>
-          <a:lstStyle/>
-          <a:p>
-            <a:r>
-              <a:rPr lang="de-DE" dirty="0"/>
-              <a:t>Herausforderungen und Lösungen</a:t>
-            </a:r>
-          </a:p>
-        </p:txBody>
-      </p:sp>
-      <p:sp>
-        <p:nvSpPr>
-          <p:cNvPr id="3" name="Foliennummernplatzhalter 2">
-            <a:extLst>
-              <a:ext uri="{FF2B5EF4-FFF2-40B4-BE49-F238E27FC236}">
-                <a16:creationId xmlns:a16="http://schemas.microsoft.com/office/drawing/2014/main" id="{058D2D05-3F99-CD0C-29A8-9CC5369E950D}"/>
+                <a16:creationId xmlns:a16="http://schemas.microsoft.com/office/drawing/2014/main" id="{000BD818-06FB-5319-55CE-604C65E545C3}"/>
               </a:ext>
             </a:extLst>
           </p:cNvPr>
@@ -8975,130 +10827,68 @@
           </a:p>
         </p:txBody>
       </p:sp>
-      <p:sp>
-        <p:nvSpPr>
-          <p:cNvPr id="4" name="Inhaltsplatzhalter 2">
+      <p:pic>
+        <p:nvPicPr>
+          <p:cNvPr id="10" name="Grafik 9">
             <a:extLst>
               <a:ext uri="{FF2B5EF4-FFF2-40B4-BE49-F238E27FC236}">
-                <a16:creationId xmlns:a16="http://schemas.microsoft.com/office/drawing/2014/main" id="{D0D99DF2-656E-17EF-0F7E-B47A3C467791}"/>
+                <a16:creationId xmlns:a16="http://schemas.microsoft.com/office/drawing/2014/main" id="{051C5C9F-EADE-2BA2-1A54-66866980DF20}"/>
               </a:ext>
             </a:extLst>
           </p:cNvPr>
-          <p:cNvSpPr>
-            <a:spLocks noGrp="1"/>
-          </p:cNvSpPr>
-          <p:nvPr>
-            <p:ph idx="1"/>
-          </p:nvPr>
-        </p:nvSpPr>
+          <p:cNvPicPr>
+            <a:picLocks noChangeAspect="1"/>
+          </p:cNvPicPr>
+          <p:nvPr/>
+        </p:nvPicPr>
+        <p:blipFill>
+          <a:blip r:embed="rId2"/>
+          <a:srcRect b="94339"/>
+          <a:stretch/>
+        </p:blipFill>
         <p:spPr>
           <a:xfrm>
-            <a:off x="838200" y="1825625"/>
-            <a:ext cx="10515600" cy="4351338"/>
+            <a:off x="3177732" y="203996"/>
+            <a:ext cx="5836535" cy="365124"/>
           </a:xfrm>
+          <a:prstGeom prst="rect">
+            <a:avLst/>
+          </a:prstGeom>
         </p:spPr>
-        <p:txBody>
-          <a:bodyPr/>
-          <a:lstStyle/>
-          <a:p>
-            <a:pPr marL="0" indent="0">
-              <a:buNone/>
-            </a:pPr>
-            <a:r>
-              <a:rPr lang="de-DE" b="1" dirty="0"/>
-              <a:t>1. Hosten der Datenbank</a:t>
-            </a:r>
-            <a:endParaRPr lang="de-DE" dirty="0"/>
-          </a:p>
-          <a:p>
-            <a:pPr>
-              <a:buFont typeface="Arial" panose="020B0604020202020204" pitchFamily="34" charset="0"/>
-              <a:buChar char="•"/>
-            </a:pPr>
-            <a:r>
-              <a:rPr lang="de-DE" dirty="0"/>
-              <a:t>Probleme mit </a:t>
-            </a:r>
-            <a:r>
-              <a:rPr lang="de-DE" dirty="0" err="1"/>
-              <a:t>Credentials</a:t>
-            </a:r>
-            <a:r>
-              <a:rPr lang="de-DE" dirty="0"/>
-              <a:t> und Portfreigaben</a:t>
-            </a:r>
-          </a:p>
-          <a:p>
-            <a:pPr>
-              <a:buFont typeface="Arial" panose="020B0604020202020204" pitchFamily="34" charset="0"/>
-              <a:buChar char="•"/>
-            </a:pPr>
-            <a:r>
-              <a:rPr lang="de-DE" dirty="0"/>
-              <a:t>Verbindungsabbrüche API ↔ Datenbank</a:t>
-            </a:r>
-          </a:p>
-          <a:p>
-            <a:pPr>
-              <a:buFont typeface="Arial" panose="020B0604020202020204" pitchFamily="34" charset="0"/>
-              <a:buChar char="•"/>
-            </a:pPr>
-            <a:r>
-              <a:rPr lang="de-DE" dirty="0"/>
-              <a:t>Unzuverlässigkeit des Servers</a:t>
-            </a:r>
-          </a:p>
-          <a:p>
-            <a:pPr marL="0" indent="0">
-              <a:buNone/>
-            </a:pPr>
-            <a:endParaRPr lang="de-DE" b="1" dirty="0"/>
-          </a:p>
-          <a:p>
-            <a:pPr marL="0" indent="0">
-              <a:buNone/>
-            </a:pPr>
-            <a:r>
-              <a:rPr lang="de-DE" b="1" dirty="0"/>
-              <a:t>Lösung:</a:t>
-            </a:r>
-            <a:endParaRPr lang="de-DE" dirty="0"/>
-          </a:p>
-          <a:p>
-            <a:pPr>
-              <a:buFont typeface="Arial" panose="020B0604020202020204" pitchFamily="34" charset="0"/>
-              <a:buChar char="•"/>
-            </a:pPr>
-            <a:r>
-              <a:rPr lang="de-DE" dirty="0"/>
-              <a:t>Anpassung der Serverkonfiguration</a:t>
-            </a:r>
-          </a:p>
-          <a:p>
-            <a:pPr>
-              <a:buFont typeface="Arial" panose="020B0604020202020204" pitchFamily="34" charset="0"/>
-              <a:buChar char="•"/>
-            </a:pPr>
-            <a:r>
-              <a:rPr lang="de-DE" dirty="0"/>
-              <a:t>Tausch der Serverhardware</a:t>
-            </a:r>
-          </a:p>
-          <a:p>
-            <a:pPr marL="0" indent="0">
-              <a:buNone/>
-            </a:pPr>
-            <a:endParaRPr lang="de-DE" dirty="0"/>
-          </a:p>
-          <a:p>
-            <a:endParaRPr lang="de-DE" dirty="0"/>
-          </a:p>
-        </p:txBody>
-      </p:sp>
+      </p:pic>
+      <p:pic>
+        <p:nvPicPr>
+          <p:cNvPr id="11" name="Grafik 10">
+            <a:extLst>
+              <a:ext uri="{FF2B5EF4-FFF2-40B4-BE49-F238E27FC236}">
+                <a16:creationId xmlns:a16="http://schemas.microsoft.com/office/drawing/2014/main" id="{A11090F4-829D-DF68-6BA8-B0F1C738C8AD}"/>
+              </a:ext>
+            </a:extLst>
+          </p:cNvPr>
+          <p:cNvPicPr>
+            <a:picLocks noChangeAspect="1"/>
+          </p:cNvPicPr>
+          <p:nvPr/>
+        </p:nvPicPr>
+        <p:blipFill>
+          <a:blip r:embed="rId2"/>
+          <a:srcRect t="5660"/>
+          <a:stretch/>
+        </p:blipFill>
+        <p:spPr>
+          <a:xfrm>
+            <a:off x="3177732" y="569120"/>
+            <a:ext cx="5836535" cy="6084885"/>
+          </a:xfrm>
+          <a:prstGeom prst="rect">
+            <a:avLst/>
+          </a:prstGeom>
+        </p:spPr>
+      </p:pic>
     </p:spTree>
     <p:extLst>
       <p:ext uri="{BB962C8B-B14F-4D97-AF65-F5344CB8AC3E}">
-        <p14:creationId xmlns:p14="http://schemas.microsoft.com/office/powerpoint/2010/main" val="22253954"/>
+        <p14:creationId xmlns:p14="http://schemas.microsoft.com/office/powerpoint/2010/main" val="2834465021"/>
       </p:ext>
     </p:extLst>
   </p:cSld>
@@ -9113,7 +10903,13 @@
   <p:cSld>
     <p:spTree>
       <p:nvGrpSpPr>
-        <p:cNvPr id="1" name=""/>
+        <p:cNvPr id="1" name="">
+          <a:extLst>
+            <a:ext uri="{FF2B5EF4-FFF2-40B4-BE49-F238E27FC236}">
+              <a16:creationId xmlns:a16="http://schemas.microsoft.com/office/drawing/2014/main" id="{BC9246C4-3272-059F-83BB-561E645EB4B7}"/>
+            </a:ext>
+          </a:extLst>
+        </p:cNvPr>
         <p:cNvGrpSpPr/>
         <p:nvPr/>
       </p:nvGrpSpPr>
@@ -9127,38 +10923,10 @@
       </p:grpSpPr>
       <p:sp>
         <p:nvSpPr>
-          <p:cNvPr id="2" name="Titel 1">
+          <p:cNvPr id="4" name="Foliennummernplatzhalter 3">
             <a:extLst>
               <a:ext uri="{FF2B5EF4-FFF2-40B4-BE49-F238E27FC236}">
-                <a16:creationId xmlns:a16="http://schemas.microsoft.com/office/drawing/2014/main" id="{AD18B9FE-54AF-A413-96CB-0FECACA65F40}"/>
-              </a:ext>
-            </a:extLst>
-          </p:cNvPr>
-          <p:cNvSpPr>
-            <a:spLocks noGrp="1"/>
-          </p:cNvSpPr>
-          <p:nvPr>
-            <p:ph type="title"/>
-          </p:nvPr>
-        </p:nvSpPr>
-        <p:spPr/>
-        <p:txBody>
-          <a:bodyPr/>
-          <a:lstStyle/>
-          <a:p>
-            <a:r>
-              <a:rPr lang="de-DE" dirty="0"/>
-              <a:t>Herausforderungen und Lösungen</a:t>
-            </a:r>
-          </a:p>
-        </p:txBody>
-      </p:sp>
-      <p:sp>
-        <p:nvSpPr>
-          <p:cNvPr id="3" name="Foliennummernplatzhalter 2">
-            <a:extLst>
-              <a:ext uri="{FF2B5EF4-FFF2-40B4-BE49-F238E27FC236}">
-                <a16:creationId xmlns:a16="http://schemas.microsoft.com/office/drawing/2014/main" id="{058D2D05-3F99-CD0C-29A8-9CC5369E950D}"/>
+                <a16:creationId xmlns:a16="http://schemas.microsoft.com/office/drawing/2014/main" id="{581DAE7E-BE25-43C6-D996-A3D732B8989D}"/>
               </a:ext>
             </a:extLst>
           </p:cNvPr>
@@ -9182,140 +10950,86 @@
           </a:p>
         </p:txBody>
       </p:sp>
-      <p:sp>
-        <p:nvSpPr>
-          <p:cNvPr id="4" name="Inhaltsplatzhalter 2">
+      <p:pic>
+        <p:nvPicPr>
+          <p:cNvPr id="10" name="Grafik 9">
             <a:extLst>
               <a:ext uri="{FF2B5EF4-FFF2-40B4-BE49-F238E27FC236}">
-                <a16:creationId xmlns:a16="http://schemas.microsoft.com/office/drawing/2014/main" id="{D0D99DF2-656E-17EF-0F7E-B47A3C467791}"/>
+                <a16:creationId xmlns:a16="http://schemas.microsoft.com/office/drawing/2014/main" id="{57EEC8CA-9A1A-AC7E-1BC8-DE19FF48247E}"/>
               </a:ext>
             </a:extLst>
           </p:cNvPr>
-          <p:cNvSpPr>
-            <a:spLocks noGrp="1"/>
-          </p:cNvSpPr>
-          <p:nvPr>
-            <p:ph idx="1"/>
-          </p:nvPr>
-        </p:nvSpPr>
+          <p:cNvPicPr>
+            <a:picLocks noChangeAspect="1"/>
+          </p:cNvPicPr>
+          <p:nvPr/>
+        </p:nvPicPr>
+        <p:blipFill>
+          <a:blip r:embed="rId2"/>
+          <a:srcRect b="94339"/>
+          <a:stretch/>
+        </p:blipFill>
         <p:spPr>
           <a:xfrm>
-            <a:off x="838200" y="1825625"/>
-            <a:ext cx="10515600" cy="4351338"/>
+            <a:off x="145531" y="136525"/>
+            <a:ext cx="11900937" cy="744503"/>
           </a:xfrm>
+          <a:prstGeom prst="rect">
+            <a:avLst/>
+          </a:prstGeom>
         </p:spPr>
-        <p:txBody>
-          <a:bodyPr/>
-          <a:lstStyle/>
-          <a:p>
-            <a:pPr marL="0" indent="0">
-              <a:buNone/>
-            </a:pPr>
-            <a:r>
-              <a:rPr lang="de-DE" b="1" dirty="0"/>
-              <a:t>2. Hosten der Webseite</a:t>
-            </a:r>
-            <a:endParaRPr lang="de-DE" dirty="0"/>
-          </a:p>
-          <a:p>
-            <a:pPr>
-              <a:buFont typeface="Arial" panose="020B0604020202020204" pitchFamily="34" charset="0"/>
-              <a:buChar char="•"/>
-            </a:pPr>
-            <a:r>
-              <a:rPr lang="de-DE" dirty="0"/>
-              <a:t>Unterschiedliche Container für API (Node.js) und Webseite (</a:t>
-            </a:r>
-            <a:r>
-              <a:rPr lang="de-DE" dirty="0" err="1"/>
-              <a:t>TypeScript</a:t>
-            </a:r>
-            <a:r>
-              <a:rPr lang="de-DE" dirty="0"/>
-              <a:t>)</a:t>
-            </a:r>
-          </a:p>
-          <a:p>
-            <a:pPr>
-              <a:buFont typeface="Arial" panose="020B0604020202020204" pitchFamily="34" charset="0"/>
-              <a:buChar char="•"/>
-            </a:pPr>
-            <a:r>
-              <a:rPr lang="de-DE" dirty="0"/>
-              <a:t>Fehlende Node-Modules im </a:t>
-            </a:r>
-            <a:r>
-              <a:rPr lang="de-DE" dirty="0" err="1"/>
-              <a:t>Git</a:t>
-            </a:r>
-            <a:r>
-              <a:rPr lang="de-DE" dirty="0"/>
-              <a:t>-Repository</a:t>
-            </a:r>
-          </a:p>
-          <a:p>
-            <a:pPr marL="0" indent="0">
-              <a:buNone/>
-            </a:pPr>
-            <a:endParaRPr lang="de-DE" b="1" dirty="0"/>
-          </a:p>
-          <a:p>
-            <a:pPr marL="0" indent="0">
-              <a:buNone/>
-            </a:pPr>
-            <a:r>
-              <a:rPr lang="de-DE" b="1" dirty="0"/>
-              <a:t>Lösung:</a:t>
-            </a:r>
-            <a:endParaRPr lang="de-DE" dirty="0"/>
-          </a:p>
-          <a:p>
-            <a:pPr>
-              <a:buFont typeface="Arial" panose="020B0604020202020204" pitchFamily="34" charset="0"/>
-              <a:buChar char="•"/>
-            </a:pPr>
-            <a:r>
-              <a:rPr lang="de-DE" dirty="0"/>
-              <a:t>NGINX-Container mit </a:t>
-            </a:r>
-            <a:r>
-              <a:rPr lang="de-DE" dirty="0" err="1"/>
-              <a:t>Startscript</a:t>
-            </a:r>
-            <a:r>
-              <a:rPr lang="de-DE" dirty="0"/>
-              <a:t> für Installation und </a:t>
-            </a:r>
-            <a:r>
-              <a:rPr lang="de-DE" dirty="0" err="1"/>
-              <a:t>Build</a:t>
-            </a:r>
-            <a:r>
-              <a:rPr lang="de-DE" dirty="0"/>
-              <a:t>-Prozess</a:t>
-            </a:r>
-          </a:p>
-          <a:p>
-            <a:pPr marL="0" indent="0">
-              <a:buNone/>
-            </a:pPr>
-            <a:endParaRPr lang="de-DE" dirty="0"/>
-          </a:p>
-          <a:p>
-            <a:endParaRPr lang="de-DE" dirty="0"/>
-          </a:p>
-        </p:txBody>
-      </p:sp>
+      </p:pic>
+      <p:pic>
+        <p:nvPicPr>
+          <p:cNvPr id="11" name="Grafik 10">
+            <a:extLst>
+              <a:ext uri="{FF2B5EF4-FFF2-40B4-BE49-F238E27FC236}">
+                <a16:creationId xmlns:a16="http://schemas.microsoft.com/office/drawing/2014/main" id="{CCA637F4-3EFC-F115-DB7B-401A3B552AA2}"/>
+              </a:ext>
+            </a:extLst>
+          </p:cNvPr>
+          <p:cNvPicPr>
+            <a:picLocks noChangeAspect="1"/>
+          </p:cNvPicPr>
+          <p:nvPr/>
+        </p:nvPicPr>
+        <p:blipFill>
+          <a:blip r:embed="rId2"/>
+          <a:srcRect t="5660" b="52274"/>
+          <a:stretch/>
+        </p:blipFill>
+        <p:spPr>
+          <a:xfrm>
+            <a:off x="145531" y="881028"/>
+            <a:ext cx="11900937" cy="5532471"/>
+          </a:xfrm>
+          <a:prstGeom prst="rect">
+            <a:avLst/>
+          </a:prstGeom>
+        </p:spPr>
+      </p:pic>
     </p:spTree>
     <p:extLst>
       <p:ext uri="{BB962C8B-B14F-4D97-AF65-F5344CB8AC3E}">
-        <p14:creationId xmlns:p14="http://schemas.microsoft.com/office/powerpoint/2010/main" val="1440470798"/>
+        <p14:creationId xmlns:p14="http://schemas.microsoft.com/office/powerpoint/2010/main" val="1437314239"/>
       </p:ext>
     </p:extLst>
   </p:cSld>
   <p:clrMapOvr>
     <a:masterClrMapping/>
   </p:clrMapOvr>
+  <mc:AlternateContent xmlns:mc="http://schemas.openxmlformats.org/markup-compatibility/2006">
+    <mc:Choice xmlns:p159="http://schemas.microsoft.com/office/powerpoint/2015/09/main" Requires="p159">
+      <p:transition xmlns:p14="http://schemas.microsoft.com/office/powerpoint/2010/main" spd="slow" p14:dur="1500">
+        <p159:morph option="byObject"/>
+      </p:transition>
+    </mc:Choice>
+    <mc:Fallback>
+      <p:transition spd="slow">
+        <p:fade/>
+      </p:transition>
+    </mc:Fallback>
+  </mc:AlternateContent>
 </p:sld>
 </file>
 

--- a/Abschlusspräsentation.pptx
+++ b/Abschlusspräsentation.pptx
@@ -5,7 +5,7 @@
     <p:sldMasterId id="2147483852" r:id="rId1"/>
   </p:sldMasterIdLst>
   <p:notesMasterIdLst>
-    <p:notesMasterId r:id="rId20"/>
+    <p:notesMasterId r:id="rId21"/>
   </p:notesMasterIdLst>
   <p:sldIdLst>
     <p:sldId id="322" r:id="rId2"/>
@@ -26,6 +26,7 @@
     <p:sldId id="328" r:id="rId17"/>
     <p:sldId id="329" r:id="rId18"/>
     <p:sldId id="326" r:id="rId19"/>
+    <p:sldId id="339" r:id="rId20"/>
   </p:sldIdLst>
   <p:sldSz cx="12192000" cy="6858000"/>
   <p:notesSz cx="6858000" cy="9144000"/>
@@ -226,7 +227,7 @@
           <a:p>
             <a:fld id="{6E848EDB-F6CF-AA41-9EA3-53C942B1B060}" type="datetimeFigureOut">
               <a:rPr lang="de-DE" smtClean="0"/>
-              <a:t>27.10.2024</a:t>
+              <a:t>28.10.2024</a:t>
             </a:fld>
             <a:endParaRPr lang="de-DE"/>
           </a:p>
@@ -577,6 +578,114 @@
 </p:notes>
 </file>
 
+<file path=ppt/notesSlides/notesSlide2.xml><?xml version="1.0" encoding="utf-8"?>
+<p:notes xmlns:a="http://schemas.openxmlformats.org/drawingml/2006/main" xmlns:r="http://schemas.openxmlformats.org/officeDocument/2006/relationships" xmlns:p="http://schemas.openxmlformats.org/presentationml/2006/main">
+  <p:cSld>
+    <p:spTree>
+      <p:nvGrpSpPr>
+        <p:cNvPr id="1" name="">
+          <a:extLst>
+            <a:ext uri="{FF2B5EF4-FFF2-40B4-BE49-F238E27FC236}">
+              <a16:creationId xmlns:a16="http://schemas.microsoft.com/office/drawing/2014/main" id="{BD55CC03-FC80-E402-FBDF-6FCF94CCA515}"/>
+            </a:ext>
+          </a:extLst>
+        </p:cNvPr>
+        <p:cNvGrpSpPr/>
+        <p:nvPr/>
+      </p:nvGrpSpPr>
+      <p:grpSpPr>
+        <a:xfrm>
+          <a:off x="0" y="0"/>
+          <a:ext cx="0" cy="0"/>
+          <a:chOff x="0" y="0"/>
+          <a:chExt cx="0" cy="0"/>
+        </a:xfrm>
+      </p:grpSpPr>
+      <p:sp>
+        <p:nvSpPr>
+          <p:cNvPr id="2" name="Folienbildplatzhalter 1">
+            <a:extLst>
+              <a:ext uri="{FF2B5EF4-FFF2-40B4-BE49-F238E27FC236}">
+                <a16:creationId xmlns:a16="http://schemas.microsoft.com/office/drawing/2014/main" id="{9548B204-1A6D-ADAE-1C1F-8A8C9DE45341}"/>
+              </a:ext>
+            </a:extLst>
+          </p:cNvPr>
+          <p:cNvSpPr>
+            <a:spLocks noGrp="1" noRot="1" noChangeAspect="1"/>
+          </p:cNvSpPr>
+          <p:nvPr>
+            <p:ph type="sldImg"/>
+          </p:nvPr>
+        </p:nvSpPr>
+        <p:spPr/>
+      </p:sp>
+      <p:sp>
+        <p:nvSpPr>
+          <p:cNvPr id="3" name="Notizenplatzhalter 2">
+            <a:extLst>
+              <a:ext uri="{FF2B5EF4-FFF2-40B4-BE49-F238E27FC236}">
+                <a16:creationId xmlns:a16="http://schemas.microsoft.com/office/drawing/2014/main" id="{6CFC4AF0-6827-7218-F8F6-8DBD78B09706}"/>
+              </a:ext>
+            </a:extLst>
+          </p:cNvPr>
+          <p:cNvSpPr>
+            <a:spLocks noGrp="1"/>
+          </p:cNvSpPr>
+          <p:nvPr>
+            <p:ph type="body" idx="1"/>
+          </p:nvPr>
+        </p:nvSpPr>
+        <p:spPr/>
+        <p:txBody>
+          <a:bodyPr/>
+          <a:lstStyle/>
+          <a:p>
+            <a:endParaRPr lang="de-DE" dirty="0"/>
+          </a:p>
+        </p:txBody>
+      </p:sp>
+      <p:sp>
+        <p:nvSpPr>
+          <p:cNvPr id="4" name="Foliennummernplatzhalter 3">
+            <a:extLst>
+              <a:ext uri="{FF2B5EF4-FFF2-40B4-BE49-F238E27FC236}">
+                <a16:creationId xmlns:a16="http://schemas.microsoft.com/office/drawing/2014/main" id="{835DF9FA-80DF-7DC5-DCF1-F3E11498DD2D}"/>
+              </a:ext>
+            </a:extLst>
+          </p:cNvPr>
+          <p:cNvSpPr>
+            <a:spLocks noGrp="1"/>
+          </p:cNvSpPr>
+          <p:nvPr>
+            <p:ph type="sldNum" sz="quarter" idx="5"/>
+          </p:nvPr>
+        </p:nvSpPr>
+        <p:spPr/>
+        <p:txBody>
+          <a:bodyPr/>
+          <a:lstStyle/>
+          <a:p>
+            <a:fld id="{97645587-8C8A-544D-8307-732134D6F509}" type="slidenum">
+              <a:rPr lang="de-DE" smtClean="0"/>
+              <a:t>19</a:t>
+            </a:fld>
+            <a:endParaRPr lang="de-DE"/>
+          </a:p>
+        </p:txBody>
+      </p:sp>
+    </p:spTree>
+    <p:extLst>
+      <p:ext uri="{BB962C8B-B14F-4D97-AF65-F5344CB8AC3E}">
+        <p14:creationId xmlns:p14="http://schemas.microsoft.com/office/powerpoint/2010/main" val="4215535740"/>
+      </p:ext>
+    </p:extLst>
+  </p:cSld>
+  <p:clrMapOvr>
+    <a:masterClrMapping/>
+  </p:clrMapOvr>
+</p:notes>
+</file>
+
 <file path=ppt/slideLayouts/slideLayout1.xml><?xml version="1.0" encoding="utf-8"?>
 <p:sldLayout xmlns:a="http://schemas.openxmlformats.org/drawingml/2006/main" xmlns:r="http://schemas.openxmlformats.org/officeDocument/2006/relationships" xmlns:p="http://schemas.openxmlformats.org/presentationml/2006/main" type="title" preserve="1">
   <p:cSld name="Titelfolie">
@@ -708,7 +817,7 @@
           <a:p>
             <a:fld id="{90A5264F-C28B-422A-8664-2DDDB4B8162E}" type="datetime1">
               <a:rPr lang="de-DE" smtClean="0"/>
-              <a:t>27.10.2024</a:t>
+              <a:t>28.10.2024</a:t>
             </a:fld>
             <a:endParaRPr lang="de-DE"/>
           </a:p>
@@ -878,7 +987,7 @@
           <a:p>
             <a:fld id="{041661AB-58BD-4E04-A333-C01870A10897}" type="datetime1">
               <a:rPr lang="de-DE" smtClean="0"/>
-              <a:t>27.10.2024</a:t>
+              <a:t>28.10.2024</a:t>
             </a:fld>
             <a:endParaRPr lang="de-DE"/>
           </a:p>
@@ -1058,7 +1167,7 @@
           <a:p>
             <a:fld id="{0B819678-C3A8-45F8-BCC1-FC4CB4678F6A}" type="datetime1">
               <a:rPr lang="de-DE" smtClean="0"/>
-              <a:t>27.10.2024</a:t>
+              <a:t>28.10.2024</a:t>
             </a:fld>
             <a:endParaRPr lang="de-DE"/>
           </a:p>
@@ -1228,7 +1337,7 @@
           <a:p>
             <a:fld id="{14A7536F-30DA-4A3E-8FD1-A25426FD1018}" type="datetime1">
               <a:rPr lang="de-DE" smtClean="0"/>
-              <a:t>27.10.2024</a:t>
+              <a:t>28.10.2024</a:t>
             </a:fld>
             <a:endParaRPr lang="de-DE"/>
           </a:p>
@@ -1474,7 +1583,7 @@
           <a:p>
             <a:fld id="{83C0B615-3DB7-47F9-922F-AA642D2032D8}" type="datetime1">
               <a:rPr lang="de-DE" smtClean="0"/>
-              <a:t>27.10.2024</a:t>
+              <a:t>28.10.2024</a:t>
             </a:fld>
             <a:endParaRPr lang="de-DE"/>
           </a:p>
@@ -1706,7 +1815,7 @@
           <a:p>
             <a:fld id="{736F1FFD-9937-4E31-A10C-8B76A6185FA5}" type="datetime1">
               <a:rPr lang="de-DE" smtClean="0"/>
-              <a:t>27.10.2024</a:t>
+              <a:t>28.10.2024</a:t>
             </a:fld>
             <a:endParaRPr lang="de-DE"/>
           </a:p>
@@ -2073,7 +2182,7 @@
           <a:p>
             <a:fld id="{47823504-7769-4DBA-A9ED-AA36B31F18B2}" type="datetime1">
               <a:rPr lang="de-DE" smtClean="0"/>
-              <a:t>27.10.2024</a:t>
+              <a:t>28.10.2024</a:t>
             </a:fld>
             <a:endParaRPr lang="de-DE"/>
           </a:p>
@@ -2191,7 +2300,7 @@
           <a:p>
             <a:fld id="{FFDA750B-1959-4699-8CA5-95A1922A8749}" type="datetime1">
               <a:rPr lang="de-DE" smtClean="0"/>
-              <a:t>27.10.2024</a:t>
+              <a:t>28.10.2024</a:t>
             </a:fld>
             <a:endParaRPr lang="de-DE"/>
           </a:p>
@@ -2286,7 +2395,7 @@
           <a:p>
             <a:fld id="{2DDFC44D-9975-40B9-9BE8-4223AF3109B6}" type="datetime1">
               <a:rPr lang="de-DE" smtClean="0"/>
-              <a:t>27.10.2024</a:t>
+              <a:t>28.10.2024</a:t>
             </a:fld>
             <a:endParaRPr lang="de-DE"/>
           </a:p>
@@ -2563,7 +2672,7 @@
           <a:p>
             <a:fld id="{6E52A64E-A8F8-4E23-8F5C-A4506361B19B}" type="datetime1">
               <a:rPr lang="de-DE" smtClean="0"/>
-              <a:t>27.10.2024</a:t>
+              <a:t>28.10.2024</a:t>
             </a:fld>
             <a:endParaRPr lang="de-DE"/>
           </a:p>
@@ -2820,7 +2929,7 @@
           <a:p>
             <a:fld id="{FC5DF16F-5F5D-4800-8A49-93DC2FDBEA53}" type="datetime1">
               <a:rPr lang="de-DE" smtClean="0"/>
-              <a:t>27.10.2024</a:t>
+              <a:t>28.10.2024</a:t>
             </a:fld>
             <a:endParaRPr lang="de-DE"/>
           </a:p>
@@ -3050,7 +3159,7 @@
           <a:p>
             <a:fld id="{61CE3A03-8C80-4CAE-8CB8-A2010745A914}" type="datetime1">
               <a:rPr lang="de-DE" smtClean="0"/>
-              <a:t>27.10.2024</a:t>
+              <a:t>28.10.2024</a:t>
             </a:fld>
             <a:endParaRPr lang="de-DE"/>
           </a:p>
@@ -3906,13 +4015,13 @@
   <p:clrMapOvr>
     <a:masterClrMapping/>
   </p:clrMapOvr>
-  <mc:AlternateContent xmlns:mc="http://schemas.openxmlformats.org/markup-compatibility/2006">
-    <mc:Choice xmlns:p159="http://schemas.microsoft.com/office/powerpoint/2015/09/main" Requires="p159">
+  <mc:AlternateContent xmlns:mc="http://schemas.openxmlformats.org/markup-compatibility/2006" xmlns:p159="http://schemas.microsoft.com/office/powerpoint/2015/09/main">
+    <mc:Choice Requires="p159">
       <p:transition spd="slow">
         <p159:morph option="byObject"/>
       </p:transition>
     </mc:Choice>
-    <mc:Fallback>
+    <mc:Fallback xmlns="">
       <p:transition spd="slow">
         <p:fade/>
       </p:transition>
@@ -4041,13 +4150,13 @@
   <p:clrMapOvr>
     <a:masterClrMapping/>
   </p:clrMapOvr>
-  <mc:AlternateContent xmlns:mc="http://schemas.openxmlformats.org/markup-compatibility/2006">
-    <mc:Choice xmlns:p159="http://schemas.microsoft.com/office/powerpoint/2015/09/main" Requires="p159">
+  <mc:AlternateContent xmlns:mc="http://schemas.openxmlformats.org/markup-compatibility/2006" xmlns:p159="http://schemas.microsoft.com/office/powerpoint/2015/09/main">
+    <mc:Choice Requires="p159">
       <p:transition spd="slow">
         <p159:morph option="byObject"/>
       </p:transition>
     </mc:Choice>
-    <mc:Fallback>
+    <mc:Fallback xmlns="">
       <p:transition spd="slow">
         <p:fade/>
       </p:transition>
@@ -4176,13 +4285,13 @@
   <p:clrMapOvr>
     <a:masterClrMapping/>
   </p:clrMapOvr>
-  <mc:AlternateContent xmlns:mc="http://schemas.openxmlformats.org/markup-compatibility/2006">
-    <mc:Choice xmlns:p159="http://schemas.microsoft.com/office/powerpoint/2015/09/main" Requires="p159">
+  <mc:AlternateContent xmlns:mc="http://schemas.openxmlformats.org/markup-compatibility/2006" xmlns:p159="http://schemas.microsoft.com/office/powerpoint/2015/09/main">
+    <mc:Choice Requires="p159">
       <p:transition spd="slow">
         <p159:morph option="byObject"/>
       </p:transition>
     </mc:Choice>
-    <mc:Fallback>
+    <mc:Fallback xmlns="">
       <p:transition spd="slow">
         <p:fade/>
       </p:transition>
@@ -4311,13 +4420,13 @@
   <p:clrMapOvr>
     <a:masterClrMapping/>
   </p:clrMapOvr>
-  <mc:AlternateContent xmlns:mc="http://schemas.openxmlformats.org/markup-compatibility/2006">
-    <mc:Choice xmlns:p159="http://schemas.microsoft.com/office/powerpoint/2015/09/main" Requires="p159">
+  <mc:AlternateContent xmlns:mc="http://schemas.openxmlformats.org/markup-compatibility/2006" xmlns:p159="http://schemas.microsoft.com/office/powerpoint/2015/09/main">
+    <mc:Choice Requires="p159">
       <p:transition spd="slow">
         <p159:morph option="byObject"/>
       </p:transition>
     </mc:Choice>
-    <mc:Fallback>
+    <mc:Fallback xmlns="">
       <p:transition spd="slow">
         <p:fade/>
       </p:transition>
@@ -4649,13 +4758,13 @@
   <p:clrMapOvr>
     <a:masterClrMapping/>
   </p:clrMapOvr>
-  <mc:AlternateContent xmlns:mc="http://schemas.openxmlformats.org/markup-compatibility/2006">
-    <mc:Choice xmlns:p159="http://schemas.microsoft.com/office/powerpoint/2015/09/main" Requires="p159">
+  <mc:AlternateContent xmlns:mc="http://schemas.openxmlformats.org/markup-compatibility/2006" xmlns:p159="http://schemas.microsoft.com/office/powerpoint/2015/09/main">
+    <mc:Choice Requires="p159">
       <p:transition advClick="0" advTm="510">
         <p159:morph option="byObject"/>
       </p:transition>
     </mc:Choice>
-    <mc:Fallback>
+    <mc:Fallback xmlns="">
       <p:transition advClick="0" advTm="510">
         <p:fade/>
       </p:transition>
@@ -5225,13 +5334,13 @@
   <p:clrMapOvr>
     <a:masterClrMapping/>
   </p:clrMapOvr>
-  <mc:AlternateContent xmlns:mc="http://schemas.openxmlformats.org/markup-compatibility/2006">
-    <mc:Choice xmlns:p159="http://schemas.microsoft.com/office/powerpoint/2015/09/main" Requires="p159">
+  <mc:AlternateContent xmlns:mc="http://schemas.openxmlformats.org/markup-compatibility/2006" xmlns:p159="http://schemas.microsoft.com/office/powerpoint/2015/09/main">
+    <mc:Choice Requires="p159">
       <p:transition xmlns:p14="http://schemas.microsoft.com/office/powerpoint/2010/main" spd="slow" p14:dur="2000">
         <p159:morph option="byObject"/>
       </p:transition>
     </mc:Choice>
-    <mc:Fallback>
+    <mc:Fallback xmlns="">
       <p:transition spd="slow">
         <p:fade/>
       </p:transition>
@@ -5767,6 +5876,72 @@
     <p:extLst>
       <p:ext uri="{BB962C8B-B14F-4D97-AF65-F5344CB8AC3E}">
         <p14:creationId xmlns:p14="http://schemas.microsoft.com/office/powerpoint/2010/main" val="3057589612"/>
+      </p:ext>
+    </p:extLst>
+  </p:cSld>
+  <p:clrMapOvr>
+    <a:masterClrMapping/>
+  </p:clrMapOvr>
+</p:sld>
+</file>
+
+<file path=ppt/slides/slide19.xml><?xml version="1.0" encoding="utf-8"?>
+<p:sld xmlns:a="http://schemas.openxmlformats.org/drawingml/2006/main" xmlns:r="http://schemas.openxmlformats.org/officeDocument/2006/relationships" xmlns:p="http://schemas.openxmlformats.org/presentationml/2006/main">
+  <p:cSld>
+    <p:spTree>
+      <p:nvGrpSpPr>
+        <p:cNvPr id="1" name="">
+          <a:extLst>
+            <a:ext uri="{FF2B5EF4-FFF2-40B4-BE49-F238E27FC236}">
+              <a16:creationId xmlns:a16="http://schemas.microsoft.com/office/drawing/2014/main" id="{F1FC3C09-3BF1-B713-3B9E-C8AB0847B1C6}"/>
+            </a:ext>
+          </a:extLst>
+        </p:cNvPr>
+        <p:cNvGrpSpPr/>
+        <p:nvPr/>
+      </p:nvGrpSpPr>
+      <p:grpSpPr>
+        <a:xfrm>
+          <a:off x="0" y="0"/>
+          <a:ext cx="0" cy="0"/>
+          <a:chOff x="0" y="0"/>
+          <a:chExt cx="0" cy="0"/>
+        </a:xfrm>
+      </p:grpSpPr>
+      <p:pic>
+        <p:nvPicPr>
+          <p:cNvPr id="10" name="Grafik 9">
+            <a:extLst>
+              <a:ext uri="{FF2B5EF4-FFF2-40B4-BE49-F238E27FC236}">
+                <a16:creationId xmlns:a16="http://schemas.microsoft.com/office/drawing/2014/main" id="{C5DAE0C7-69AA-F3D3-6FA7-8C53C70D7FF4}"/>
+              </a:ext>
+            </a:extLst>
+          </p:cNvPr>
+          <p:cNvPicPr>
+            <a:picLocks noChangeAspect="1"/>
+          </p:cNvPicPr>
+          <p:nvPr/>
+        </p:nvPicPr>
+        <p:blipFill>
+          <a:blip r:embed="rId3"/>
+          <a:stretch>
+            <a:fillRect/>
+          </a:stretch>
+        </p:blipFill>
+        <p:spPr>
+          <a:xfrm>
+            <a:off x="0" y="174"/>
+            <a:ext cx="12192000" cy="6857651"/>
+          </a:xfrm>
+          <a:prstGeom prst="rect">
+            <a:avLst/>
+          </a:prstGeom>
+        </p:spPr>
+      </p:pic>
+    </p:spTree>
+    <p:extLst>
+      <p:ext uri="{BB962C8B-B14F-4D97-AF65-F5344CB8AC3E}">
+        <p14:creationId xmlns:p14="http://schemas.microsoft.com/office/powerpoint/2010/main" val="3384567168"/>
       </p:ext>
     </p:extLst>
   </p:cSld>
@@ -11018,13 +11193,13 @@
   <p:clrMapOvr>
     <a:masterClrMapping/>
   </p:clrMapOvr>
-  <mc:AlternateContent xmlns:mc="http://schemas.openxmlformats.org/markup-compatibility/2006">
-    <mc:Choice xmlns:p159="http://schemas.microsoft.com/office/powerpoint/2015/09/main" Requires="p159">
+  <mc:AlternateContent xmlns:mc="http://schemas.openxmlformats.org/markup-compatibility/2006" xmlns:p159="http://schemas.microsoft.com/office/powerpoint/2015/09/main">
+    <mc:Choice Requires="p159">
       <p:transition xmlns:p14="http://schemas.microsoft.com/office/powerpoint/2010/main" spd="slow" p14:dur="1500">
         <p159:morph option="byObject"/>
       </p:transition>
     </mc:Choice>
-    <mc:Fallback>
+    <mc:Fallback xmlns="">
       <p:transition spd="slow">
         <p:fade/>
       </p:transition>
